--- a/Presentation.pptx
+++ b/Presentation.pptx
@@ -7,6 +7,12 @@
   <p:sldIdLst>
     <p:sldId id="256" r:id="rId2"/>
     <p:sldId id="257" r:id="rId3"/>
+    <p:sldId id="259" r:id="rId4"/>
+    <p:sldId id="260" r:id="rId5"/>
+    <p:sldId id="261" r:id="rId6"/>
+    <p:sldId id="262" r:id="rId7"/>
+    <p:sldId id="258" r:id="rId8"/>
+    <p:sldId id="263" r:id="rId9"/>
   </p:sldIdLst>
   <p:sldSz cx="12192000" cy="6858000"/>
   <p:notesSz cx="6858000" cy="9144000"/>
@@ -2830,7 +2836,7 @@
           </a:p>
           <a:p>
             <a:r>
-              <a:rPr lang="en-US"/>
+              <a:rPr lang="en-US" dirty="0"/>
               <a:t>Buildertrend</a:t>
             </a:r>
           </a:p>
@@ -2879,35 +2885,50 @@
             <a:spLocks noGrp="1"/>
           </p:cNvSpPr>
           <p:nvPr>
-            <p:ph type="title"/>
-          </p:nvPr>
-        </p:nvSpPr>
-        <p:spPr/>
-        <p:txBody>
-          <a:bodyPr/>
+            <p:ph type="ctrTitle"/>
+          </p:nvPr>
+        </p:nvSpPr>
+        <p:spPr>
+          <a:xfrm>
+            <a:off x="1524000" y="1122363"/>
+            <a:ext cx="9144000" cy="2387600"/>
+          </a:xfrm>
+        </p:spPr>
+        <p:txBody>
+          <a:bodyPr anchor="b">
+            <a:normAutofit fontScale="90000"/>
+          </a:bodyPr>
           <a:lstStyle/>
           <a:p>
-            <a:endParaRPr lang="en-US" dirty="0"/>
-          </a:p>
-        </p:txBody>
-      </p:sp>
-      <p:sp>
-        <p:nvSpPr>
-          <p:cNvPr id="10" name="Content Placeholder 9">
-            <a:extLst>
-              <a:ext uri="{FF2B5EF4-FFF2-40B4-BE49-F238E27FC236}">
-                <a16:creationId xmlns:a16="http://schemas.microsoft.com/office/drawing/2014/main" id="{EDB3E95A-971B-4001-82BF-6544A1C394DB}"/>
-              </a:ext>
-            </a:extLst>
-          </p:cNvPr>
-          <p:cNvSpPr>
-            <a:spLocks noGrp="1"/>
-          </p:cNvSpPr>
-          <p:nvPr>
-            <p:ph idx="1"/>
-          </p:nvPr>
-        </p:nvSpPr>
-        <p:spPr/>
+            <a:r>
+              <a:rPr lang="en-US" dirty="0"/>
+              <a:t>Why am I qualified to compare superheroes to developers?</a:t>
+            </a:r>
+          </a:p>
+        </p:txBody>
+      </p:sp>
+      <p:sp>
+        <p:nvSpPr>
+          <p:cNvPr id="14" name="Subtitle 2">
+            <a:extLst>
+              <a:ext uri="{FF2B5EF4-FFF2-40B4-BE49-F238E27FC236}">
+                <a16:creationId xmlns:a16="http://schemas.microsoft.com/office/drawing/2014/main" id="{7A73D68B-74F0-43A1-9772-AEAC7049B69D}"/>
+              </a:ext>
+            </a:extLst>
+          </p:cNvPr>
+          <p:cNvSpPr>
+            <a:spLocks noGrp="1"/>
+          </p:cNvSpPr>
+          <p:nvPr>
+            <p:ph type="subTitle" idx="1"/>
+          </p:nvPr>
+        </p:nvSpPr>
+        <p:spPr>
+          <a:xfrm>
+            <a:off x="1524000" y="3602038"/>
+            <a:ext cx="9144000" cy="1655762"/>
+          </a:xfrm>
+        </p:spPr>
         <p:txBody>
           <a:bodyPr/>
           <a:lstStyle/>
@@ -2920,6 +2941,614 @@
     <p:extLst>
       <p:ext uri="{BB962C8B-B14F-4D97-AF65-F5344CB8AC3E}">
         <p14:creationId xmlns:p14="http://schemas.microsoft.com/office/powerpoint/2010/main" val="1573423468"/>
+      </p:ext>
+    </p:extLst>
+  </p:cSld>
+  <p:clrMapOvr>
+    <a:masterClrMapping/>
+  </p:clrMapOvr>
+</p:sld>
+</file>
+
+<file path=ppt/slides/slide3.xml><?xml version="1.0" encoding="utf-8"?>
+<p:sld xmlns:a="http://schemas.openxmlformats.org/drawingml/2006/main" xmlns:r="http://schemas.openxmlformats.org/officeDocument/2006/relationships" xmlns:p="http://schemas.openxmlformats.org/presentationml/2006/main">
+  <p:cSld>
+    <p:spTree>
+      <p:nvGrpSpPr>
+        <p:cNvPr id="1" name=""/>
+        <p:cNvGrpSpPr/>
+        <p:nvPr/>
+      </p:nvGrpSpPr>
+      <p:grpSpPr>
+        <a:xfrm>
+          <a:off x="0" y="0"/>
+          <a:ext cx="0" cy="0"/>
+          <a:chOff x="0" y="0"/>
+          <a:chExt cx="0" cy="0"/>
+        </a:xfrm>
+      </p:grpSpPr>
+      <p:sp>
+        <p:nvSpPr>
+          <p:cNvPr id="2" name="Title 1">
+            <a:extLst>
+              <a:ext uri="{FF2B5EF4-FFF2-40B4-BE49-F238E27FC236}">
+                <a16:creationId xmlns:a16="http://schemas.microsoft.com/office/drawing/2014/main" id="{E55A4628-E4D1-46F6-A6FC-6F29DFADF853}"/>
+              </a:ext>
+            </a:extLst>
+          </p:cNvPr>
+          <p:cNvSpPr>
+            <a:spLocks noGrp="1"/>
+          </p:cNvSpPr>
+          <p:nvPr>
+            <p:ph type="title"/>
+          </p:nvPr>
+        </p:nvSpPr>
+        <p:spPr/>
+        <p:txBody>
+          <a:bodyPr/>
+          <a:lstStyle/>
+          <a:p>
+            <a:r>
+              <a:rPr lang="en-US" dirty="0"/>
+              <a:t>How does this help?</a:t>
+            </a:r>
+          </a:p>
+        </p:txBody>
+      </p:sp>
+      <p:sp>
+        <p:nvSpPr>
+          <p:cNvPr id="3" name="Content Placeholder 2">
+            <a:extLst>
+              <a:ext uri="{FF2B5EF4-FFF2-40B4-BE49-F238E27FC236}">
+                <a16:creationId xmlns:a16="http://schemas.microsoft.com/office/drawing/2014/main" id="{B6B3F949-ADBF-4F92-AB30-80447EF6EE93}"/>
+              </a:ext>
+            </a:extLst>
+          </p:cNvPr>
+          <p:cNvSpPr>
+            <a:spLocks noGrp="1"/>
+          </p:cNvSpPr>
+          <p:nvPr>
+            <p:ph idx="1"/>
+          </p:nvPr>
+        </p:nvSpPr>
+        <p:spPr/>
+        <p:txBody>
+          <a:bodyPr/>
+          <a:lstStyle/>
+          <a:p>
+            <a:r>
+              <a:rPr lang="en-US" dirty="0"/>
+              <a:t>Growth!</a:t>
+            </a:r>
+          </a:p>
+          <a:p>
+            <a:pPr lvl="1"/>
+            <a:r>
+              <a:rPr lang="en-US" dirty="0"/>
+              <a:t>20 developers (150 employees) to ~70 developers (~800 employees)</a:t>
+            </a:r>
+          </a:p>
+          <a:p>
+            <a:pPr lvl="1"/>
+            <a:r>
+              <a:rPr lang="en-US" dirty="0"/>
+              <a:t>Acquired 20 developers this year from </a:t>
+            </a:r>
+            <a:r>
+              <a:rPr lang="en-US" dirty="0" err="1"/>
+              <a:t>Coconstruct</a:t>
+            </a:r>
+            <a:endParaRPr lang="en-US" dirty="0"/>
+          </a:p>
+          <a:p>
+            <a:r>
+              <a:rPr lang="en-US" dirty="0"/>
+              <a:t>Adjust to Scale</a:t>
+            </a:r>
+          </a:p>
+          <a:p>
+            <a:pPr lvl="1"/>
+            <a:r>
+              <a:rPr lang="en-US" dirty="0"/>
+              <a:t>Dev teams changed from area focus to project focus</a:t>
+            </a:r>
+          </a:p>
+          <a:p>
+            <a:pPr lvl="1"/>
+            <a:r>
+              <a:rPr lang="en-US" dirty="0"/>
+              <a:t>Tried teams with different level of skill</a:t>
+            </a:r>
+          </a:p>
+          <a:p>
+            <a:r>
+              <a:rPr lang="en-US" dirty="0"/>
+              <a:t>I’ve seen the experiments; what works and what doesn’t </a:t>
+            </a:r>
+          </a:p>
+        </p:txBody>
+      </p:sp>
+    </p:spTree>
+    <p:extLst>
+      <p:ext uri="{BB962C8B-B14F-4D97-AF65-F5344CB8AC3E}">
+        <p14:creationId xmlns:p14="http://schemas.microsoft.com/office/powerpoint/2010/main" val="3412654515"/>
+      </p:ext>
+    </p:extLst>
+  </p:cSld>
+  <p:clrMapOvr>
+    <a:masterClrMapping/>
+  </p:clrMapOvr>
+</p:sld>
+</file>
+
+<file path=ppt/slides/slide4.xml><?xml version="1.0" encoding="utf-8"?>
+<p:sld xmlns:a="http://schemas.openxmlformats.org/drawingml/2006/main" xmlns:r="http://schemas.openxmlformats.org/officeDocument/2006/relationships" xmlns:p="http://schemas.openxmlformats.org/presentationml/2006/main">
+  <p:cSld>
+    <p:spTree>
+      <p:nvGrpSpPr>
+        <p:cNvPr id="1" name=""/>
+        <p:cNvGrpSpPr/>
+        <p:nvPr/>
+      </p:nvGrpSpPr>
+      <p:grpSpPr>
+        <a:xfrm>
+          <a:off x="0" y="0"/>
+          <a:ext cx="0" cy="0"/>
+          <a:chOff x="0" y="0"/>
+          <a:chExt cx="0" cy="0"/>
+        </a:xfrm>
+      </p:grpSpPr>
+      <p:sp>
+        <p:nvSpPr>
+          <p:cNvPr id="2" name="Title 1">
+            <a:extLst>
+              <a:ext uri="{FF2B5EF4-FFF2-40B4-BE49-F238E27FC236}">
+                <a16:creationId xmlns:a16="http://schemas.microsoft.com/office/drawing/2014/main" id="{21F27540-3A11-4FA6-8B58-545E547552A8}"/>
+              </a:ext>
+            </a:extLst>
+          </p:cNvPr>
+          <p:cNvSpPr>
+            <a:spLocks noGrp="1"/>
+          </p:cNvSpPr>
+          <p:nvPr>
+            <p:ph type="title"/>
+          </p:nvPr>
+        </p:nvSpPr>
+        <p:spPr/>
+        <p:txBody>
+          <a:bodyPr/>
+          <a:lstStyle/>
+          <a:p>
+            <a:r>
+              <a:rPr lang="en-US" dirty="0"/>
+              <a:t>Childhood Nerd</a:t>
+            </a:r>
+          </a:p>
+        </p:txBody>
+      </p:sp>
+      <p:sp>
+        <p:nvSpPr>
+          <p:cNvPr id="3" name="Content Placeholder 2">
+            <a:extLst>
+              <a:ext uri="{FF2B5EF4-FFF2-40B4-BE49-F238E27FC236}">
+                <a16:creationId xmlns:a16="http://schemas.microsoft.com/office/drawing/2014/main" id="{8C30F98B-3112-47AE-8882-8E12F3652C42}"/>
+              </a:ext>
+            </a:extLst>
+          </p:cNvPr>
+          <p:cNvSpPr>
+            <a:spLocks noGrp="1"/>
+          </p:cNvSpPr>
+          <p:nvPr>
+            <p:ph idx="1"/>
+          </p:nvPr>
+        </p:nvSpPr>
+        <p:spPr/>
+        <p:txBody>
+          <a:bodyPr/>
+          <a:lstStyle/>
+          <a:p>
+            <a:r>
+              <a:rPr lang="en-US" dirty="0"/>
+              <a:t>Watched all the 90s cartoons</a:t>
+            </a:r>
+          </a:p>
+          <a:p>
+            <a:pPr lvl="1"/>
+            <a:r>
+              <a:rPr lang="en-US" dirty="0"/>
+              <a:t>Spider-man, Superman, Batman were the best!</a:t>
+            </a:r>
+          </a:p>
+          <a:p>
+            <a:pPr marL="0" indent="0">
+              <a:buNone/>
+            </a:pPr>
+            <a:endParaRPr lang="en-US" dirty="0"/>
+          </a:p>
+        </p:txBody>
+      </p:sp>
+    </p:spTree>
+    <p:extLst>
+      <p:ext uri="{BB962C8B-B14F-4D97-AF65-F5344CB8AC3E}">
+        <p14:creationId xmlns:p14="http://schemas.microsoft.com/office/powerpoint/2010/main" val="3129792395"/>
+      </p:ext>
+    </p:extLst>
+  </p:cSld>
+  <p:clrMapOvr>
+    <a:masterClrMapping/>
+  </p:clrMapOvr>
+</p:sld>
+</file>
+
+<file path=ppt/slides/slide5.xml><?xml version="1.0" encoding="utf-8"?>
+<p:sld xmlns:a="http://schemas.openxmlformats.org/drawingml/2006/main" xmlns:r="http://schemas.openxmlformats.org/officeDocument/2006/relationships" xmlns:p="http://schemas.openxmlformats.org/presentationml/2006/main">
+  <p:cSld>
+    <p:spTree>
+      <p:nvGrpSpPr>
+        <p:cNvPr id="1" name=""/>
+        <p:cNvGrpSpPr/>
+        <p:nvPr/>
+      </p:nvGrpSpPr>
+      <p:grpSpPr>
+        <a:xfrm>
+          <a:off x="0" y="0"/>
+          <a:ext cx="0" cy="0"/>
+          <a:chOff x="0" y="0"/>
+          <a:chExt cx="0" cy="0"/>
+        </a:xfrm>
+      </p:grpSpPr>
+      <p:sp>
+        <p:nvSpPr>
+          <p:cNvPr id="2" name="Title 1">
+            <a:extLst>
+              <a:ext uri="{FF2B5EF4-FFF2-40B4-BE49-F238E27FC236}">
+                <a16:creationId xmlns:a16="http://schemas.microsoft.com/office/drawing/2014/main" id="{E2F9CEBA-72D7-4C1F-936A-34D0B2E13A96}"/>
+              </a:ext>
+            </a:extLst>
+          </p:cNvPr>
+          <p:cNvSpPr>
+            <a:spLocks noGrp="1"/>
+          </p:cNvSpPr>
+          <p:nvPr>
+            <p:ph type="title"/>
+          </p:nvPr>
+        </p:nvSpPr>
+        <p:spPr/>
+        <p:txBody>
+          <a:bodyPr/>
+          <a:lstStyle/>
+          <a:p>
+            <a:r>
+              <a:rPr lang="en-US" dirty="0"/>
+              <a:t>Avid Comic Reader</a:t>
+            </a:r>
+          </a:p>
+        </p:txBody>
+      </p:sp>
+      <p:sp>
+        <p:nvSpPr>
+          <p:cNvPr id="3" name="Content Placeholder 2">
+            <a:extLst>
+              <a:ext uri="{FF2B5EF4-FFF2-40B4-BE49-F238E27FC236}">
+                <a16:creationId xmlns:a16="http://schemas.microsoft.com/office/drawing/2014/main" id="{80139476-529A-4427-843A-6A15241C01B4}"/>
+              </a:ext>
+            </a:extLst>
+          </p:cNvPr>
+          <p:cNvSpPr>
+            <a:spLocks noGrp="1"/>
+          </p:cNvSpPr>
+          <p:nvPr>
+            <p:ph idx="1"/>
+          </p:nvPr>
+        </p:nvSpPr>
+        <p:spPr/>
+        <p:txBody>
+          <a:bodyPr/>
+          <a:lstStyle/>
+          <a:p>
+            <a:r>
+              <a:rPr lang="en-US" dirty="0"/>
+              <a:t>Occasionally as a kid, more as a student in college (until money was low)</a:t>
+            </a:r>
+          </a:p>
+          <a:p>
+            <a:r>
+              <a:rPr lang="en-US" dirty="0" err="1"/>
+              <a:t>Comixology</a:t>
+            </a:r>
+            <a:r>
+              <a:rPr lang="en-US" dirty="0"/>
+              <a:t> Unlimited subscriber</a:t>
+            </a:r>
+          </a:p>
+        </p:txBody>
+      </p:sp>
+    </p:spTree>
+    <p:extLst>
+      <p:ext uri="{BB962C8B-B14F-4D97-AF65-F5344CB8AC3E}">
+        <p14:creationId xmlns:p14="http://schemas.microsoft.com/office/powerpoint/2010/main" val="3620921166"/>
+      </p:ext>
+    </p:extLst>
+  </p:cSld>
+  <p:clrMapOvr>
+    <a:masterClrMapping/>
+  </p:clrMapOvr>
+</p:sld>
+</file>
+
+<file path=ppt/slides/slide6.xml><?xml version="1.0" encoding="utf-8"?>
+<p:sld xmlns:a="http://schemas.openxmlformats.org/drawingml/2006/main" xmlns:r="http://schemas.openxmlformats.org/officeDocument/2006/relationships" xmlns:p="http://schemas.openxmlformats.org/presentationml/2006/main">
+  <p:cSld>
+    <p:spTree>
+      <p:nvGrpSpPr>
+        <p:cNvPr id="1" name=""/>
+        <p:cNvGrpSpPr/>
+        <p:nvPr/>
+      </p:nvGrpSpPr>
+      <p:grpSpPr>
+        <a:xfrm>
+          <a:off x="0" y="0"/>
+          <a:ext cx="0" cy="0"/>
+          <a:chOff x="0" y="0"/>
+          <a:chExt cx="0" cy="0"/>
+        </a:xfrm>
+      </p:grpSpPr>
+      <p:sp>
+        <p:nvSpPr>
+          <p:cNvPr id="2" name="Title 1">
+            <a:extLst>
+              <a:ext uri="{FF2B5EF4-FFF2-40B4-BE49-F238E27FC236}">
+                <a16:creationId xmlns:a16="http://schemas.microsoft.com/office/drawing/2014/main" id="{EBB38841-B09F-4C90-8801-80D733626426}"/>
+              </a:ext>
+            </a:extLst>
+          </p:cNvPr>
+          <p:cNvSpPr>
+            <a:spLocks noGrp="1"/>
+          </p:cNvSpPr>
+          <p:nvPr>
+            <p:ph type="title"/>
+          </p:nvPr>
+        </p:nvSpPr>
+        <p:spPr/>
+        <p:txBody>
+          <a:bodyPr/>
+          <a:lstStyle/>
+          <a:p>
+            <a:r>
+              <a:rPr lang="en-US" dirty="0"/>
+              <a:t>Proud Nerd Dad</a:t>
+            </a:r>
+          </a:p>
+        </p:txBody>
+      </p:sp>
+      <p:sp>
+        <p:nvSpPr>
+          <p:cNvPr id="3" name="Content Placeholder 2">
+            <a:extLst>
+              <a:ext uri="{FF2B5EF4-FFF2-40B4-BE49-F238E27FC236}">
+                <a16:creationId xmlns:a16="http://schemas.microsoft.com/office/drawing/2014/main" id="{B0F7FFA7-55A3-4454-9365-FF941DEF3F56}"/>
+              </a:ext>
+            </a:extLst>
+          </p:cNvPr>
+          <p:cNvSpPr>
+            <a:spLocks noGrp="1"/>
+          </p:cNvSpPr>
+          <p:nvPr>
+            <p:ph idx="1"/>
+          </p:nvPr>
+        </p:nvSpPr>
+        <p:spPr/>
+        <p:txBody>
+          <a:bodyPr/>
+          <a:lstStyle/>
+          <a:p>
+            <a:endParaRPr lang="en-US"/>
+          </a:p>
+        </p:txBody>
+      </p:sp>
+    </p:spTree>
+    <p:extLst>
+      <p:ext uri="{BB962C8B-B14F-4D97-AF65-F5344CB8AC3E}">
+        <p14:creationId xmlns:p14="http://schemas.microsoft.com/office/powerpoint/2010/main" val="4035619492"/>
+      </p:ext>
+    </p:extLst>
+  </p:cSld>
+  <p:clrMapOvr>
+    <a:masterClrMapping/>
+  </p:clrMapOvr>
+</p:sld>
+</file>
+
+<file path=ppt/slides/slide7.xml><?xml version="1.0" encoding="utf-8"?>
+<p:sld xmlns:a="http://schemas.openxmlformats.org/drawingml/2006/main" xmlns:r="http://schemas.openxmlformats.org/officeDocument/2006/relationships" xmlns:p="http://schemas.openxmlformats.org/presentationml/2006/main">
+  <p:cSld>
+    <p:spTree>
+      <p:nvGrpSpPr>
+        <p:cNvPr id="1" name=""/>
+        <p:cNvGrpSpPr/>
+        <p:nvPr/>
+      </p:nvGrpSpPr>
+      <p:grpSpPr>
+        <a:xfrm>
+          <a:off x="0" y="0"/>
+          <a:ext cx="0" cy="0"/>
+          <a:chOff x="0" y="0"/>
+          <a:chExt cx="0" cy="0"/>
+        </a:xfrm>
+      </p:grpSpPr>
+      <p:sp>
+        <p:nvSpPr>
+          <p:cNvPr id="2" name="Title 1">
+            <a:extLst>
+              <a:ext uri="{FF2B5EF4-FFF2-40B4-BE49-F238E27FC236}">
+                <a16:creationId xmlns:a16="http://schemas.microsoft.com/office/drawing/2014/main" id="{9E49B6CB-2258-4107-B957-2279231DFCD2}"/>
+              </a:ext>
+            </a:extLst>
+          </p:cNvPr>
+          <p:cNvSpPr>
+            <a:spLocks noGrp="1"/>
+          </p:cNvSpPr>
+          <p:nvPr>
+            <p:ph type="title"/>
+          </p:nvPr>
+        </p:nvSpPr>
+        <p:spPr/>
+        <p:txBody>
+          <a:bodyPr/>
+          <a:lstStyle/>
+          <a:p>
+            <a:r>
+              <a:rPr lang="en-US" dirty="0"/>
+              <a:t>My History with Buildertrend</a:t>
+            </a:r>
+          </a:p>
+        </p:txBody>
+      </p:sp>
+      <p:sp>
+        <p:nvSpPr>
+          <p:cNvPr id="3" name="Content Placeholder 2">
+            <a:extLst>
+              <a:ext uri="{FF2B5EF4-FFF2-40B4-BE49-F238E27FC236}">
+                <a16:creationId xmlns:a16="http://schemas.microsoft.com/office/drawing/2014/main" id="{E0C5FFEA-6DC5-411F-86AC-D93A481FA5D9}"/>
+              </a:ext>
+            </a:extLst>
+          </p:cNvPr>
+          <p:cNvSpPr>
+            <a:spLocks noGrp="1"/>
+          </p:cNvSpPr>
+          <p:nvPr>
+            <p:ph idx="1"/>
+          </p:nvPr>
+        </p:nvSpPr>
+        <p:spPr/>
+        <p:txBody>
+          <a:bodyPr/>
+          <a:lstStyle/>
+          <a:p>
+            <a:r>
+              <a:rPr lang="en-US" dirty="0"/>
+              <a:t>2016: 1 of ~20 developers</a:t>
+            </a:r>
+          </a:p>
+          <a:p>
+            <a:r>
+              <a:rPr lang="en-US" dirty="0"/>
+              <a:t>2017: Team Lead of 1 of 5, 4-person teams</a:t>
+            </a:r>
+          </a:p>
+          <a:p>
+            <a:r>
+              <a:rPr lang="en-US" dirty="0"/>
+              <a:t>2018: Team Lead of 1 of 7, 8-person teams</a:t>
+            </a:r>
+          </a:p>
+          <a:p>
+            <a:r>
+              <a:rPr lang="en-US" dirty="0"/>
+              <a:t>2019: Trainer. Oversaw onboarding of ??? developers</a:t>
+            </a:r>
+          </a:p>
+          <a:p>
+            <a:r>
+              <a:rPr lang="en-US" dirty="0"/>
+              <a:t>2020: Trainer, overseeing dev team of all new developers</a:t>
+            </a:r>
+          </a:p>
+          <a:p>
+            <a:r>
+              <a:rPr lang="en-US" dirty="0"/>
+              <a:t>2021: Manager, overseeing 3 dev teams</a:t>
+            </a:r>
+          </a:p>
+          <a:p>
+            <a:endParaRPr lang="en-US" dirty="0"/>
+          </a:p>
+        </p:txBody>
+      </p:sp>
+    </p:spTree>
+    <p:extLst>
+      <p:ext uri="{BB962C8B-B14F-4D97-AF65-F5344CB8AC3E}">
+        <p14:creationId xmlns:p14="http://schemas.microsoft.com/office/powerpoint/2010/main" val="1967939390"/>
+      </p:ext>
+    </p:extLst>
+  </p:cSld>
+  <p:clrMapOvr>
+    <a:masterClrMapping/>
+  </p:clrMapOvr>
+</p:sld>
+</file>
+
+<file path=ppt/slides/slide8.xml><?xml version="1.0" encoding="utf-8"?>
+<p:sld xmlns:a="http://schemas.openxmlformats.org/drawingml/2006/main" xmlns:r="http://schemas.openxmlformats.org/officeDocument/2006/relationships" xmlns:p="http://schemas.openxmlformats.org/presentationml/2006/main">
+  <p:cSld>
+    <p:spTree>
+      <p:nvGrpSpPr>
+        <p:cNvPr id="1" name=""/>
+        <p:cNvGrpSpPr/>
+        <p:nvPr/>
+      </p:nvGrpSpPr>
+      <p:grpSpPr>
+        <a:xfrm>
+          <a:off x="0" y="0"/>
+          <a:ext cx="0" cy="0"/>
+          <a:chOff x="0" y="0"/>
+          <a:chExt cx="0" cy="0"/>
+        </a:xfrm>
+      </p:grpSpPr>
+      <p:sp>
+        <p:nvSpPr>
+          <p:cNvPr id="2" name="Title 1">
+            <a:extLst>
+              <a:ext uri="{FF2B5EF4-FFF2-40B4-BE49-F238E27FC236}">
+                <a16:creationId xmlns:a16="http://schemas.microsoft.com/office/drawing/2014/main" id="{2C964072-B272-439A-BFC5-D88F71FC88B5}"/>
+              </a:ext>
+            </a:extLst>
+          </p:cNvPr>
+          <p:cNvSpPr>
+            <a:spLocks noGrp="1"/>
+          </p:cNvSpPr>
+          <p:nvPr>
+            <p:ph type="title"/>
+          </p:nvPr>
+        </p:nvSpPr>
+        <p:spPr/>
+        <p:txBody>
+          <a:bodyPr/>
+          <a:lstStyle/>
+          <a:p>
+            <a:endParaRPr lang="en-US"/>
+          </a:p>
+        </p:txBody>
+      </p:sp>
+      <p:sp>
+        <p:nvSpPr>
+          <p:cNvPr id="3" name="Content Placeholder 2">
+            <a:extLst>
+              <a:ext uri="{FF2B5EF4-FFF2-40B4-BE49-F238E27FC236}">
+                <a16:creationId xmlns:a16="http://schemas.microsoft.com/office/drawing/2014/main" id="{4D6D947D-6FE2-4271-BDEF-4F4763C40F44}"/>
+              </a:ext>
+            </a:extLst>
+          </p:cNvPr>
+          <p:cNvSpPr>
+            <a:spLocks noGrp="1"/>
+          </p:cNvSpPr>
+          <p:nvPr>
+            <p:ph idx="1"/>
+          </p:nvPr>
+        </p:nvSpPr>
+        <p:spPr/>
+        <p:txBody>
+          <a:bodyPr/>
+          <a:lstStyle/>
+          <a:p>
+            <a:endParaRPr lang="en-US"/>
+          </a:p>
+        </p:txBody>
+      </p:sp>
+    </p:spTree>
+    <p:extLst>
+      <p:ext uri="{BB962C8B-B14F-4D97-AF65-F5344CB8AC3E}">
+        <p14:creationId xmlns:p14="http://schemas.microsoft.com/office/powerpoint/2010/main" val="154772483"/>
       </p:ext>
     </p:extLst>
   </p:cSld>

--- a/Presentation.pptx
+++ b/Presentation.pptx
@@ -13,6 +13,14 @@
     <p:sldId id="262" r:id="rId7"/>
     <p:sldId id="258" r:id="rId8"/>
     <p:sldId id="263" r:id="rId9"/>
+    <p:sldId id="264" r:id="rId10"/>
+    <p:sldId id="266" r:id="rId11"/>
+    <p:sldId id="265" r:id="rId12"/>
+    <p:sldId id="267" r:id="rId13"/>
+    <p:sldId id="268" r:id="rId14"/>
+    <p:sldId id="269" r:id="rId15"/>
+    <p:sldId id="270" r:id="rId16"/>
+    <p:sldId id="271" r:id="rId17"/>
   </p:sldIdLst>
   <p:sldSz cx="12192000" cy="6858000"/>
   <p:notesSz cx="6858000" cy="9144000"/>
@@ -2855,6 +2863,757 @@
 </p:sld>
 </file>
 
+<file path=ppt/slides/slide10.xml><?xml version="1.0" encoding="utf-8"?>
+<p:sld xmlns:a="http://schemas.openxmlformats.org/drawingml/2006/main" xmlns:r="http://schemas.openxmlformats.org/officeDocument/2006/relationships" xmlns:p="http://schemas.openxmlformats.org/presentationml/2006/main">
+  <p:cSld>
+    <p:spTree>
+      <p:nvGrpSpPr>
+        <p:cNvPr id="1" name=""/>
+        <p:cNvGrpSpPr/>
+        <p:nvPr/>
+      </p:nvGrpSpPr>
+      <p:grpSpPr>
+        <a:xfrm>
+          <a:off x="0" y="0"/>
+          <a:ext cx="0" cy="0"/>
+          <a:chOff x="0" y="0"/>
+          <a:chExt cx="0" cy="0"/>
+        </a:xfrm>
+      </p:grpSpPr>
+      <p:sp>
+        <p:nvSpPr>
+          <p:cNvPr id="2" name="Title 1">
+            <a:extLst>
+              <a:ext uri="{FF2B5EF4-FFF2-40B4-BE49-F238E27FC236}">
+                <a16:creationId xmlns:a16="http://schemas.microsoft.com/office/drawing/2014/main" id="{6C2BE6E0-0B2C-3340-8BD8-4D59400492F3}"/>
+              </a:ext>
+            </a:extLst>
+          </p:cNvPr>
+          <p:cNvSpPr>
+            <a:spLocks noGrp="1"/>
+          </p:cNvSpPr>
+          <p:nvPr>
+            <p:ph type="title"/>
+          </p:nvPr>
+        </p:nvSpPr>
+        <p:spPr/>
+        <p:txBody>
+          <a:bodyPr/>
+          <a:lstStyle/>
+          <a:p>
+            <a:r>
+              <a:rPr lang="en-US" dirty="0"/>
+              <a:t>How can we use Superheroes to form strong teams?</a:t>
+            </a:r>
+            <a:br>
+              <a:rPr lang="en-US" dirty="0"/>
+            </a:br>
+            <a:endParaRPr lang="en-US" dirty="0"/>
+          </a:p>
+        </p:txBody>
+      </p:sp>
+      <p:sp>
+        <p:nvSpPr>
+          <p:cNvPr id="3" name="Content Placeholder 2">
+            <a:extLst>
+              <a:ext uri="{FF2B5EF4-FFF2-40B4-BE49-F238E27FC236}">
+                <a16:creationId xmlns:a16="http://schemas.microsoft.com/office/drawing/2014/main" id="{12D28201-4563-704A-B9B3-38BCB98635AA}"/>
+              </a:ext>
+            </a:extLst>
+          </p:cNvPr>
+          <p:cNvSpPr>
+            <a:spLocks noGrp="1"/>
+          </p:cNvSpPr>
+          <p:nvPr>
+            <p:ph idx="1"/>
+          </p:nvPr>
+        </p:nvSpPr>
+        <p:spPr/>
+        <p:txBody>
+          <a:bodyPr/>
+          <a:lstStyle/>
+          <a:p>
+            <a:r>
+              <a:rPr lang="en-US" dirty="0"/>
+              <a:t>Developers can often align with archetypes</a:t>
+            </a:r>
+          </a:p>
+          <a:p>
+            <a:endParaRPr lang="en-US" dirty="0"/>
+          </a:p>
+          <a:p>
+            <a:r>
+              <a:rPr lang="en-US" dirty="0"/>
+              <a:t>We can use the last 100 years of Superhero stories as a basis for good dev teams</a:t>
+            </a:r>
+          </a:p>
+          <a:p>
+            <a:endParaRPr lang="en-US" dirty="0"/>
+          </a:p>
+          <a:p>
+            <a:r>
+              <a:rPr lang="en-US" dirty="0"/>
+              <a:t>How we can work together to "save the day”</a:t>
+            </a:r>
+          </a:p>
+          <a:p>
+            <a:endParaRPr lang="en-US" dirty="0"/>
+          </a:p>
+        </p:txBody>
+      </p:sp>
+    </p:spTree>
+    <p:extLst>
+      <p:ext uri="{BB962C8B-B14F-4D97-AF65-F5344CB8AC3E}">
+        <p14:creationId xmlns:p14="http://schemas.microsoft.com/office/powerpoint/2010/main" val="2122677027"/>
+      </p:ext>
+    </p:extLst>
+  </p:cSld>
+  <p:clrMapOvr>
+    <a:masterClrMapping/>
+  </p:clrMapOvr>
+</p:sld>
+</file>
+
+<file path=ppt/slides/slide11.xml><?xml version="1.0" encoding="utf-8"?>
+<p:sld xmlns:a="http://schemas.openxmlformats.org/drawingml/2006/main" xmlns:r="http://schemas.openxmlformats.org/officeDocument/2006/relationships" xmlns:p="http://schemas.openxmlformats.org/presentationml/2006/main">
+  <p:cSld>
+    <p:spTree>
+      <p:nvGrpSpPr>
+        <p:cNvPr id="1" name=""/>
+        <p:cNvGrpSpPr/>
+        <p:nvPr/>
+      </p:nvGrpSpPr>
+      <p:grpSpPr>
+        <a:xfrm>
+          <a:off x="0" y="0"/>
+          <a:ext cx="0" cy="0"/>
+          <a:chOff x="0" y="0"/>
+          <a:chExt cx="0" cy="0"/>
+        </a:xfrm>
+      </p:grpSpPr>
+      <p:sp>
+        <p:nvSpPr>
+          <p:cNvPr id="2" name="Title 1">
+            <a:extLst>
+              <a:ext uri="{FF2B5EF4-FFF2-40B4-BE49-F238E27FC236}">
+                <a16:creationId xmlns:a16="http://schemas.microsoft.com/office/drawing/2014/main" id="{3CDAB8C7-613B-2A4C-BC66-1068EF4CB506}"/>
+              </a:ext>
+            </a:extLst>
+          </p:cNvPr>
+          <p:cNvSpPr>
+            <a:spLocks noGrp="1"/>
+          </p:cNvSpPr>
+          <p:nvPr>
+            <p:ph type="title"/>
+          </p:nvPr>
+        </p:nvSpPr>
+        <p:spPr/>
+        <p:txBody>
+          <a:bodyPr/>
+          <a:lstStyle/>
+          <a:p>
+            <a:r>
+              <a:rPr lang="en-US" dirty="0"/>
+              <a:t>What won’t be covered?</a:t>
+            </a:r>
+          </a:p>
+        </p:txBody>
+      </p:sp>
+      <p:sp>
+        <p:nvSpPr>
+          <p:cNvPr id="3" name="Content Placeholder 2">
+            <a:extLst>
+              <a:ext uri="{FF2B5EF4-FFF2-40B4-BE49-F238E27FC236}">
+                <a16:creationId xmlns:a16="http://schemas.microsoft.com/office/drawing/2014/main" id="{673BCA93-276A-1345-A07C-98809989F279}"/>
+              </a:ext>
+            </a:extLst>
+          </p:cNvPr>
+          <p:cNvSpPr>
+            <a:spLocks noGrp="1"/>
+          </p:cNvSpPr>
+          <p:nvPr>
+            <p:ph idx="1"/>
+          </p:nvPr>
+        </p:nvSpPr>
+        <p:spPr/>
+        <p:txBody>
+          <a:bodyPr/>
+          <a:lstStyle/>
+          <a:p>
+            <a:r>
+              <a:rPr lang="en-US" dirty="0"/>
+              <a:t>Why Marvel is better than DC</a:t>
+            </a:r>
+          </a:p>
+          <a:p>
+            <a:pPr lvl="1"/>
+            <a:r>
+              <a:rPr lang="en-US" dirty="0"/>
+              <a:t>Why Superman sucks</a:t>
+            </a:r>
+          </a:p>
+          <a:p>
+            <a:endParaRPr lang="en-US" dirty="0"/>
+          </a:p>
+          <a:p>
+            <a:r>
+              <a:rPr lang="en-US" dirty="0"/>
+              <a:t>How people are more complex than their superhero archetype</a:t>
+            </a:r>
+          </a:p>
+          <a:p>
+            <a:pPr lvl="1"/>
+            <a:r>
+              <a:rPr lang="en-US" dirty="0"/>
+              <a:t>Intentionally simplifying to help form strong teams</a:t>
+            </a:r>
+          </a:p>
+          <a:p>
+            <a:endParaRPr lang="en-US" dirty="0"/>
+          </a:p>
+          <a:p>
+            <a:endParaRPr lang="en-US" dirty="0"/>
+          </a:p>
+        </p:txBody>
+      </p:sp>
+    </p:spTree>
+    <p:extLst>
+      <p:ext uri="{BB962C8B-B14F-4D97-AF65-F5344CB8AC3E}">
+        <p14:creationId xmlns:p14="http://schemas.microsoft.com/office/powerpoint/2010/main" val="4152400445"/>
+      </p:ext>
+    </p:extLst>
+  </p:cSld>
+  <p:clrMapOvr>
+    <a:masterClrMapping/>
+  </p:clrMapOvr>
+</p:sld>
+</file>
+
+<file path=ppt/slides/slide12.xml><?xml version="1.0" encoding="utf-8"?>
+<p:sld xmlns:a="http://schemas.openxmlformats.org/drawingml/2006/main" xmlns:r="http://schemas.openxmlformats.org/officeDocument/2006/relationships" xmlns:p="http://schemas.openxmlformats.org/presentationml/2006/main">
+  <p:cSld>
+    <p:spTree>
+      <p:nvGrpSpPr>
+        <p:cNvPr id="1" name=""/>
+        <p:cNvGrpSpPr/>
+        <p:nvPr/>
+      </p:nvGrpSpPr>
+      <p:grpSpPr>
+        <a:xfrm>
+          <a:off x="0" y="0"/>
+          <a:ext cx="0" cy="0"/>
+          <a:chOff x="0" y="0"/>
+          <a:chExt cx="0" cy="0"/>
+        </a:xfrm>
+      </p:grpSpPr>
+      <p:sp>
+        <p:nvSpPr>
+          <p:cNvPr id="2" name="Title 1">
+            <a:extLst>
+              <a:ext uri="{FF2B5EF4-FFF2-40B4-BE49-F238E27FC236}">
+                <a16:creationId xmlns:a16="http://schemas.microsoft.com/office/drawing/2014/main" id="{709C0735-CCCE-E847-8746-3D09ADD07D98}"/>
+              </a:ext>
+            </a:extLst>
+          </p:cNvPr>
+          <p:cNvSpPr>
+            <a:spLocks noGrp="1"/>
+          </p:cNvSpPr>
+          <p:nvPr>
+            <p:ph type="ctrTitle"/>
+          </p:nvPr>
+        </p:nvSpPr>
+        <p:spPr>
+          <a:xfrm>
+            <a:off x="1524000" y="1122363"/>
+            <a:ext cx="9144000" cy="2387600"/>
+          </a:xfrm>
+        </p:spPr>
+        <p:txBody>
+          <a:bodyPr anchor="b">
+            <a:normAutofit/>
+          </a:bodyPr>
+          <a:lstStyle/>
+          <a:p>
+            <a:r>
+              <a:rPr lang="en-US" dirty="0"/>
+              <a:t>The Heroes</a:t>
+            </a:r>
+          </a:p>
+        </p:txBody>
+      </p:sp>
+      <p:sp>
+        <p:nvSpPr>
+          <p:cNvPr id="8" name="Subtitle 2">
+            <a:extLst>
+              <a:ext uri="{FF2B5EF4-FFF2-40B4-BE49-F238E27FC236}">
+                <a16:creationId xmlns:a16="http://schemas.microsoft.com/office/drawing/2014/main" id="{0B0A9B67-2495-4937-A174-1E0DDD06A326}"/>
+              </a:ext>
+            </a:extLst>
+          </p:cNvPr>
+          <p:cNvSpPr>
+            <a:spLocks noGrp="1"/>
+          </p:cNvSpPr>
+          <p:nvPr>
+            <p:ph type="subTitle" idx="1"/>
+          </p:nvPr>
+        </p:nvSpPr>
+        <p:spPr>
+          <a:xfrm>
+            <a:off x="1524000" y="3602038"/>
+            <a:ext cx="9144000" cy="1655762"/>
+          </a:xfrm>
+        </p:spPr>
+        <p:txBody>
+          <a:bodyPr/>
+          <a:lstStyle/>
+          <a:p>
+            <a:endParaRPr lang="en-US"/>
+          </a:p>
+        </p:txBody>
+      </p:sp>
+    </p:spTree>
+    <p:extLst>
+      <p:ext uri="{BB962C8B-B14F-4D97-AF65-F5344CB8AC3E}">
+        <p14:creationId xmlns:p14="http://schemas.microsoft.com/office/powerpoint/2010/main" val="3244861492"/>
+      </p:ext>
+    </p:extLst>
+  </p:cSld>
+  <p:clrMapOvr>
+    <a:masterClrMapping/>
+  </p:clrMapOvr>
+</p:sld>
+</file>
+
+<file path=ppt/slides/slide13.xml><?xml version="1.0" encoding="utf-8"?>
+<p:sld xmlns:a="http://schemas.openxmlformats.org/drawingml/2006/main" xmlns:r="http://schemas.openxmlformats.org/officeDocument/2006/relationships" xmlns:p="http://schemas.openxmlformats.org/presentationml/2006/main">
+  <p:cSld>
+    <p:spTree>
+      <p:nvGrpSpPr>
+        <p:cNvPr id="1" name=""/>
+        <p:cNvGrpSpPr/>
+        <p:nvPr/>
+      </p:nvGrpSpPr>
+      <p:grpSpPr>
+        <a:xfrm>
+          <a:off x="0" y="0"/>
+          <a:ext cx="0" cy="0"/>
+          <a:chOff x="0" y="0"/>
+          <a:chExt cx="0" cy="0"/>
+        </a:xfrm>
+      </p:grpSpPr>
+      <p:sp>
+        <p:nvSpPr>
+          <p:cNvPr id="2" name="Title 1">
+            <a:extLst>
+              <a:ext uri="{FF2B5EF4-FFF2-40B4-BE49-F238E27FC236}">
+                <a16:creationId xmlns:a16="http://schemas.microsoft.com/office/drawing/2014/main" id="{CF5D53B4-242F-5546-9602-7D9574390AF8}"/>
+              </a:ext>
+            </a:extLst>
+          </p:cNvPr>
+          <p:cNvSpPr>
+            <a:spLocks noGrp="1"/>
+          </p:cNvSpPr>
+          <p:nvPr>
+            <p:ph type="title"/>
+          </p:nvPr>
+        </p:nvSpPr>
+        <p:spPr/>
+        <p:txBody>
+          <a:bodyPr/>
+          <a:lstStyle/>
+          <a:p>
+            <a:r>
+              <a:rPr lang="en-US" dirty="0"/>
+              <a:t>The Speedster</a:t>
+            </a:r>
+          </a:p>
+        </p:txBody>
+      </p:sp>
+      <p:sp>
+        <p:nvSpPr>
+          <p:cNvPr id="3" name="Content Placeholder 2">
+            <a:extLst>
+              <a:ext uri="{FF2B5EF4-FFF2-40B4-BE49-F238E27FC236}">
+                <a16:creationId xmlns:a16="http://schemas.microsoft.com/office/drawing/2014/main" id="{4E0AAD27-21CF-E441-BEB9-FFC66AE66976}"/>
+              </a:ext>
+            </a:extLst>
+          </p:cNvPr>
+          <p:cNvSpPr>
+            <a:spLocks noGrp="1"/>
+          </p:cNvSpPr>
+          <p:nvPr>
+            <p:ph idx="1"/>
+          </p:nvPr>
+        </p:nvSpPr>
+        <p:spPr/>
+        <p:txBody>
+          <a:bodyPr/>
+          <a:lstStyle/>
+          <a:p>
+            <a:r>
+              <a:rPr lang="en-US" dirty="0"/>
+              <a:t>Solve problems fast but leave a trail of destruction in their wake</a:t>
+            </a:r>
+          </a:p>
+          <a:p>
+            <a:r>
+              <a:rPr lang="en-US" dirty="0"/>
+              <a:t>Tend to focus on speed over quality</a:t>
+            </a:r>
+          </a:p>
+          <a:p>
+            <a:r>
+              <a:rPr lang="en-US" dirty="0"/>
+              <a:t>Can be coached to turn “speed over quality” into “quality with speed”</a:t>
+            </a:r>
+          </a:p>
+          <a:p>
+            <a:pPr lvl="1"/>
+            <a:r>
+              <a:rPr lang="en-US" dirty="0"/>
+              <a:t>Efficiency</a:t>
+            </a:r>
+          </a:p>
+          <a:p>
+            <a:pPr lvl="1"/>
+            <a:endParaRPr lang="en-US" dirty="0"/>
+          </a:p>
+          <a:p>
+            <a:pPr lvl="1"/>
+            <a:endParaRPr lang="en-US" dirty="0"/>
+          </a:p>
+          <a:p>
+            <a:pPr lvl="1"/>
+            <a:endParaRPr lang="en-US" dirty="0"/>
+          </a:p>
+        </p:txBody>
+      </p:sp>
+    </p:spTree>
+    <p:extLst>
+      <p:ext uri="{BB962C8B-B14F-4D97-AF65-F5344CB8AC3E}">
+        <p14:creationId xmlns:p14="http://schemas.microsoft.com/office/powerpoint/2010/main" val="235054487"/>
+      </p:ext>
+    </p:extLst>
+  </p:cSld>
+  <p:clrMapOvr>
+    <a:masterClrMapping/>
+  </p:clrMapOvr>
+</p:sld>
+</file>
+
+<file path=ppt/slides/slide14.xml><?xml version="1.0" encoding="utf-8"?>
+<p:sld xmlns:a="http://schemas.openxmlformats.org/drawingml/2006/main" xmlns:r="http://schemas.openxmlformats.org/officeDocument/2006/relationships" xmlns:p="http://schemas.openxmlformats.org/presentationml/2006/main">
+  <p:cSld>
+    <p:spTree>
+      <p:nvGrpSpPr>
+        <p:cNvPr id="1" name=""/>
+        <p:cNvGrpSpPr/>
+        <p:nvPr/>
+      </p:nvGrpSpPr>
+      <p:grpSpPr>
+        <a:xfrm>
+          <a:off x="0" y="0"/>
+          <a:ext cx="0" cy="0"/>
+          <a:chOff x="0" y="0"/>
+          <a:chExt cx="0" cy="0"/>
+        </a:xfrm>
+      </p:grpSpPr>
+      <p:sp>
+        <p:nvSpPr>
+          <p:cNvPr id="2" name="Title 1">
+            <a:extLst>
+              <a:ext uri="{FF2B5EF4-FFF2-40B4-BE49-F238E27FC236}">
+                <a16:creationId xmlns:a16="http://schemas.microsoft.com/office/drawing/2014/main" id="{AD507485-35C1-9443-AF8D-EF02B8BE20AE}"/>
+              </a:ext>
+            </a:extLst>
+          </p:cNvPr>
+          <p:cNvSpPr>
+            <a:spLocks noGrp="1"/>
+          </p:cNvSpPr>
+          <p:nvPr>
+            <p:ph type="title"/>
+          </p:nvPr>
+        </p:nvSpPr>
+        <p:spPr/>
+        <p:txBody>
+          <a:bodyPr/>
+          <a:lstStyle/>
+          <a:p>
+            <a:r>
+              <a:rPr lang="en-US" dirty="0"/>
+              <a:t>The Master Detective</a:t>
+            </a:r>
+          </a:p>
+        </p:txBody>
+      </p:sp>
+      <p:sp>
+        <p:nvSpPr>
+          <p:cNvPr id="3" name="Content Placeholder 2">
+            <a:extLst>
+              <a:ext uri="{FF2B5EF4-FFF2-40B4-BE49-F238E27FC236}">
+                <a16:creationId xmlns:a16="http://schemas.microsoft.com/office/drawing/2014/main" id="{A4902629-25BE-2640-B2E2-B2CD83675C00}"/>
+              </a:ext>
+            </a:extLst>
+          </p:cNvPr>
+          <p:cNvSpPr>
+            <a:spLocks noGrp="1"/>
+          </p:cNvSpPr>
+          <p:nvPr>
+            <p:ph idx="1"/>
+          </p:nvPr>
+        </p:nvSpPr>
+        <p:spPr/>
+        <p:txBody>
+          <a:bodyPr/>
+          <a:lstStyle/>
+          <a:p>
+            <a:r>
+              <a:rPr lang="en-US" dirty="0"/>
+              <a:t>Strives to solve all problems themselves</a:t>
+            </a:r>
+          </a:p>
+          <a:p>
+            <a:r>
+              <a:rPr lang="en-US" dirty="0"/>
+              <a:t>Often abrasive and thinks they work best alone</a:t>
+            </a:r>
+          </a:p>
+          <a:p>
+            <a:r>
+              <a:rPr lang="en-US" dirty="0"/>
+              <a:t>Has contingencies for the failure of the teammates</a:t>
+            </a:r>
+          </a:p>
+        </p:txBody>
+      </p:sp>
+    </p:spTree>
+    <p:extLst>
+      <p:ext uri="{BB962C8B-B14F-4D97-AF65-F5344CB8AC3E}">
+        <p14:creationId xmlns:p14="http://schemas.microsoft.com/office/powerpoint/2010/main" val="3072002887"/>
+      </p:ext>
+    </p:extLst>
+  </p:cSld>
+  <p:clrMapOvr>
+    <a:masterClrMapping/>
+  </p:clrMapOvr>
+</p:sld>
+</file>
+
+<file path=ppt/slides/slide15.xml><?xml version="1.0" encoding="utf-8"?>
+<p:sld xmlns:a="http://schemas.openxmlformats.org/drawingml/2006/main" xmlns:r="http://schemas.openxmlformats.org/officeDocument/2006/relationships" xmlns:p="http://schemas.openxmlformats.org/presentationml/2006/main">
+  <p:cSld>
+    <p:spTree>
+      <p:nvGrpSpPr>
+        <p:cNvPr id="1" name=""/>
+        <p:cNvGrpSpPr/>
+        <p:nvPr/>
+      </p:nvGrpSpPr>
+      <p:grpSpPr>
+        <a:xfrm>
+          <a:off x="0" y="0"/>
+          <a:ext cx="0" cy="0"/>
+          <a:chOff x="0" y="0"/>
+          <a:chExt cx="0" cy="0"/>
+        </a:xfrm>
+      </p:grpSpPr>
+      <p:sp>
+        <p:nvSpPr>
+          <p:cNvPr id="2" name="Title 1">
+            <a:extLst>
+              <a:ext uri="{FF2B5EF4-FFF2-40B4-BE49-F238E27FC236}">
+                <a16:creationId xmlns:a16="http://schemas.microsoft.com/office/drawing/2014/main" id="{35D5D0A0-D2C0-164A-8FC7-5E41D8964DBB}"/>
+              </a:ext>
+            </a:extLst>
+          </p:cNvPr>
+          <p:cNvSpPr>
+            <a:spLocks noGrp="1"/>
+          </p:cNvSpPr>
+          <p:nvPr>
+            <p:ph type="title"/>
+          </p:nvPr>
+        </p:nvSpPr>
+        <p:spPr/>
+        <p:txBody>
+          <a:bodyPr/>
+          <a:lstStyle/>
+          <a:p>
+            <a:r>
+              <a:rPr lang="en-US" dirty="0"/>
+              <a:t>The Eagle Scout</a:t>
+            </a:r>
+          </a:p>
+        </p:txBody>
+      </p:sp>
+      <p:sp>
+        <p:nvSpPr>
+          <p:cNvPr id="3" name="Content Placeholder 2">
+            <a:extLst>
+              <a:ext uri="{FF2B5EF4-FFF2-40B4-BE49-F238E27FC236}">
+                <a16:creationId xmlns:a16="http://schemas.microsoft.com/office/drawing/2014/main" id="{ABF391DC-5AD0-5A4B-92D0-EFFDE064EB1B}"/>
+              </a:ext>
+            </a:extLst>
+          </p:cNvPr>
+          <p:cNvSpPr>
+            <a:spLocks noGrp="1"/>
+          </p:cNvSpPr>
+          <p:nvPr>
+            <p:ph idx="1"/>
+          </p:nvPr>
+        </p:nvSpPr>
+        <p:spPr/>
+        <p:txBody>
+          <a:bodyPr/>
+          <a:lstStyle/>
+          <a:p>
+            <a:r>
+              <a:rPr lang="en-US" dirty="0"/>
+              <a:t>Understands, and follows, all processes to a T</a:t>
+            </a:r>
+          </a:p>
+          <a:p>
+            <a:endParaRPr lang="en-US" dirty="0"/>
+          </a:p>
+          <a:p>
+            <a:r>
+              <a:rPr lang="en-US" dirty="0"/>
+              <a:t>Code reviews expectations are typically higher for these individuals</a:t>
+            </a:r>
+          </a:p>
+          <a:p>
+            <a:pPr lvl="1"/>
+            <a:r>
+              <a:rPr lang="en-US" dirty="0"/>
+              <a:t>Sometimes even to the point of trivial formatting issues ending up as blockers</a:t>
+            </a:r>
+          </a:p>
+          <a:p>
+            <a:endParaRPr lang="en-US" dirty="0"/>
+          </a:p>
+        </p:txBody>
+      </p:sp>
+    </p:spTree>
+    <p:extLst>
+      <p:ext uri="{BB962C8B-B14F-4D97-AF65-F5344CB8AC3E}">
+        <p14:creationId xmlns:p14="http://schemas.microsoft.com/office/powerpoint/2010/main" val="821854875"/>
+      </p:ext>
+    </p:extLst>
+  </p:cSld>
+  <p:clrMapOvr>
+    <a:masterClrMapping/>
+  </p:clrMapOvr>
+</p:sld>
+</file>
+
+<file path=ppt/slides/slide16.xml><?xml version="1.0" encoding="utf-8"?>
+<p:sld xmlns:a="http://schemas.openxmlformats.org/drawingml/2006/main" xmlns:r="http://schemas.openxmlformats.org/officeDocument/2006/relationships" xmlns:p="http://schemas.openxmlformats.org/presentationml/2006/main">
+  <p:cSld>
+    <p:spTree>
+      <p:nvGrpSpPr>
+        <p:cNvPr id="1" name=""/>
+        <p:cNvGrpSpPr/>
+        <p:nvPr/>
+      </p:nvGrpSpPr>
+      <p:grpSpPr>
+        <a:xfrm>
+          <a:off x="0" y="0"/>
+          <a:ext cx="0" cy="0"/>
+          <a:chOff x="0" y="0"/>
+          <a:chExt cx="0" cy="0"/>
+        </a:xfrm>
+      </p:grpSpPr>
+      <p:sp>
+        <p:nvSpPr>
+          <p:cNvPr id="2" name="Title 1">
+            <a:extLst>
+              <a:ext uri="{FF2B5EF4-FFF2-40B4-BE49-F238E27FC236}">
+                <a16:creationId xmlns:a16="http://schemas.microsoft.com/office/drawing/2014/main" id="{47473CE2-864A-F243-880A-84C06D368A2E}"/>
+              </a:ext>
+            </a:extLst>
+          </p:cNvPr>
+          <p:cNvSpPr>
+            <a:spLocks noGrp="1"/>
+          </p:cNvSpPr>
+          <p:nvPr>
+            <p:ph type="title"/>
+          </p:nvPr>
+        </p:nvSpPr>
+        <p:spPr/>
+        <p:txBody>
+          <a:bodyPr/>
+          <a:lstStyle/>
+          <a:p>
+            <a:r>
+              <a:rPr lang="en-US" dirty="0"/>
+              <a:t>The General</a:t>
+            </a:r>
+          </a:p>
+        </p:txBody>
+      </p:sp>
+      <p:sp>
+        <p:nvSpPr>
+          <p:cNvPr id="3" name="Content Placeholder 2">
+            <a:extLst>
+              <a:ext uri="{FF2B5EF4-FFF2-40B4-BE49-F238E27FC236}">
+                <a16:creationId xmlns:a16="http://schemas.microsoft.com/office/drawing/2014/main" id="{3B6966BF-AAD0-F349-9695-E6AFA9C5AA55}"/>
+              </a:ext>
+            </a:extLst>
+          </p:cNvPr>
+          <p:cNvSpPr>
+            <a:spLocks noGrp="1"/>
+          </p:cNvSpPr>
+          <p:nvPr>
+            <p:ph idx="1"/>
+          </p:nvPr>
+        </p:nvSpPr>
+        <p:spPr/>
+        <p:txBody>
+          <a:bodyPr/>
+          <a:lstStyle/>
+          <a:p>
+            <a:r>
+              <a:rPr lang="en-US" dirty="0"/>
+              <a:t>Might not do the "hands on" </a:t>
+            </a:r>
+            <a:r>
+              <a:rPr lang="en-US"/>
+              <a:t>work themself</a:t>
+            </a:r>
+            <a:endParaRPr lang="en-US" dirty="0"/>
+          </a:p>
+          <a:p>
+            <a:r>
+              <a:rPr lang="en-US" dirty="0"/>
+              <a:t>Employs various strategies to get people on track</a:t>
+            </a:r>
+          </a:p>
+          <a:p>
+            <a:pPr lvl="1"/>
+            <a:r>
+              <a:rPr lang="en-US" dirty="0"/>
+              <a:t>Not always good... Aka the bomb collars for The Suicide Squad</a:t>
+            </a:r>
+          </a:p>
+          <a:p>
+            <a:r>
+              <a:rPr lang="en-US" dirty="0"/>
+              <a:t>Might fall under the side of micromanager</a:t>
+            </a:r>
+          </a:p>
+        </p:txBody>
+      </p:sp>
+    </p:spTree>
+    <p:extLst>
+      <p:ext uri="{BB962C8B-B14F-4D97-AF65-F5344CB8AC3E}">
+        <p14:creationId xmlns:p14="http://schemas.microsoft.com/office/powerpoint/2010/main" val="311248691"/>
+      </p:ext>
+    </p:extLst>
+  </p:cSld>
+  <p:clrMapOvr>
+    <a:masterClrMapping/>
+  </p:clrMapOvr>
+</p:sld>
+</file>
+
 <file path=ppt/slides/slide2.xml><?xml version="1.0" encoding="utf-8"?>
 <p:sld xmlns:a="http://schemas.openxmlformats.org/drawingml/2006/main" xmlns:r="http://schemas.openxmlformats.org/officeDocument/2006/relationships" xmlns:p="http://schemas.openxmlformats.org/presentationml/2006/main">
   <p:cSld>
@@ -2902,7 +3661,7 @@
           <a:p>
             <a:r>
               <a:rPr lang="en-US" dirty="0"/>
-              <a:t>Why am I qualified to compare superheroes to developers?</a:t>
+              <a:t>What is my experience with superheroes and dev teams?</a:t>
             </a:r>
           </a:p>
         </p:txBody>
@@ -2933,7 +3692,10 @@
           <a:bodyPr/>
           <a:lstStyle/>
           <a:p>
-            <a:endParaRPr lang="en-US"/>
+            <a:r>
+              <a:rPr lang="en-US" dirty="0"/>
+              <a:t>(aka why am I qualified for this talk?)</a:t>
+            </a:r>
           </a:p>
         </p:txBody>
       </p:sp>
@@ -3516,7 +4278,10 @@
           <a:bodyPr/>
           <a:lstStyle/>
           <a:p>
-            <a:endParaRPr lang="en-US"/>
+            <a:r>
+              <a:rPr lang="en-US" dirty="0"/>
+              <a:t>Team Pitfalls	</a:t>
+            </a:r>
           </a:p>
         </p:txBody>
       </p:sp>
@@ -3541,7 +4306,56 @@
           <a:bodyPr/>
           <a:lstStyle/>
           <a:p>
-            <a:endParaRPr lang="en-US"/>
+            <a:r>
+              <a:rPr lang="en-US" dirty="0"/>
+              <a:t>Too many developers on one team</a:t>
+            </a:r>
+          </a:p>
+          <a:p>
+            <a:r>
+              <a:rPr lang="en-US" dirty="0"/>
+              <a:t>Early career </a:t>
+            </a:r>
+            <a:r>
+              <a:rPr lang="en-US" dirty="0" err="1"/>
+              <a:t>devs</a:t>
+            </a:r>
+            <a:r>
+              <a:rPr lang="en-US" dirty="0"/>
+              <a:t> grouped together on the same team</a:t>
+            </a:r>
+          </a:p>
+          <a:p>
+            <a:pPr lvl="1"/>
+            <a:r>
+              <a:rPr lang="en-US" dirty="0"/>
+              <a:t>Blind leading the blind</a:t>
+            </a:r>
+          </a:p>
+          <a:p>
+            <a:r>
+              <a:rPr lang="en-US" dirty="0"/>
+              <a:t>Team leads asked to do multiple roles</a:t>
+            </a:r>
+          </a:p>
+          <a:p>
+            <a:r>
+              <a:rPr lang="en-US" dirty="0"/>
+              <a:t>Too many projects at once</a:t>
+            </a:r>
+          </a:p>
+          <a:p>
+            <a:pPr lvl="1"/>
+            <a:r>
+              <a:rPr lang="en-US" dirty="0"/>
+              <a:t>Often 1 project per dev; team lead had a lot to focus on</a:t>
+            </a:r>
+          </a:p>
+          <a:p>
+            <a:pPr marL="457200" lvl="1" indent="0">
+              <a:buNone/>
+            </a:pPr>
+            <a:endParaRPr lang="en-US" dirty="0"/>
           </a:p>
         </p:txBody>
       </p:sp>
@@ -3549,6 +4363,99 @@
     <p:extLst>
       <p:ext uri="{BB962C8B-B14F-4D97-AF65-F5344CB8AC3E}">
         <p14:creationId xmlns:p14="http://schemas.microsoft.com/office/powerpoint/2010/main" val="154772483"/>
+      </p:ext>
+    </p:extLst>
+  </p:cSld>
+  <p:clrMapOvr>
+    <a:masterClrMapping/>
+  </p:clrMapOvr>
+</p:sld>
+</file>
+
+<file path=ppt/slides/slide9.xml><?xml version="1.0" encoding="utf-8"?>
+<p:sld xmlns:a="http://schemas.openxmlformats.org/drawingml/2006/main" xmlns:r="http://schemas.openxmlformats.org/officeDocument/2006/relationships" xmlns:p="http://schemas.openxmlformats.org/presentationml/2006/main">
+  <p:cSld>
+    <p:spTree>
+      <p:nvGrpSpPr>
+        <p:cNvPr id="1" name=""/>
+        <p:cNvGrpSpPr/>
+        <p:nvPr/>
+      </p:nvGrpSpPr>
+      <p:grpSpPr>
+        <a:xfrm>
+          <a:off x="0" y="0"/>
+          <a:ext cx="0" cy="0"/>
+          <a:chOff x="0" y="0"/>
+          <a:chExt cx="0" cy="0"/>
+        </a:xfrm>
+      </p:grpSpPr>
+      <p:sp>
+        <p:nvSpPr>
+          <p:cNvPr id="8" name="Title 1">
+            <a:extLst>
+              <a:ext uri="{FF2B5EF4-FFF2-40B4-BE49-F238E27FC236}">
+                <a16:creationId xmlns:a16="http://schemas.microsoft.com/office/drawing/2014/main" id="{8AFA013A-5D5A-4C92-9A83-D80A9FF4BA66}"/>
+              </a:ext>
+            </a:extLst>
+          </p:cNvPr>
+          <p:cNvSpPr>
+            <a:spLocks noGrp="1"/>
+          </p:cNvSpPr>
+          <p:nvPr>
+            <p:ph type="ctrTitle"/>
+          </p:nvPr>
+        </p:nvSpPr>
+        <p:spPr>
+          <a:xfrm>
+            <a:off x="1524000" y="1122363"/>
+            <a:ext cx="9144000" cy="2387600"/>
+          </a:xfrm>
+        </p:spPr>
+        <p:txBody>
+          <a:bodyPr/>
+          <a:lstStyle/>
+          <a:p>
+            <a:r>
+              <a:rPr lang="en-US" dirty="0"/>
+              <a:t>Comparing Developers to Superhero Archetypes</a:t>
+            </a:r>
+          </a:p>
+        </p:txBody>
+      </p:sp>
+      <p:sp>
+        <p:nvSpPr>
+          <p:cNvPr id="10" name="Subtitle 2">
+            <a:extLst>
+              <a:ext uri="{FF2B5EF4-FFF2-40B4-BE49-F238E27FC236}">
+                <a16:creationId xmlns:a16="http://schemas.microsoft.com/office/drawing/2014/main" id="{2E1AF598-A7F5-4A6F-A7D2-F54187DDBF5D}"/>
+              </a:ext>
+            </a:extLst>
+          </p:cNvPr>
+          <p:cNvSpPr>
+            <a:spLocks noGrp="1"/>
+          </p:cNvSpPr>
+          <p:nvPr>
+            <p:ph type="subTitle" idx="1"/>
+          </p:nvPr>
+        </p:nvSpPr>
+        <p:spPr>
+          <a:xfrm>
+            <a:off x="1524000" y="3602038"/>
+            <a:ext cx="9144000" cy="1655762"/>
+          </a:xfrm>
+        </p:spPr>
+        <p:txBody>
+          <a:bodyPr/>
+          <a:lstStyle/>
+          <a:p>
+            <a:endParaRPr lang="en-US"/>
+          </a:p>
+        </p:txBody>
+      </p:sp>
+    </p:spTree>
+    <p:extLst>
+      <p:ext uri="{BB962C8B-B14F-4D97-AF65-F5344CB8AC3E}">
+        <p14:creationId xmlns:p14="http://schemas.microsoft.com/office/powerpoint/2010/main" val="299638706"/>
       </p:ext>
     </p:extLst>
   </p:cSld>

--- a/Presentation.pptx
+++ b/Presentation.pptx
@@ -21,6 +21,10 @@
     <p:sldId id="269" r:id="rId15"/>
     <p:sldId id="270" r:id="rId16"/>
     <p:sldId id="271" r:id="rId17"/>
+    <p:sldId id="272" r:id="rId18"/>
+    <p:sldId id="273" r:id="rId19"/>
+    <p:sldId id="274" r:id="rId20"/>
+    <p:sldId id="275" r:id="rId21"/>
   </p:sldIdLst>
   <p:sldSz cx="12192000" cy="6858000"/>
   <p:notesSz cx="6858000" cy="9144000"/>
@@ -125,6 +129,2996 @@
     </p:ext>
   </p:extLst>
 </p:presentation>
+</file>
+
+<file path=ppt/diagrams/colors1.xml><?xml version="1.0" encoding="utf-8"?>
+<dgm:colorsDef xmlns:dgm="http://schemas.openxmlformats.org/drawingml/2006/diagram" xmlns:a="http://schemas.openxmlformats.org/drawingml/2006/main" uniqueId="urn:microsoft.com/office/officeart/2005/8/colors/accent1_2">
+  <dgm:title val=""/>
+  <dgm:desc val=""/>
+  <dgm:catLst>
+    <dgm:cat type="accent1" pri="11200"/>
+  </dgm:catLst>
+  <dgm:styleLbl name="node0">
+    <dgm:fillClrLst meth="repeat">
+      <a:schemeClr val="accent1"/>
+    </dgm:fillClrLst>
+    <dgm:linClrLst meth="repeat">
+      <a:schemeClr val="lt1"/>
+    </dgm:linClrLst>
+    <dgm:effectClrLst/>
+    <dgm:txLinClrLst/>
+    <dgm:txFillClrLst/>
+    <dgm:txEffectClrLst/>
+  </dgm:styleLbl>
+  <dgm:styleLbl name="alignNode1">
+    <dgm:fillClrLst meth="repeat">
+      <a:schemeClr val="accent1"/>
+    </dgm:fillClrLst>
+    <dgm:linClrLst meth="repeat">
+      <a:schemeClr val="accent1"/>
+    </dgm:linClrLst>
+    <dgm:effectClrLst/>
+    <dgm:txLinClrLst/>
+    <dgm:txFillClrLst/>
+    <dgm:txEffectClrLst/>
+  </dgm:styleLbl>
+  <dgm:styleLbl name="node1">
+    <dgm:fillClrLst meth="repeat">
+      <a:schemeClr val="accent1"/>
+    </dgm:fillClrLst>
+    <dgm:linClrLst meth="repeat">
+      <a:schemeClr val="lt1"/>
+    </dgm:linClrLst>
+    <dgm:effectClrLst/>
+    <dgm:txLinClrLst/>
+    <dgm:txFillClrLst/>
+    <dgm:txEffectClrLst/>
+  </dgm:styleLbl>
+  <dgm:styleLbl name="lnNode1">
+    <dgm:fillClrLst meth="repeat">
+      <a:schemeClr val="accent1"/>
+    </dgm:fillClrLst>
+    <dgm:linClrLst meth="repeat">
+      <a:schemeClr val="lt1"/>
+    </dgm:linClrLst>
+    <dgm:effectClrLst/>
+    <dgm:txLinClrLst/>
+    <dgm:txFillClrLst/>
+    <dgm:txEffectClrLst/>
+  </dgm:styleLbl>
+  <dgm:styleLbl name="vennNode1">
+    <dgm:fillClrLst meth="repeat">
+      <a:schemeClr val="accent1">
+        <a:alpha val="50000"/>
+      </a:schemeClr>
+    </dgm:fillClrLst>
+    <dgm:linClrLst meth="repeat">
+      <a:schemeClr val="lt1"/>
+    </dgm:linClrLst>
+    <dgm:effectClrLst/>
+    <dgm:txLinClrLst/>
+    <dgm:txFillClrLst/>
+    <dgm:txEffectClrLst/>
+  </dgm:styleLbl>
+  <dgm:styleLbl name="node2">
+    <dgm:fillClrLst meth="repeat">
+      <a:schemeClr val="accent1"/>
+    </dgm:fillClrLst>
+    <dgm:linClrLst meth="repeat">
+      <a:schemeClr val="lt1"/>
+    </dgm:linClrLst>
+    <dgm:effectClrLst/>
+    <dgm:txLinClrLst/>
+    <dgm:txFillClrLst/>
+    <dgm:txEffectClrLst/>
+  </dgm:styleLbl>
+  <dgm:styleLbl name="node3">
+    <dgm:fillClrLst meth="repeat">
+      <a:schemeClr val="accent1"/>
+    </dgm:fillClrLst>
+    <dgm:linClrLst meth="repeat">
+      <a:schemeClr val="lt1"/>
+    </dgm:linClrLst>
+    <dgm:effectClrLst/>
+    <dgm:txLinClrLst/>
+    <dgm:txFillClrLst/>
+    <dgm:txEffectClrLst/>
+  </dgm:styleLbl>
+  <dgm:styleLbl name="node4">
+    <dgm:fillClrLst meth="repeat">
+      <a:schemeClr val="accent1"/>
+    </dgm:fillClrLst>
+    <dgm:linClrLst meth="repeat">
+      <a:schemeClr val="lt1"/>
+    </dgm:linClrLst>
+    <dgm:effectClrLst/>
+    <dgm:txLinClrLst/>
+    <dgm:txFillClrLst/>
+    <dgm:txEffectClrLst/>
+  </dgm:styleLbl>
+  <dgm:styleLbl name="fgImgPlace1">
+    <dgm:fillClrLst meth="repeat">
+      <a:schemeClr val="accent1">
+        <a:tint val="50000"/>
+      </a:schemeClr>
+    </dgm:fillClrLst>
+    <dgm:linClrLst meth="repeat">
+      <a:schemeClr val="lt1"/>
+    </dgm:linClrLst>
+    <dgm:effectClrLst/>
+    <dgm:txLinClrLst/>
+    <dgm:txFillClrLst meth="repeat">
+      <a:schemeClr val="lt1"/>
+    </dgm:txFillClrLst>
+    <dgm:txEffectClrLst/>
+  </dgm:styleLbl>
+  <dgm:styleLbl name="alignImgPlace1">
+    <dgm:fillClrLst meth="repeat">
+      <a:schemeClr val="accent1">
+        <a:tint val="50000"/>
+      </a:schemeClr>
+    </dgm:fillClrLst>
+    <dgm:linClrLst meth="repeat">
+      <a:schemeClr val="lt1"/>
+    </dgm:linClrLst>
+    <dgm:effectClrLst/>
+    <dgm:txLinClrLst/>
+    <dgm:txFillClrLst meth="repeat">
+      <a:schemeClr val="lt1"/>
+    </dgm:txFillClrLst>
+    <dgm:txEffectClrLst/>
+  </dgm:styleLbl>
+  <dgm:styleLbl name="bgImgPlace1">
+    <dgm:fillClrLst meth="repeat">
+      <a:schemeClr val="accent1">
+        <a:tint val="50000"/>
+      </a:schemeClr>
+    </dgm:fillClrLst>
+    <dgm:linClrLst meth="repeat">
+      <a:schemeClr val="lt1"/>
+    </dgm:linClrLst>
+    <dgm:effectClrLst/>
+    <dgm:txLinClrLst/>
+    <dgm:txFillClrLst meth="repeat">
+      <a:schemeClr val="lt1"/>
+    </dgm:txFillClrLst>
+    <dgm:txEffectClrLst/>
+  </dgm:styleLbl>
+  <dgm:styleLbl name="sibTrans2D1">
+    <dgm:fillClrLst meth="repeat">
+      <a:schemeClr val="accent1">
+        <a:tint val="60000"/>
+      </a:schemeClr>
+    </dgm:fillClrLst>
+    <dgm:linClrLst meth="repeat">
+      <a:schemeClr val="accent1">
+        <a:tint val="60000"/>
+      </a:schemeClr>
+    </dgm:linClrLst>
+    <dgm:effectClrLst/>
+    <dgm:txLinClrLst/>
+    <dgm:txFillClrLst/>
+    <dgm:txEffectClrLst/>
+  </dgm:styleLbl>
+  <dgm:styleLbl name="fgSibTrans2D1">
+    <dgm:fillClrLst meth="repeat">
+      <a:schemeClr val="accent1">
+        <a:tint val="60000"/>
+      </a:schemeClr>
+    </dgm:fillClrLst>
+    <dgm:linClrLst meth="repeat">
+      <a:schemeClr val="accent1">
+        <a:tint val="60000"/>
+      </a:schemeClr>
+    </dgm:linClrLst>
+    <dgm:effectClrLst/>
+    <dgm:txLinClrLst/>
+    <dgm:txFillClrLst/>
+    <dgm:txEffectClrLst/>
+  </dgm:styleLbl>
+  <dgm:styleLbl name="bgSibTrans2D1">
+    <dgm:fillClrLst meth="repeat">
+      <a:schemeClr val="accent1">
+        <a:tint val="60000"/>
+      </a:schemeClr>
+    </dgm:fillClrLst>
+    <dgm:linClrLst meth="repeat">
+      <a:schemeClr val="accent1">
+        <a:tint val="60000"/>
+      </a:schemeClr>
+    </dgm:linClrLst>
+    <dgm:effectClrLst/>
+    <dgm:txLinClrLst/>
+    <dgm:txFillClrLst/>
+    <dgm:txEffectClrLst/>
+  </dgm:styleLbl>
+  <dgm:styleLbl name="sibTrans1D1">
+    <dgm:fillClrLst meth="repeat">
+      <a:schemeClr val="accent1"/>
+    </dgm:fillClrLst>
+    <dgm:linClrLst meth="repeat">
+      <a:schemeClr val="accent1"/>
+    </dgm:linClrLst>
+    <dgm:effectClrLst/>
+    <dgm:txLinClrLst/>
+    <dgm:txFillClrLst meth="repeat">
+      <a:schemeClr val="tx1"/>
+    </dgm:txFillClrLst>
+    <dgm:txEffectClrLst/>
+  </dgm:styleLbl>
+  <dgm:styleLbl name="callout">
+    <dgm:fillClrLst meth="repeat">
+      <a:schemeClr val="accent1"/>
+    </dgm:fillClrLst>
+    <dgm:linClrLst meth="repeat">
+      <a:schemeClr val="accent1">
+        <a:tint val="50000"/>
+      </a:schemeClr>
+    </dgm:linClrLst>
+    <dgm:effectClrLst/>
+    <dgm:txLinClrLst/>
+    <dgm:txFillClrLst meth="repeat">
+      <a:schemeClr val="tx1"/>
+    </dgm:txFillClrLst>
+    <dgm:txEffectClrLst/>
+  </dgm:styleLbl>
+  <dgm:styleLbl name="asst0">
+    <dgm:fillClrLst meth="repeat">
+      <a:schemeClr val="accent1"/>
+    </dgm:fillClrLst>
+    <dgm:linClrLst meth="repeat">
+      <a:schemeClr val="lt1"/>
+    </dgm:linClrLst>
+    <dgm:effectClrLst/>
+    <dgm:txLinClrLst/>
+    <dgm:txFillClrLst/>
+    <dgm:txEffectClrLst/>
+  </dgm:styleLbl>
+  <dgm:styleLbl name="asst1">
+    <dgm:fillClrLst meth="repeat">
+      <a:schemeClr val="accent1"/>
+    </dgm:fillClrLst>
+    <dgm:linClrLst meth="repeat">
+      <a:schemeClr val="lt1"/>
+    </dgm:linClrLst>
+    <dgm:effectClrLst/>
+    <dgm:txLinClrLst/>
+    <dgm:txFillClrLst/>
+    <dgm:txEffectClrLst/>
+  </dgm:styleLbl>
+  <dgm:styleLbl name="asst2">
+    <dgm:fillClrLst meth="repeat">
+      <a:schemeClr val="accent1"/>
+    </dgm:fillClrLst>
+    <dgm:linClrLst meth="repeat">
+      <a:schemeClr val="lt1"/>
+    </dgm:linClrLst>
+    <dgm:effectClrLst/>
+    <dgm:txLinClrLst/>
+    <dgm:txFillClrLst/>
+    <dgm:txEffectClrLst/>
+  </dgm:styleLbl>
+  <dgm:styleLbl name="asst3">
+    <dgm:fillClrLst meth="repeat">
+      <a:schemeClr val="accent1"/>
+    </dgm:fillClrLst>
+    <dgm:linClrLst meth="repeat">
+      <a:schemeClr val="lt1"/>
+    </dgm:linClrLst>
+    <dgm:effectClrLst/>
+    <dgm:txLinClrLst/>
+    <dgm:txFillClrLst/>
+    <dgm:txEffectClrLst/>
+  </dgm:styleLbl>
+  <dgm:styleLbl name="asst4">
+    <dgm:fillClrLst meth="repeat">
+      <a:schemeClr val="accent1"/>
+    </dgm:fillClrLst>
+    <dgm:linClrLst meth="repeat">
+      <a:schemeClr val="lt1"/>
+    </dgm:linClrLst>
+    <dgm:effectClrLst/>
+    <dgm:txLinClrLst/>
+    <dgm:txFillClrLst/>
+    <dgm:txEffectClrLst/>
+  </dgm:styleLbl>
+  <dgm:styleLbl name="parChTrans2D1">
+    <dgm:fillClrLst meth="repeat">
+      <a:schemeClr val="accent1">
+        <a:tint val="60000"/>
+      </a:schemeClr>
+    </dgm:fillClrLst>
+    <dgm:linClrLst meth="repeat">
+      <a:schemeClr val="accent1">
+        <a:tint val="60000"/>
+      </a:schemeClr>
+    </dgm:linClrLst>
+    <dgm:effectClrLst/>
+    <dgm:txLinClrLst/>
+    <dgm:txFillClrLst meth="repeat">
+      <a:schemeClr val="lt1"/>
+    </dgm:txFillClrLst>
+    <dgm:txEffectClrLst/>
+  </dgm:styleLbl>
+  <dgm:styleLbl name="parChTrans2D2">
+    <dgm:fillClrLst meth="repeat">
+      <a:schemeClr val="accent1"/>
+    </dgm:fillClrLst>
+    <dgm:linClrLst meth="repeat">
+      <a:schemeClr val="accent1"/>
+    </dgm:linClrLst>
+    <dgm:effectClrLst/>
+    <dgm:txLinClrLst/>
+    <dgm:txFillClrLst meth="repeat">
+      <a:schemeClr val="lt1"/>
+    </dgm:txFillClrLst>
+    <dgm:txEffectClrLst/>
+  </dgm:styleLbl>
+  <dgm:styleLbl name="parChTrans2D3">
+    <dgm:fillClrLst meth="repeat">
+      <a:schemeClr val="accent1"/>
+    </dgm:fillClrLst>
+    <dgm:linClrLst meth="repeat">
+      <a:schemeClr val="accent1"/>
+    </dgm:linClrLst>
+    <dgm:effectClrLst/>
+    <dgm:txLinClrLst/>
+    <dgm:txFillClrLst meth="repeat">
+      <a:schemeClr val="lt1"/>
+    </dgm:txFillClrLst>
+    <dgm:txEffectClrLst/>
+  </dgm:styleLbl>
+  <dgm:styleLbl name="parChTrans2D4">
+    <dgm:fillClrLst meth="repeat">
+      <a:schemeClr val="accent1"/>
+    </dgm:fillClrLst>
+    <dgm:linClrLst meth="repeat">
+      <a:schemeClr val="accent1"/>
+    </dgm:linClrLst>
+    <dgm:effectClrLst/>
+    <dgm:txLinClrLst/>
+    <dgm:txFillClrLst meth="repeat">
+      <a:schemeClr val="lt1"/>
+    </dgm:txFillClrLst>
+    <dgm:txEffectClrLst/>
+  </dgm:styleLbl>
+  <dgm:styleLbl name="parChTrans1D1">
+    <dgm:fillClrLst meth="repeat">
+      <a:schemeClr val="accent1"/>
+    </dgm:fillClrLst>
+    <dgm:linClrLst meth="repeat">
+      <a:schemeClr val="accent1">
+        <a:shade val="60000"/>
+      </a:schemeClr>
+    </dgm:linClrLst>
+    <dgm:effectClrLst/>
+    <dgm:txLinClrLst/>
+    <dgm:txFillClrLst meth="repeat">
+      <a:schemeClr val="tx1"/>
+    </dgm:txFillClrLst>
+    <dgm:txEffectClrLst/>
+  </dgm:styleLbl>
+  <dgm:styleLbl name="parChTrans1D2">
+    <dgm:fillClrLst meth="repeat">
+      <a:schemeClr val="accent1"/>
+    </dgm:fillClrLst>
+    <dgm:linClrLst meth="repeat">
+      <a:schemeClr val="accent1">
+        <a:shade val="60000"/>
+      </a:schemeClr>
+    </dgm:linClrLst>
+    <dgm:effectClrLst/>
+    <dgm:txLinClrLst/>
+    <dgm:txFillClrLst meth="repeat">
+      <a:schemeClr val="tx1"/>
+    </dgm:txFillClrLst>
+    <dgm:txEffectClrLst/>
+  </dgm:styleLbl>
+  <dgm:styleLbl name="parChTrans1D3">
+    <dgm:fillClrLst meth="repeat">
+      <a:schemeClr val="accent1"/>
+    </dgm:fillClrLst>
+    <dgm:linClrLst meth="repeat">
+      <a:schemeClr val="accent1">
+        <a:shade val="80000"/>
+      </a:schemeClr>
+    </dgm:linClrLst>
+    <dgm:effectClrLst/>
+    <dgm:txLinClrLst/>
+    <dgm:txFillClrLst meth="repeat">
+      <a:schemeClr val="tx1"/>
+    </dgm:txFillClrLst>
+    <dgm:txEffectClrLst/>
+  </dgm:styleLbl>
+  <dgm:styleLbl name="parChTrans1D4">
+    <dgm:fillClrLst meth="repeat">
+      <a:schemeClr val="accent1"/>
+    </dgm:fillClrLst>
+    <dgm:linClrLst meth="repeat">
+      <a:schemeClr val="accent1">
+        <a:shade val="80000"/>
+      </a:schemeClr>
+    </dgm:linClrLst>
+    <dgm:effectClrLst/>
+    <dgm:txLinClrLst/>
+    <dgm:txFillClrLst meth="repeat">
+      <a:schemeClr val="tx1"/>
+    </dgm:txFillClrLst>
+    <dgm:txEffectClrLst/>
+  </dgm:styleLbl>
+  <dgm:styleLbl name="fgAcc1">
+    <dgm:fillClrLst meth="repeat">
+      <a:schemeClr val="lt1">
+        <a:alpha val="90000"/>
+      </a:schemeClr>
+    </dgm:fillClrLst>
+    <dgm:linClrLst meth="repeat">
+      <a:schemeClr val="accent1"/>
+    </dgm:linClrLst>
+    <dgm:effectClrLst/>
+    <dgm:txLinClrLst/>
+    <dgm:txFillClrLst meth="repeat">
+      <a:schemeClr val="dk1"/>
+    </dgm:txFillClrLst>
+    <dgm:txEffectClrLst/>
+  </dgm:styleLbl>
+  <dgm:styleLbl name="conFgAcc1">
+    <dgm:fillClrLst meth="repeat">
+      <a:schemeClr val="lt1">
+        <a:alpha val="90000"/>
+      </a:schemeClr>
+    </dgm:fillClrLst>
+    <dgm:linClrLst meth="repeat">
+      <a:schemeClr val="accent1"/>
+    </dgm:linClrLst>
+    <dgm:effectClrLst/>
+    <dgm:txLinClrLst/>
+    <dgm:txFillClrLst meth="repeat">
+      <a:schemeClr val="dk1"/>
+    </dgm:txFillClrLst>
+    <dgm:txEffectClrLst/>
+  </dgm:styleLbl>
+  <dgm:styleLbl name="alignAcc1">
+    <dgm:fillClrLst meth="repeat">
+      <a:schemeClr val="lt1">
+        <a:alpha val="90000"/>
+      </a:schemeClr>
+    </dgm:fillClrLst>
+    <dgm:linClrLst meth="repeat">
+      <a:schemeClr val="accent1"/>
+    </dgm:linClrLst>
+    <dgm:effectClrLst/>
+    <dgm:txLinClrLst/>
+    <dgm:txFillClrLst meth="repeat">
+      <a:schemeClr val="dk1"/>
+    </dgm:txFillClrLst>
+    <dgm:txEffectClrLst/>
+  </dgm:styleLbl>
+  <dgm:styleLbl name="trAlignAcc1">
+    <dgm:fillClrLst meth="repeat">
+      <a:schemeClr val="lt1">
+        <a:alpha val="40000"/>
+      </a:schemeClr>
+    </dgm:fillClrLst>
+    <dgm:linClrLst meth="repeat">
+      <a:schemeClr val="accent1"/>
+    </dgm:linClrLst>
+    <dgm:effectClrLst/>
+    <dgm:txLinClrLst/>
+    <dgm:txFillClrLst meth="repeat">
+      <a:schemeClr val="dk1"/>
+    </dgm:txFillClrLst>
+    <dgm:txEffectClrLst/>
+  </dgm:styleLbl>
+  <dgm:styleLbl name="bgAcc1">
+    <dgm:fillClrLst meth="repeat">
+      <a:schemeClr val="lt1">
+        <a:alpha val="90000"/>
+      </a:schemeClr>
+    </dgm:fillClrLst>
+    <dgm:linClrLst meth="repeat">
+      <a:schemeClr val="accent1"/>
+    </dgm:linClrLst>
+    <dgm:effectClrLst/>
+    <dgm:txLinClrLst/>
+    <dgm:txFillClrLst meth="repeat">
+      <a:schemeClr val="dk1"/>
+    </dgm:txFillClrLst>
+    <dgm:txEffectClrLst/>
+  </dgm:styleLbl>
+  <dgm:styleLbl name="solidFgAcc1">
+    <dgm:fillClrLst meth="repeat">
+      <a:schemeClr val="lt1"/>
+    </dgm:fillClrLst>
+    <dgm:linClrLst meth="repeat">
+      <a:schemeClr val="accent1"/>
+    </dgm:linClrLst>
+    <dgm:effectClrLst/>
+    <dgm:txLinClrLst/>
+    <dgm:txFillClrLst meth="repeat">
+      <a:schemeClr val="dk1"/>
+    </dgm:txFillClrLst>
+    <dgm:txEffectClrLst/>
+  </dgm:styleLbl>
+  <dgm:styleLbl name="solidAlignAcc1">
+    <dgm:fillClrLst meth="repeat">
+      <a:schemeClr val="lt1"/>
+    </dgm:fillClrLst>
+    <dgm:linClrLst meth="repeat">
+      <a:schemeClr val="accent1"/>
+    </dgm:linClrLst>
+    <dgm:effectClrLst/>
+    <dgm:txLinClrLst/>
+    <dgm:txFillClrLst meth="repeat">
+      <a:schemeClr val="dk1"/>
+    </dgm:txFillClrLst>
+    <dgm:txEffectClrLst/>
+  </dgm:styleLbl>
+  <dgm:styleLbl name="solidBgAcc1">
+    <dgm:fillClrLst meth="repeat">
+      <a:schemeClr val="lt1"/>
+    </dgm:fillClrLst>
+    <dgm:linClrLst meth="repeat">
+      <a:schemeClr val="accent1"/>
+    </dgm:linClrLst>
+    <dgm:effectClrLst/>
+    <dgm:txLinClrLst/>
+    <dgm:txFillClrLst meth="repeat">
+      <a:schemeClr val="dk1"/>
+    </dgm:txFillClrLst>
+    <dgm:txEffectClrLst/>
+  </dgm:styleLbl>
+  <dgm:styleLbl name="fgAccFollowNode1">
+    <dgm:fillClrLst meth="repeat">
+      <a:schemeClr val="accent1">
+        <a:alpha val="90000"/>
+        <a:tint val="40000"/>
+      </a:schemeClr>
+    </dgm:fillClrLst>
+    <dgm:linClrLst meth="repeat">
+      <a:schemeClr val="accent1">
+        <a:alpha val="90000"/>
+        <a:tint val="40000"/>
+      </a:schemeClr>
+    </dgm:linClrLst>
+    <dgm:effectClrLst/>
+    <dgm:txLinClrLst/>
+    <dgm:txFillClrLst meth="repeat">
+      <a:schemeClr val="dk1"/>
+    </dgm:txFillClrLst>
+    <dgm:txEffectClrLst/>
+  </dgm:styleLbl>
+  <dgm:styleLbl name="alignAccFollowNode1">
+    <dgm:fillClrLst meth="repeat">
+      <a:schemeClr val="accent1">
+        <a:alpha val="90000"/>
+        <a:tint val="40000"/>
+      </a:schemeClr>
+    </dgm:fillClrLst>
+    <dgm:linClrLst meth="repeat">
+      <a:schemeClr val="accent1">
+        <a:alpha val="90000"/>
+        <a:tint val="40000"/>
+      </a:schemeClr>
+    </dgm:linClrLst>
+    <dgm:effectClrLst/>
+    <dgm:txLinClrLst/>
+    <dgm:txFillClrLst meth="repeat">
+      <a:schemeClr val="dk1"/>
+    </dgm:txFillClrLst>
+    <dgm:txEffectClrLst/>
+  </dgm:styleLbl>
+  <dgm:styleLbl name="bgAccFollowNode1">
+    <dgm:fillClrLst meth="repeat">
+      <a:schemeClr val="accent1">
+        <a:alpha val="90000"/>
+        <a:tint val="40000"/>
+      </a:schemeClr>
+    </dgm:fillClrLst>
+    <dgm:linClrLst meth="repeat">
+      <a:schemeClr val="accent1">
+        <a:alpha val="90000"/>
+        <a:tint val="40000"/>
+      </a:schemeClr>
+    </dgm:linClrLst>
+    <dgm:effectClrLst/>
+    <dgm:txLinClrLst/>
+    <dgm:txFillClrLst meth="repeat">
+      <a:schemeClr val="dk1"/>
+    </dgm:txFillClrLst>
+    <dgm:txEffectClrLst/>
+  </dgm:styleLbl>
+  <dgm:styleLbl name="fgAcc0">
+    <dgm:fillClrLst meth="repeat">
+      <a:schemeClr val="lt1">
+        <a:alpha val="90000"/>
+      </a:schemeClr>
+    </dgm:fillClrLst>
+    <dgm:linClrLst meth="repeat">
+      <a:schemeClr val="accent1"/>
+    </dgm:linClrLst>
+    <dgm:effectClrLst/>
+    <dgm:txLinClrLst/>
+    <dgm:txFillClrLst meth="repeat">
+      <a:schemeClr val="dk1"/>
+    </dgm:txFillClrLst>
+    <dgm:txEffectClrLst/>
+  </dgm:styleLbl>
+  <dgm:styleLbl name="fgAcc2">
+    <dgm:fillClrLst meth="repeat">
+      <a:schemeClr val="lt1">
+        <a:alpha val="90000"/>
+      </a:schemeClr>
+    </dgm:fillClrLst>
+    <dgm:linClrLst meth="repeat">
+      <a:schemeClr val="accent1"/>
+    </dgm:linClrLst>
+    <dgm:effectClrLst/>
+    <dgm:txLinClrLst/>
+    <dgm:txFillClrLst meth="repeat">
+      <a:schemeClr val="dk1"/>
+    </dgm:txFillClrLst>
+    <dgm:txEffectClrLst/>
+  </dgm:styleLbl>
+  <dgm:styleLbl name="fgAcc3">
+    <dgm:fillClrLst meth="repeat">
+      <a:schemeClr val="lt1">
+        <a:alpha val="90000"/>
+      </a:schemeClr>
+    </dgm:fillClrLst>
+    <dgm:linClrLst meth="repeat">
+      <a:schemeClr val="accent1"/>
+    </dgm:linClrLst>
+    <dgm:effectClrLst/>
+    <dgm:txLinClrLst/>
+    <dgm:txFillClrLst meth="repeat">
+      <a:schemeClr val="dk1"/>
+    </dgm:txFillClrLst>
+    <dgm:txEffectClrLst/>
+  </dgm:styleLbl>
+  <dgm:styleLbl name="fgAcc4">
+    <dgm:fillClrLst meth="repeat">
+      <a:schemeClr val="lt1">
+        <a:alpha val="90000"/>
+      </a:schemeClr>
+    </dgm:fillClrLst>
+    <dgm:linClrLst meth="repeat">
+      <a:schemeClr val="accent1"/>
+    </dgm:linClrLst>
+    <dgm:effectClrLst/>
+    <dgm:txLinClrLst/>
+    <dgm:txFillClrLst meth="repeat">
+      <a:schemeClr val="dk1"/>
+    </dgm:txFillClrLst>
+    <dgm:txEffectClrLst/>
+  </dgm:styleLbl>
+  <dgm:styleLbl name="bgShp">
+    <dgm:fillClrLst meth="repeat">
+      <a:schemeClr val="accent1">
+        <a:tint val="40000"/>
+      </a:schemeClr>
+    </dgm:fillClrLst>
+    <dgm:linClrLst meth="repeat">
+      <a:schemeClr val="accent1"/>
+    </dgm:linClrLst>
+    <dgm:effectClrLst/>
+    <dgm:txLinClrLst/>
+    <dgm:txFillClrLst meth="repeat">
+      <a:schemeClr val="dk1"/>
+    </dgm:txFillClrLst>
+    <dgm:txEffectClrLst/>
+  </dgm:styleLbl>
+  <dgm:styleLbl name="dkBgShp">
+    <dgm:fillClrLst meth="repeat">
+      <a:schemeClr val="accent1">
+        <a:shade val="80000"/>
+      </a:schemeClr>
+    </dgm:fillClrLst>
+    <dgm:linClrLst meth="repeat">
+      <a:schemeClr val="accent1"/>
+    </dgm:linClrLst>
+    <dgm:effectClrLst/>
+    <dgm:txLinClrLst/>
+    <dgm:txFillClrLst meth="repeat">
+      <a:schemeClr val="lt1"/>
+    </dgm:txFillClrLst>
+    <dgm:txEffectClrLst/>
+  </dgm:styleLbl>
+  <dgm:styleLbl name="trBgShp">
+    <dgm:fillClrLst meth="repeat">
+      <a:schemeClr val="accent1">
+        <a:tint val="50000"/>
+        <a:alpha val="40000"/>
+      </a:schemeClr>
+    </dgm:fillClrLst>
+    <dgm:linClrLst meth="repeat">
+      <a:schemeClr val="accent1"/>
+    </dgm:linClrLst>
+    <dgm:effectClrLst/>
+    <dgm:txLinClrLst/>
+    <dgm:txFillClrLst meth="repeat">
+      <a:schemeClr val="lt1"/>
+    </dgm:txFillClrLst>
+    <dgm:txEffectClrLst/>
+  </dgm:styleLbl>
+  <dgm:styleLbl name="fgShp">
+    <dgm:fillClrLst meth="repeat">
+      <a:schemeClr val="accent1">
+        <a:tint val="60000"/>
+      </a:schemeClr>
+    </dgm:fillClrLst>
+    <dgm:linClrLst meth="repeat">
+      <a:schemeClr val="lt1"/>
+    </dgm:linClrLst>
+    <dgm:effectClrLst/>
+    <dgm:txLinClrLst/>
+    <dgm:txFillClrLst meth="repeat">
+      <a:schemeClr val="dk1"/>
+    </dgm:txFillClrLst>
+    <dgm:txEffectClrLst/>
+  </dgm:styleLbl>
+  <dgm:styleLbl name="revTx">
+    <dgm:fillClrLst meth="repeat">
+      <a:schemeClr val="lt1">
+        <a:alpha val="0"/>
+      </a:schemeClr>
+    </dgm:fillClrLst>
+    <dgm:linClrLst meth="repeat">
+      <a:schemeClr val="dk1">
+        <a:alpha val="0"/>
+      </a:schemeClr>
+    </dgm:linClrLst>
+    <dgm:effectClrLst/>
+    <dgm:txLinClrLst/>
+    <dgm:txFillClrLst meth="repeat">
+      <a:schemeClr val="tx1"/>
+    </dgm:txFillClrLst>
+    <dgm:txEffectClrLst/>
+  </dgm:styleLbl>
+</dgm:colorsDef>
+</file>
+
+<file path=ppt/diagrams/data1.xml><?xml version="1.0" encoding="utf-8"?>
+<dgm:dataModel xmlns:dgm="http://schemas.openxmlformats.org/drawingml/2006/diagram" xmlns:a="http://schemas.openxmlformats.org/drawingml/2006/main">
+  <dgm:ptLst>
+    <dgm:pt modelId="{006A73BF-FB1D-40C5-AE33-6A1ED14A13F1}" type="doc">
+      <dgm:prSet loTypeId="urn:microsoft.com/office/officeart/2005/8/layout/hierarchy1" loCatId="hierarchy" qsTypeId="urn:microsoft.com/office/officeart/2005/8/quickstyle/simple2" qsCatId="simple" csTypeId="urn:microsoft.com/office/officeart/2005/8/colors/accent1_2" csCatId="accent1"/>
+      <dgm:spPr/>
+      <dgm:t>
+        <a:bodyPr/>
+        <a:lstStyle/>
+        <a:p>
+          <a:endParaRPr lang="en-US"/>
+        </a:p>
+      </dgm:t>
+    </dgm:pt>
+    <dgm:pt modelId="{EE36CC03-025A-4288-89CF-95DD00C2AC88}">
+      <dgm:prSet/>
+      <dgm:spPr/>
+      <dgm:t>
+        <a:bodyPr/>
+        <a:lstStyle/>
+        <a:p>
+          <a:r>
+            <a:rPr lang="en-US"/>
+            <a:t>QA</a:t>
+          </a:r>
+        </a:p>
+      </dgm:t>
+    </dgm:pt>
+    <dgm:pt modelId="{AEDFF45B-2C6D-43A6-80C2-9FEF32865C9A}" type="parTrans" cxnId="{99E58B39-1A45-437E-B0DA-9B8562861735}">
+      <dgm:prSet/>
+      <dgm:spPr/>
+      <dgm:t>
+        <a:bodyPr/>
+        <a:lstStyle/>
+        <a:p>
+          <a:endParaRPr lang="en-US"/>
+        </a:p>
+      </dgm:t>
+    </dgm:pt>
+    <dgm:pt modelId="{7EEE984E-E35C-4E32-BD5F-97C88AC66732}" type="sibTrans" cxnId="{99E58B39-1A45-437E-B0DA-9B8562861735}">
+      <dgm:prSet/>
+      <dgm:spPr/>
+      <dgm:t>
+        <a:bodyPr/>
+        <a:lstStyle/>
+        <a:p>
+          <a:endParaRPr lang="en-US"/>
+        </a:p>
+      </dgm:t>
+    </dgm:pt>
+    <dgm:pt modelId="{25A7689F-5960-470F-A44C-779326E69CB6}">
+      <dgm:prSet/>
+      <dgm:spPr/>
+      <dgm:t>
+        <a:bodyPr/>
+        <a:lstStyle/>
+        <a:p>
+          <a:r>
+            <a:rPr lang="en-US"/>
+            <a:t>The Client</a:t>
+          </a:r>
+        </a:p>
+      </dgm:t>
+    </dgm:pt>
+    <dgm:pt modelId="{C41BA86C-E7E8-4336-A5FC-A3005EEB3440}" type="parTrans" cxnId="{CCC6E2AB-9489-42A7-86F0-0EAD24672B65}">
+      <dgm:prSet/>
+      <dgm:spPr/>
+      <dgm:t>
+        <a:bodyPr/>
+        <a:lstStyle/>
+        <a:p>
+          <a:endParaRPr lang="en-US"/>
+        </a:p>
+      </dgm:t>
+    </dgm:pt>
+    <dgm:pt modelId="{5BE7784B-0A92-41DF-91BE-747578E1CB5F}" type="sibTrans" cxnId="{CCC6E2AB-9489-42A7-86F0-0EAD24672B65}">
+      <dgm:prSet/>
+      <dgm:spPr/>
+      <dgm:t>
+        <a:bodyPr/>
+        <a:lstStyle/>
+        <a:p>
+          <a:endParaRPr lang="en-US"/>
+        </a:p>
+      </dgm:t>
+    </dgm:pt>
+    <dgm:pt modelId="{BF3EA342-A080-4B1C-88D4-04F86ACDC4EE}">
+      <dgm:prSet/>
+      <dgm:spPr/>
+      <dgm:t>
+        <a:bodyPr/>
+        <a:lstStyle/>
+        <a:p>
+          <a:r>
+            <a:rPr lang="en-US"/>
+            <a:t>Other teams within the org</a:t>
+          </a:r>
+        </a:p>
+      </dgm:t>
+    </dgm:pt>
+    <dgm:pt modelId="{2CD442AD-956E-41CC-9113-26C6103A37DC}" type="parTrans" cxnId="{1D9709AC-E5E6-48D4-B9F1-F8794C49381D}">
+      <dgm:prSet/>
+      <dgm:spPr/>
+      <dgm:t>
+        <a:bodyPr/>
+        <a:lstStyle/>
+        <a:p>
+          <a:endParaRPr lang="en-US"/>
+        </a:p>
+      </dgm:t>
+    </dgm:pt>
+    <dgm:pt modelId="{2496605D-FD9C-485A-95B2-4B94FFFA0B1F}" type="sibTrans" cxnId="{1D9709AC-E5E6-48D4-B9F1-F8794C49381D}">
+      <dgm:prSet/>
+      <dgm:spPr/>
+      <dgm:t>
+        <a:bodyPr/>
+        <a:lstStyle/>
+        <a:p>
+          <a:endParaRPr lang="en-US"/>
+        </a:p>
+      </dgm:t>
+    </dgm:pt>
+    <dgm:pt modelId="{E18B5BBE-9FD4-6749-A72F-1190746264EE}" type="pres">
+      <dgm:prSet presAssocID="{006A73BF-FB1D-40C5-AE33-6A1ED14A13F1}" presName="hierChild1" presStyleCnt="0">
+        <dgm:presLayoutVars>
+          <dgm:chPref val="1"/>
+          <dgm:dir/>
+          <dgm:animOne val="branch"/>
+          <dgm:animLvl val="lvl"/>
+          <dgm:resizeHandles/>
+        </dgm:presLayoutVars>
+      </dgm:prSet>
+      <dgm:spPr/>
+    </dgm:pt>
+    <dgm:pt modelId="{C844E422-9983-8B40-B05A-0515392F5C2A}" type="pres">
+      <dgm:prSet presAssocID="{EE36CC03-025A-4288-89CF-95DD00C2AC88}" presName="hierRoot1" presStyleCnt="0"/>
+      <dgm:spPr/>
+    </dgm:pt>
+    <dgm:pt modelId="{4BFBB30F-475E-C444-B11D-936B8C12336F}" type="pres">
+      <dgm:prSet presAssocID="{EE36CC03-025A-4288-89CF-95DD00C2AC88}" presName="composite" presStyleCnt="0"/>
+      <dgm:spPr/>
+    </dgm:pt>
+    <dgm:pt modelId="{267D2BA2-D4C2-494B-8421-7127769BE47E}" type="pres">
+      <dgm:prSet presAssocID="{EE36CC03-025A-4288-89CF-95DD00C2AC88}" presName="background" presStyleLbl="node0" presStyleIdx="0" presStyleCnt="3"/>
+      <dgm:spPr/>
+    </dgm:pt>
+    <dgm:pt modelId="{513C63B5-7945-BB45-B586-94DBA1133344}" type="pres">
+      <dgm:prSet presAssocID="{EE36CC03-025A-4288-89CF-95DD00C2AC88}" presName="text" presStyleLbl="fgAcc0" presStyleIdx="0" presStyleCnt="3">
+        <dgm:presLayoutVars>
+          <dgm:chPref val="3"/>
+        </dgm:presLayoutVars>
+      </dgm:prSet>
+      <dgm:spPr/>
+    </dgm:pt>
+    <dgm:pt modelId="{D692B090-5469-9C4A-85A7-181DC38EED5A}" type="pres">
+      <dgm:prSet presAssocID="{EE36CC03-025A-4288-89CF-95DD00C2AC88}" presName="hierChild2" presStyleCnt="0"/>
+      <dgm:spPr/>
+    </dgm:pt>
+    <dgm:pt modelId="{1DEDBD15-05C9-B247-905B-1259957210D0}" type="pres">
+      <dgm:prSet presAssocID="{25A7689F-5960-470F-A44C-779326E69CB6}" presName="hierRoot1" presStyleCnt="0"/>
+      <dgm:spPr/>
+    </dgm:pt>
+    <dgm:pt modelId="{DA4AF094-D7D6-8842-8617-EEAF94134267}" type="pres">
+      <dgm:prSet presAssocID="{25A7689F-5960-470F-A44C-779326E69CB6}" presName="composite" presStyleCnt="0"/>
+      <dgm:spPr/>
+    </dgm:pt>
+    <dgm:pt modelId="{546812D4-F83D-5F4D-982C-6E73973805A1}" type="pres">
+      <dgm:prSet presAssocID="{25A7689F-5960-470F-A44C-779326E69CB6}" presName="background" presStyleLbl="node0" presStyleIdx="1" presStyleCnt="3"/>
+      <dgm:spPr/>
+    </dgm:pt>
+    <dgm:pt modelId="{33173F9B-0FCE-3B47-8914-9020DA2F1AC8}" type="pres">
+      <dgm:prSet presAssocID="{25A7689F-5960-470F-A44C-779326E69CB6}" presName="text" presStyleLbl="fgAcc0" presStyleIdx="1" presStyleCnt="3">
+        <dgm:presLayoutVars>
+          <dgm:chPref val="3"/>
+        </dgm:presLayoutVars>
+      </dgm:prSet>
+      <dgm:spPr/>
+    </dgm:pt>
+    <dgm:pt modelId="{70BBBCCA-31D8-EE4C-AA2F-7D8EC21D848D}" type="pres">
+      <dgm:prSet presAssocID="{25A7689F-5960-470F-A44C-779326E69CB6}" presName="hierChild2" presStyleCnt="0"/>
+      <dgm:spPr/>
+    </dgm:pt>
+    <dgm:pt modelId="{4007A284-13FB-3543-AE46-31D88F14D332}" type="pres">
+      <dgm:prSet presAssocID="{BF3EA342-A080-4B1C-88D4-04F86ACDC4EE}" presName="hierRoot1" presStyleCnt="0"/>
+      <dgm:spPr/>
+    </dgm:pt>
+    <dgm:pt modelId="{9C742C1C-8CFC-7A4E-8AF1-F28FA41728E1}" type="pres">
+      <dgm:prSet presAssocID="{BF3EA342-A080-4B1C-88D4-04F86ACDC4EE}" presName="composite" presStyleCnt="0"/>
+      <dgm:spPr/>
+    </dgm:pt>
+    <dgm:pt modelId="{AA05C3FB-5D7A-7240-B350-92F016184309}" type="pres">
+      <dgm:prSet presAssocID="{BF3EA342-A080-4B1C-88D4-04F86ACDC4EE}" presName="background" presStyleLbl="node0" presStyleIdx="2" presStyleCnt="3"/>
+      <dgm:spPr/>
+    </dgm:pt>
+    <dgm:pt modelId="{5D7BF935-CB90-834D-A5F7-CC5B24213742}" type="pres">
+      <dgm:prSet presAssocID="{BF3EA342-A080-4B1C-88D4-04F86ACDC4EE}" presName="text" presStyleLbl="fgAcc0" presStyleIdx="2" presStyleCnt="3">
+        <dgm:presLayoutVars>
+          <dgm:chPref val="3"/>
+        </dgm:presLayoutVars>
+      </dgm:prSet>
+      <dgm:spPr/>
+    </dgm:pt>
+    <dgm:pt modelId="{4DCF4BCA-8438-D444-98D5-C5723027FC8C}" type="pres">
+      <dgm:prSet presAssocID="{BF3EA342-A080-4B1C-88D4-04F86ACDC4EE}" presName="hierChild2" presStyleCnt="0"/>
+      <dgm:spPr/>
+    </dgm:pt>
+  </dgm:ptLst>
+  <dgm:cxnLst>
+    <dgm:cxn modelId="{99E58B39-1A45-437E-B0DA-9B8562861735}" srcId="{006A73BF-FB1D-40C5-AE33-6A1ED14A13F1}" destId="{EE36CC03-025A-4288-89CF-95DD00C2AC88}" srcOrd="0" destOrd="0" parTransId="{AEDFF45B-2C6D-43A6-80C2-9FEF32865C9A}" sibTransId="{7EEE984E-E35C-4E32-BD5F-97C88AC66732}"/>
+    <dgm:cxn modelId="{EBF14B46-8068-FE41-91DF-C608D3E34412}" type="presOf" srcId="{006A73BF-FB1D-40C5-AE33-6A1ED14A13F1}" destId="{E18B5BBE-9FD4-6749-A72F-1190746264EE}" srcOrd="0" destOrd="0" presId="urn:microsoft.com/office/officeart/2005/8/layout/hierarchy1"/>
+    <dgm:cxn modelId="{2AA7374C-E76D-204E-9C20-57A843F87091}" type="presOf" srcId="{EE36CC03-025A-4288-89CF-95DD00C2AC88}" destId="{513C63B5-7945-BB45-B586-94DBA1133344}" srcOrd="0" destOrd="0" presId="urn:microsoft.com/office/officeart/2005/8/layout/hierarchy1"/>
+    <dgm:cxn modelId="{32C51E50-44BA-8249-8A80-D460265B8466}" type="presOf" srcId="{25A7689F-5960-470F-A44C-779326E69CB6}" destId="{33173F9B-0FCE-3B47-8914-9020DA2F1AC8}" srcOrd="0" destOrd="0" presId="urn:microsoft.com/office/officeart/2005/8/layout/hierarchy1"/>
+    <dgm:cxn modelId="{CCC6E2AB-9489-42A7-86F0-0EAD24672B65}" srcId="{006A73BF-FB1D-40C5-AE33-6A1ED14A13F1}" destId="{25A7689F-5960-470F-A44C-779326E69CB6}" srcOrd="1" destOrd="0" parTransId="{C41BA86C-E7E8-4336-A5FC-A3005EEB3440}" sibTransId="{5BE7784B-0A92-41DF-91BE-747578E1CB5F}"/>
+    <dgm:cxn modelId="{1D9709AC-E5E6-48D4-B9F1-F8794C49381D}" srcId="{006A73BF-FB1D-40C5-AE33-6A1ED14A13F1}" destId="{BF3EA342-A080-4B1C-88D4-04F86ACDC4EE}" srcOrd="2" destOrd="0" parTransId="{2CD442AD-956E-41CC-9113-26C6103A37DC}" sibTransId="{2496605D-FD9C-485A-95B2-4B94FFFA0B1F}"/>
+    <dgm:cxn modelId="{5E1FE1FF-E7EA-3A46-98B0-7CA8A6B53DB3}" type="presOf" srcId="{BF3EA342-A080-4B1C-88D4-04F86ACDC4EE}" destId="{5D7BF935-CB90-834D-A5F7-CC5B24213742}" srcOrd="0" destOrd="0" presId="urn:microsoft.com/office/officeart/2005/8/layout/hierarchy1"/>
+    <dgm:cxn modelId="{1C02EA2A-E8AC-B34E-8B2A-BF70DB154B90}" type="presParOf" srcId="{E18B5BBE-9FD4-6749-A72F-1190746264EE}" destId="{C844E422-9983-8B40-B05A-0515392F5C2A}" srcOrd="0" destOrd="0" presId="urn:microsoft.com/office/officeart/2005/8/layout/hierarchy1"/>
+    <dgm:cxn modelId="{423CB348-BE50-2B4E-A0ED-F4F461D6C74F}" type="presParOf" srcId="{C844E422-9983-8B40-B05A-0515392F5C2A}" destId="{4BFBB30F-475E-C444-B11D-936B8C12336F}" srcOrd="0" destOrd="0" presId="urn:microsoft.com/office/officeart/2005/8/layout/hierarchy1"/>
+    <dgm:cxn modelId="{D04840D6-D53E-6040-B0F9-3E5221D04449}" type="presParOf" srcId="{4BFBB30F-475E-C444-B11D-936B8C12336F}" destId="{267D2BA2-D4C2-494B-8421-7127769BE47E}" srcOrd="0" destOrd="0" presId="urn:microsoft.com/office/officeart/2005/8/layout/hierarchy1"/>
+    <dgm:cxn modelId="{9B37A051-726D-1E42-B36E-050765D15423}" type="presParOf" srcId="{4BFBB30F-475E-C444-B11D-936B8C12336F}" destId="{513C63B5-7945-BB45-B586-94DBA1133344}" srcOrd="1" destOrd="0" presId="urn:microsoft.com/office/officeart/2005/8/layout/hierarchy1"/>
+    <dgm:cxn modelId="{C7AEA1E0-7467-0A45-8EE4-17E0A85EF822}" type="presParOf" srcId="{C844E422-9983-8B40-B05A-0515392F5C2A}" destId="{D692B090-5469-9C4A-85A7-181DC38EED5A}" srcOrd="1" destOrd="0" presId="urn:microsoft.com/office/officeart/2005/8/layout/hierarchy1"/>
+    <dgm:cxn modelId="{201A386C-2BFE-6544-A2FF-CF202698A8F3}" type="presParOf" srcId="{E18B5BBE-9FD4-6749-A72F-1190746264EE}" destId="{1DEDBD15-05C9-B247-905B-1259957210D0}" srcOrd="1" destOrd="0" presId="urn:microsoft.com/office/officeart/2005/8/layout/hierarchy1"/>
+    <dgm:cxn modelId="{67C45C74-BFE6-0746-84B0-D0F0D922C959}" type="presParOf" srcId="{1DEDBD15-05C9-B247-905B-1259957210D0}" destId="{DA4AF094-D7D6-8842-8617-EEAF94134267}" srcOrd="0" destOrd="0" presId="urn:microsoft.com/office/officeart/2005/8/layout/hierarchy1"/>
+    <dgm:cxn modelId="{77D04D21-39FB-1145-9564-EE9D0F5DE412}" type="presParOf" srcId="{DA4AF094-D7D6-8842-8617-EEAF94134267}" destId="{546812D4-F83D-5F4D-982C-6E73973805A1}" srcOrd="0" destOrd="0" presId="urn:microsoft.com/office/officeart/2005/8/layout/hierarchy1"/>
+    <dgm:cxn modelId="{100D889C-8D00-CF4B-A44B-00BBC6A81177}" type="presParOf" srcId="{DA4AF094-D7D6-8842-8617-EEAF94134267}" destId="{33173F9B-0FCE-3B47-8914-9020DA2F1AC8}" srcOrd="1" destOrd="0" presId="urn:microsoft.com/office/officeart/2005/8/layout/hierarchy1"/>
+    <dgm:cxn modelId="{81024B01-191F-B04A-8BF9-9D8C3A485C6D}" type="presParOf" srcId="{1DEDBD15-05C9-B247-905B-1259957210D0}" destId="{70BBBCCA-31D8-EE4C-AA2F-7D8EC21D848D}" srcOrd="1" destOrd="0" presId="urn:microsoft.com/office/officeart/2005/8/layout/hierarchy1"/>
+    <dgm:cxn modelId="{BEF92D49-C48A-B545-9116-58C997EC20B6}" type="presParOf" srcId="{E18B5BBE-9FD4-6749-A72F-1190746264EE}" destId="{4007A284-13FB-3543-AE46-31D88F14D332}" srcOrd="2" destOrd="0" presId="urn:microsoft.com/office/officeart/2005/8/layout/hierarchy1"/>
+    <dgm:cxn modelId="{67631546-1625-7B41-834E-2805ED3EF0E5}" type="presParOf" srcId="{4007A284-13FB-3543-AE46-31D88F14D332}" destId="{9C742C1C-8CFC-7A4E-8AF1-F28FA41728E1}" srcOrd="0" destOrd="0" presId="urn:microsoft.com/office/officeart/2005/8/layout/hierarchy1"/>
+    <dgm:cxn modelId="{74138A90-20E5-BD49-8BAB-C8B48361A7D1}" type="presParOf" srcId="{9C742C1C-8CFC-7A4E-8AF1-F28FA41728E1}" destId="{AA05C3FB-5D7A-7240-B350-92F016184309}" srcOrd="0" destOrd="0" presId="urn:microsoft.com/office/officeart/2005/8/layout/hierarchy1"/>
+    <dgm:cxn modelId="{B61AF50C-5EA7-9445-883D-D197E6CDC751}" type="presParOf" srcId="{9C742C1C-8CFC-7A4E-8AF1-F28FA41728E1}" destId="{5D7BF935-CB90-834D-A5F7-CC5B24213742}" srcOrd="1" destOrd="0" presId="urn:microsoft.com/office/officeart/2005/8/layout/hierarchy1"/>
+    <dgm:cxn modelId="{C76FBE07-D06E-D443-A8F1-56F8FF5A6A09}" type="presParOf" srcId="{4007A284-13FB-3543-AE46-31D88F14D332}" destId="{4DCF4BCA-8438-D444-98D5-C5723027FC8C}" srcOrd="1" destOrd="0" presId="urn:microsoft.com/office/officeart/2005/8/layout/hierarchy1"/>
+  </dgm:cxnLst>
+  <dgm:bg/>
+  <dgm:whole/>
+  <dgm:extLst>
+    <a:ext uri="http://schemas.microsoft.com/office/drawing/2008/diagram">
+      <dsp:dataModelExt xmlns:dsp="http://schemas.microsoft.com/office/drawing/2008/diagram" relId="rId6" minVer="http://schemas.openxmlformats.org/drawingml/2006/diagram"/>
+    </a:ext>
+  </dgm:extLst>
+</dgm:dataModel>
+</file>
+
+<file path=ppt/diagrams/drawing1.xml><?xml version="1.0" encoding="utf-8"?>
+<dsp:drawing xmlns:dgm="http://schemas.openxmlformats.org/drawingml/2006/diagram" xmlns:dsp="http://schemas.microsoft.com/office/drawing/2008/diagram" xmlns:a="http://schemas.openxmlformats.org/drawingml/2006/main">
+  <dsp:spTree>
+    <dsp:nvGrpSpPr>
+      <dsp:cNvPr id="0" name=""/>
+      <dsp:cNvGrpSpPr/>
+    </dsp:nvGrpSpPr>
+    <dsp:grpSpPr/>
+    <dsp:sp modelId="{267D2BA2-D4C2-494B-8421-7127769BE47E}">
+      <dsp:nvSpPr>
+        <dsp:cNvPr id="0" name=""/>
+        <dsp:cNvSpPr/>
+      </dsp:nvSpPr>
+      <dsp:spPr>
+        <a:xfrm>
+          <a:off x="0" y="678725"/>
+          <a:ext cx="2957512" cy="1878020"/>
+        </a:xfrm>
+        <a:prstGeom prst="roundRect">
+          <a:avLst>
+            <a:gd name="adj" fmla="val 10000"/>
+          </a:avLst>
+        </a:prstGeom>
+        <a:solidFill>
+          <a:schemeClr val="accent1">
+            <a:hueOff val="0"/>
+            <a:satOff val="0"/>
+            <a:lumOff val="0"/>
+            <a:alphaOff val="0"/>
+          </a:schemeClr>
+        </a:solidFill>
+        <a:ln w="19050" cap="flat" cmpd="sng" algn="ctr">
+          <a:solidFill>
+            <a:schemeClr val="lt1">
+              <a:hueOff val="0"/>
+              <a:satOff val="0"/>
+              <a:lumOff val="0"/>
+              <a:alphaOff val="0"/>
+            </a:schemeClr>
+          </a:solidFill>
+          <a:prstDash val="solid"/>
+          <a:miter lim="800000"/>
+        </a:ln>
+        <a:effectLst/>
+      </dsp:spPr>
+      <dsp:style>
+        <a:lnRef idx="3">
+          <a:scrgbClr r="0" g="0" b="0"/>
+        </a:lnRef>
+        <a:fillRef idx="1">
+          <a:scrgbClr r="0" g="0" b="0"/>
+        </a:fillRef>
+        <a:effectRef idx="1">
+          <a:scrgbClr r="0" g="0" b="0"/>
+        </a:effectRef>
+        <a:fontRef idx="minor">
+          <a:schemeClr val="lt1"/>
+        </a:fontRef>
+      </dsp:style>
+    </dsp:sp>
+    <dsp:sp modelId="{513C63B5-7945-BB45-B586-94DBA1133344}">
+      <dsp:nvSpPr>
+        <dsp:cNvPr id="0" name=""/>
+        <dsp:cNvSpPr/>
+      </dsp:nvSpPr>
+      <dsp:spPr>
+        <a:xfrm>
+          <a:off x="328612" y="990907"/>
+          <a:ext cx="2957512" cy="1878020"/>
+        </a:xfrm>
+        <a:prstGeom prst="roundRect">
+          <a:avLst>
+            <a:gd name="adj" fmla="val 10000"/>
+          </a:avLst>
+        </a:prstGeom>
+        <a:solidFill>
+          <a:schemeClr val="lt1">
+            <a:alpha val="90000"/>
+            <a:hueOff val="0"/>
+            <a:satOff val="0"/>
+            <a:lumOff val="0"/>
+            <a:alphaOff val="0"/>
+          </a:schemeClr>
+        </a:solidFill>
+        <a:ln w="12700" cap="flat" cmpd="sng" algn="ctr">
+          <a:solidFill>
+            <a:schemeClr val="accent1">
+              <a:hueOff val="0"/>
+              <a:satOff val="0"/>
+              <a:lumOff val="0"/>
+              <a:alphaOff val="0"/>
+            </a:schemeClr>
+          </a:solidFill>
+          <a:prstDash val="solid"/>
+          <a:miter lim="800000"/>
+        </a:ln>
+        <a:effectLst/>
+      </dsp:spPr>
+      <dsp:style>
+        <a:lnRef idx="2">
+          <a:scrgbClr r="0" g="0" b="0"/>
+        </a:lnRef>
+        <a:fillRef idx="1">
+          <a:scrgbClr r="0" g="0" b="0"/>
+        </a:fillRef>
+        <a:effectRef idx="0">
+          <a:scrgbClr r="0" g="0" b="0"/>
+        </a:effectRef>
+        <a:fontRef idx="minor"/>
+      </dsp:style>
+      <dsp:txBody>
+        <a:bodyPr spcFirstLastPara="0" vert="horz" wrap="square" lIns="137160" tIns="137160" rIns="137160" bIns="137160" numCol="1" spcCol="1270" anchor="ctr" anchorCtr="0">
+          <a:noAutofit/>
+        </a:bodyPr>
+        <a:lstStyle/>
+        <a:p>
+          <a:pPr marL="0" lvl="0" indent="0" algn="ctr" defTabSz="1600200">
+            <a:lnSpc>
+              <a:spcPct val="90000"/>
+            </a:lnSpc>
+            <a:spcBef>
+              <a:spcPct val="0"/>
+            </a:spcBef>
+            <a:spcAft>
+              <a:spcPct val="35000"/>
+            </a:spcAft>
+            <a:buNone/>
+          </a:pPr>
+          <a:r>
+            <a:rPr lang="en-US" sz="3600" kern="1200"/>
+            <a:t>QA</a:t>
+          </a:r>
+        </a:p>
+      </dsp:txBody>
+      <dsp:txXfrm>
+        <a:off x="383617" y="1045912"/>
+        <a:ext cx="2847502" cy="1768010"/>
+      </dsp:txXfrm>
+    </dsp:sp>
+    <dsp:sp modelId="{546812D4-F83D-5F4D-982C-6E73973805A1}">
+      <dsp:nvSpPr>
+        <dsp:cNvPr id="0" name=""/>
+        <dsp:cNvSpPr/>
+      </dsp:nvSpPr>
+      <dsp:spPr>
+        <a:xfrm>
+          <a:off x="3614737" y="678725"/>
+          <a:ext cx="2957512" cy="1878020"/>
+        </a:xfrm>
+        <a:prstGeom prst="roundRect">
+          <a:avLst>
+            <a:gd name="adj" fmla="val 10000"/>
+          </a:avLst>
+        </a:prstGeom>
+        <a:solidFill>
+          <a:schemeClr val="accent1">
+            <a:hueOff val="0"/>
+            <a:satOff val="0"/>
+            <a:lumOff val="0"/>
+            <a:alphaOff val="0"/>
+          </a:schemeClr>
+        </a:solidFill>
+        <a:ln w="19050" cap="flat" cmpd="sng" algn="ctr">
+          <a:solidFill>
+            <a:schemeClr val="lt1">
+              <a:hueOff val="0"/>
+              <a:satOff val="0"/>
+              <a:lumOff val="0"/>
+              <a:alphaOff val="0"/>
+            </a:schemeClr>
+          </a:solidFill>
+          <a:prstDash val="solid"/>
+          <a:miter lim="800000"/>
+        </a:ln>
+        <a:effectLst/>
+      </dsp:spPr>
+      <dsp:style>
+        <a:lnRef idx="3">
+          <a:scrgbClr r="0" g="0" b="0"/>
+        </a:lnRef>
+        <a:fillRef idx="1">
+          <a:scrgbClr r="0" g="0" b="0"/>
+        </a:fillRef>
+        <a:effectRef idx="1">
+          <a:scrgbClr r="0" g="0" b="0"/>
+        </a:effectRef>
+        <a:fontRef idx="minor">
+          <a:schemeClr val="lt1"/>
+        </a:fontRef>
+      </dsp:style>
+    </dsp:sp>
+    <dsp:sp modelId="{33173F9B-0FCE-3B47-8914-9020DA2F1AC8}">
+      <dsp:nvSpPr>
+        <dsp:cNvPr id="0" name=""/>
+        <dsp:cNvSpPr/>
+      </dsp:nvSpPr>
+      <dsp:spPr>
+        <a:xfrm>
+          <a:off x="3943350" y="990907"/>
+          <a:ext cx="2957512" cy="1878020"/>
+        </a:xfrm>
+        <a:prstGeom prst="roundRect">
+          <a:avLst>
+            <a:gd name="adj" fmla="val 10000"/>
+          </a:avLst>
+        </a:prstGeom>
+        <a:solidFill>
+          <a:schemeClr val="lt1">
+            <a:alpha val="90000"/>
+            <a:hueOff val="0"/>
+            <a:satOff val="0"/>
+            <a:lumOff val="0"/>
+            <a:alphaOff val="0"/>
+          </a:schemeClr>
+        </a:solidFill>
+        <a:ln w="12700" cap="flat" cmpd="sng" algn="ctr">
+          <a:solidFill>
+            <a:schemeClr val="accent1">
+              <a:hueOff val="0"/>
+              <a:satOff val="0"/>
+              <a:lumOff val="0"/>
+              <a:alphaOff val="0"/>
+            </a:schemeClr>
+          </a:solidFill>
+          <a:prstDash val="solid"/>
+          <a:miter lim="800000"/>
+        </a:ln>
+        <a:effectLst/>
+      </dsp:spPr>
+      <dsp:style>
+        <a:lnRef idx="2">
+          <a:scrgbClr r="0" g="0" b="0"/>
+        </a:lnRef>
+        <a:fillRef idx="1">
+          <a:scrgbClr r="0" g="0" b="0"/>
+        </a:fillRef>
+        <a:effectRef idx="0">
+          <a:scrgbClr r="0" g="0" b="0"/>
+        </a:effectRef>
+        <a:fontRef idx="minor"/>
+      </dsp:style>
+      <dsp:txBody>
+        <a:bodyPr spcFirstLastPara="0" vert="horz" wrap="square" lIns="137160" tIns="137160" rIns="137160" bIns="137160" numCol="1" spcCol="1270" anchor="ctr" anchorCtr="0">
+          <a:noAutofit/>
+        </a:bodyPr>
+        <a:lstStyle/>
+        <a:p>
+          <a:pPr marL="0" lvl="0" indent="0" algn="ctr" defTabSz="1600200">
+            <a:lnSpc>
+              <a:spcPct val="90000"/>
+            </a:lnSpc>
+            <a:spcBef>
+              <a:spcPct val="0"/>
+            </a:spcBef>
+            <a:spcAft>
+              <a:spcPct val="35000"/>
+            </a:spcAft>
+            <a:buNone/>
+          </a:pPr>
+          <a:r>
+            <a:rPr lang="en-US" sz="3600" kern="1200"/>
+            <a:t>The Client</a:t>
+          </a:r>
+        </a:p>
+      </dsp:txBody>
+      <dsp:txXfrm>
+        <a:off x="3998355" y="1045912"/>
+        <a:ext cx="2847502" cy="1768010"/>
+      </dsp:txXfrm>
+    </dsp:sp>
+    <dsp:sp modelId="{AA05C3FB-5D7A-7240-B350-92F016184309}">
+      <dsp:nvSpPr>
+        <dsp:cNvPr id="0" name=""/>
+        <dsp:cNvSpPr/>
+      </dsp:nvSpPr>
+      <dsp:spPr>
+        <a:xfrm>
+          <a:off x="7229475" y="678725"/>
+          <a:ext cx="2957512" cy="1878020"/>
+        </a:xfrm>
+        <a:prstGeom prst="roundRect">
+          <a:avLst>
+            <a:gd name="adj" fmla="val 10000"/>
+          </a:avLst>
+        </a:prstGeom>
+        <a:solidFill>
+          <a:schemeClr val="accent1">
+            <a:hueOff val="0"/>
+            <a:satOff val="0"/>
+            <a:lumOff val="0"/>
+            <a:alphaOff val="0"/>
+          </a:schemeClr>
+        </a:solidFill>
+        <a:ln w="19050" cap="flat" cmpd="sng" algn="ctr">
+          <a:solidFill>
+            <a:schemeClr val="lt1">
+              <a:hueOff val="0"/>
+              <a:satOff val="0"/>
+              <a:lumOff val="0"/>
+              <a:alphaOff val="0"/>
+            </a:schemeClr>
+          </a:solidFill>
+          <a:prstDash val="solid"/>
+          <a:miter lim="800000"/>
+        </a:ln>
+        <a:effectLst/>
+      </dsp:spPr>
+      <dsp:style>
+        <a:lnRef idx="3">
+          <a:scrgbClr r="0" g="0" b="0"/>
+        </a:lnRef>
+        <a:fillRef idx="1">
+          <a:scrgbClr r="0" g="0" b="0"/>
+        </a:fillRef>
+        <a:effectRef idx="1">
+          <a:scrgbClr r="0" g="0" b="0"/>
+        </a:effectRef>
+        <a:fontRef idx="minor">
+          <a:schemeClr val="lt1"/>
+        </a:fontRef>
+      </dsp:style>
+    </dsp:sp>
+    <dsp:sp modelId="{5D7BF935-CB90-834D-A5F7-CC5B24213742}">
+      <dsp:nvSpPr>
+        <dsp:cNvPr id="0" name=""/>
+        <dsp:cNvSpPr/>
+      </dsp:nvSpPr>
+      <dsp:spPr>
+        <a:xfrm>
+          <a:off x="7558087" y="990907"/>
+          <a:ext cx="2957512" cy="1878020"/>
+        </a:xfrm>
+        <a:prstGeom prst="roundRect">
+          <a:avLst>
+            <a:gd name="adj" fmla="val 10000"/>
+          </a:avLst>
+        </a:prstGeom>
+        <a:solidFill>
+          <a:schemeClr val="lt1">
+            <a:alpha val="90000"/>
+            <a:hueOff val="0"/>
+            <a:satOff val="0"/>
+            <a:lumOff val="0"/>
+            <a:alphaOff val="0"/>
+          </a:schemeClr>
+        </a:solidFill>
+        <a:ln w="12700" cap="flat" cmpd="sng" algn="ctr">
+          <a:solidFill>
+            <a:schemeClr val="accent1">
+              <a:hueOff val="0"/>
+              <a:satOff val="0"/>
+              <a:lumOff val="0"/>
+              <a:alphaOff val="0"/>
+            </a:schemeClr>
+          </a:solidFill>
+          <a:prstDash val="solid"/>
+          <a:miter lim="800000"/>
+        </a:ln>
+        <a:effectLst/>
+      </dsp:spPr>
+      <dsp:style>
+        <a:lnRef idx="2">
+          <a:scrgbClr r="0" g="0" b="0"/>
+        </a:lnRef>
+        <a:fillRef idx="1">
+          <a:scrgbClr r="0" g="0" b="0"/>
+        </a:fillRef>
+        <a:effectRef idx="0">
+          <a:scrgbClr r="0" g="0" b="0"/>
+        </a:effectRef>
+        <a:fontRef idx="minor"/>
+      </dsp:style>
+      <dsp:txBody>
+        <a:bodyPr spcFirstLastPara="0" vert="horz" wrap="square" lIns="137160" tIns="137160" rIns="137160" bIns="137160" numCol="1" spcCol="1270" anchor="ctr" anchorCtr="0">
+          <a:noAutofit/>
+        </a:bodyPr>
+        <a:lstStyle/>
+        <a:p>
+          <a:pPr marL="0" lvl="0" indent="0" algn="ctr" defTabSz="1600200">
+            <a:lnSpc>
+              <a:spcPct val="90000"/>
+            </a:lnSpc>
+            <a:spcBef>
+              <a:spcPct val="0"/>
+            </a:spcBef>
+            <a:spcAft>
+              <a:spcPct val="35000"/>
+            </a:spcAft>
+            <a:buNone/>
+          </a:pPr>
+          <a:r>
+            <a:rPr lang="en-US" sz="3600" kern="1200"/>
+            <a:t>Other teams within the org</a:t>
+          </a:r>
+        </a:p>
+      </dsp:txBody>
+      <dsp:txXfrm>
+        <a:off x="7613092" y="1045912"/>
+        <a:ext cx="2847502" cy="1768010"/>
+      </dsp:txXfrm>
+    </dsp:sp>
+  </dsp:spTree>
+</dsp:drawing>
+</file>
+
+<file path=ppt/diagrams/layout1.xml><?xml version="1.0" encoding="utf-8"?>
+<dgm:layoutDef xmlns:dgm="http://schemas.openxmlformats.org/drawingml/2006/diagram" xmlns:a="http://schemas.openxmlformats.org/drawingml/2006/main" uniqueId="urn:microsoft.com/office/officeart/2005/8/layout/hierarchy1">
+  <dgm:title val=""/>
+  <dgm:desc val=""/>
+  <dgm:catLst>
+    <dgm:cat type="hierarchy" pri="2000"/>
+  </dgm:catLst>
+  <dgm:sampData>
+    <dgm:dataModel>
+      <dgm:ptLst>
+        <dgm:pt modelId="0" type="doc"/>
+        <dgm:pt modelId="1">
+          <dgm:prSet phldr="1"/>
+        </dgm:pt>
+        <dgm:pt modelId="2">
+          <dgm:prSet phldr="1"/>
+        </dgm:pt>
+        <dgm:pt modelId="21">
+          <dgm:prSet phldr="1"/>
+        </dgm:pt>
+        <dgm:pt modelId="22">
+          <dgm:prSet phldr="1"/>
+        </dgm:pt>
+        <dgm:pt modelId="3">
+          <dgm:prSet phldr="1"/>
+        </dgm:pt>
+        <dgm:pt modelId="31">
+          <dgm:prSet phldr="1"/>
+        </dgm:pt>
+      </dgm:ptLst>
+      <dgm:cxnLst>
+        <dgm:cxn modelId="4" srcId="0" destId="1" srcOrd="0" destOrd="0"/>
+        <dgm:cxn modelId="5" srcId="1" destId="2" srcOrd="0" destOrd="0"/>
+        <dgm:cxn modelId="6" srcId="1" destId="3" srcOrd="1" destOrd="0"/>
+        <dgm:cxn modelId="23" srcId="2" destId="21" srcOrd="0" destOrd="0"/>
+        <dgm:cxn modelId="24" srcId="2" destId="22" srcOrd="1" destOrd="0"/>
+        <dgm:cxn modelId="33" srcId="3" destId="31" srcOrd="0" destOrd="0"/>
+      </dgm:cxnLst>
+      <dgm:bg/>
+      <dgm:whole/>
+    </dgm:dataModel>
+  </dgm:sampData>
+  <dgm:styleData>
+    <dgm:dataModel>
+      <dgm:ptLst>
+        <dgm:pt modelId="0" type="doc"/>
+        <dgm:pt modelId="1"/>
+        <dgm:pt modelId="11"/>
+        <dgm:pt modelId="12"/>
+      </dgm:ptLst>
+      <dgm:cxnLst>
+        <dgm:cxn modelId="2" srcId="0" destId="1" srcOrd="0" destOrd="0"/>
+        <dgm:cxn modelId="13" srcId="1" destId="11" srcOrd="0" destOrd="0"/>
+        <dgm:cxn modelId="14" srcId="1" destId="12" srcOrd="1" destOrd="0"/>
+      </dgm:cxnLst>
+      <dgm:bg/>
+      <dgm:whole/>
+    </dgm:dataModel>
+  </dgm:styleData>
+  <dgm:clrData>
+    <dgm:dataModel>
+      <dgm:ptLst>
+        <dgm:pt modelId="0" type="doc"/>
+        <dgm:pt modelId="1"/>
+        <dgm:pt modelId="2"/>
+        <dgm:pt modelId="21"/>
+        <dgm:pt modelId="211"/>
+        <dgm:pt modelId="3"/>
+        <dgm:pt modelId="31"/>
+        <dgm:pt modelId="311"/>
+      </dgm:ptLst>
+      <dgm:cxnLst>
+        <dgm:cxn modelId="4" srcId="0" destId="1" srcOrd="0" destOrd="0"/>
+        <dgm:cxn modelId="5" srcId="1" destId="2" srcOrd="0" destOrd="0"/>
+        <dgm:cxn modelId="6" srcId="1" destId="3" srcOrd="1" destOrd="0"/>
+        <dgm:cxn modelId="23" srcId="2" destId="21" srcOrd="0" destOrd="0"/>
+        <dgm:cxn modelId="24" srcId="21" destId="211" srcOrd="0" destOrd="0"/>
+        <dgm:cxn modelId="33" srcId="3" destId="31" srcOrd="0" destOrd="0"/>
+        <dgm:cxn modelId="34" srcId="31" destId="311" srcOrd="0" destOrd="0"/>
+      </dgm:cxnLst>
+      <dgm:bg/>
+      <dgm:whole/>
+    </dgm:dataModel>
+  </dgm:clrData>
+  <dgm:layoutNode name="hierChild1">
+    <dgm:varLst>
+      <dgm:chPref val="1"/>
+      <dgm:dir/>
+      <dgm:animOne val="branch"/>
+      <dgm:animLvl val="lvl"/>
+      <dgm:resizeHandles/>
+    </dgm:varLst>
+    <dgm:choose name="Name0">
+      <dgm:if name="Name1" func="var" arg="dir" op="equ" val="norm">
+        <dgm:alg type="hierChild">
+          <dgm:param type="linDir" val="fromL"/>
+        </dgm:alg>
+      </dgm:if>
+      <dgm:else name="Name2">
+        <dgm:alg type="hierChild">
+          <dgm:param type="linDir" val="fromR"/>
+        </dgm:alg>
+      </dgm:else>
+    </dgm:choose>
+    <dgm:shape xmlns:r="http://schemas.openxmlformats.org/officeDocument/2006/relationships" r:blip="">
+      <dgm:adjLst/>
+    </dgm:shape>
+    <dgm:presOf/>
+    <dgm:constrLst>
+      <dgm:constr type="primFontSz" for="des" ptType="node" op="equ" val="65"/>
+      <dgm:constr type="w" for="des" forName="composite" refType="w"/>
+      <dgm:constr type="h" for="des" forName="composite" refType="w" refFor="des" refForName="composite" fact="0.667"/>
+      <dgm:constr type="w" for="des" forName="composite2" refType="w" refFor="des" refForName="composite"/>
+      <dgm:constr type="h" for="des" forName="composite2" refType="h" refFor="des" refForName="composite"/>
+      <dgm:constr type="w" for="des" forName="composite3" refType="w" refFor="des" refForName="composite"/>
+      <dgm:constr type="h" for="des" forName="composite3" refType="h" refFor="des" refForName="composite"/>
+      <dgm:constr type="w" for="des" forName="composite4" refType="w" refFor="des" refForName="composite"/>
+      <dgm:constr type="h" for="des" forName="composite4" refType="h" refFor="des" refForName="composite"/>
+      <dgm:constr type="w" for="des" forName="composite5" refType="w" refFor="des" refForName="composite"/>
+      <dgm:constr type="h" for="des" forName="composite5" refType="h" refFor="des" refForName="composite"/>
+      <dgm:constr type="sibSp" refType="w" refFor="des" refForName="composite" fact="0.1"/>
+      <dgm:constr type="sibSp" for="des" forName="hierChild2" refType="sibSp"/>
+      <dgm:constr type="sibSp" for="des" forName="hierChild3" refType="sibSp"/>
+      <dgm:constr type="sibSp" for="des" forName="hierChild4" refType="sibSp"/>
+      <dgm:constr type="sibSp" for="des" forName="hierChild5" refType="sibSp"/>
+      <dgm:constr type="sibSp" for="des" forName="hierChild6" refType="sibSp"/>
+      <dgm:constr type="sp" for="des" forName="hierRoot1" refType="h" refFor="des" refForName="composite" fact="0.25"/>
+      <dgm:constr type="sp" for="des" forName="hierRoot2" refType="sp" refFor="des" refForName="hierRoot1"/>
+      <dgm:constr type="sp" for="des" forName="hierRoot3" refType="sp" refFor="des" refForName="hierRoot1"/>
+      <dgm:constr type="sp" for="des" forName="hierRoot4" refType="sp" refFor="des" refForName="hierRoot1"/>
+      <dgm:constr type="sp" for="des" forName="hierRoot5" refType="sp" refFor="des" refForName="hierRoot1"/>
+    </dgm:constrLst>
+    <dgm:ruleLst/>
+    <dgm:forEach name="Name3" axis="ch">
+      <dgm:forEach name="Name4" axis="self" ptType="node">
+        <dgm:layoutNode name="hierRoot1">
+          <dgm:alg type="hierRoot"/>
+          <dgm:shape xmlns:r="http://schemas.openxmlformats.org/officeDocument/2006/relationships" r:blip="">
+            <dgm:adjLst/>
+          </dgm:shape>
+          <dgm:presOf/>
+          <dgm:constrLst>
+            <dgm:constr type="bendDist" for="des" ptType="parTrans" refType="sp" fact="0.5"/>
+          </dgm:constrLst>
+          <dgm:ruleLst/>
+          <dgm:layoutNode name="composite">
+            <dgm:alg type="composite"/>
+            <dgm:shape xmlns:r="http://schemas.openxmlformats.org/officeDocument/2006/relationships" r:blip="">
+              <dgm:adjLst/>
+            </dgm:shape>
+            <dgm:presOf/>
+            <dgm:constrLst>
+              <dgm:constr type="w" for="ch" forName="background" refType="w" fact="0.9"/>
+              <dgm:constr type="h" for="ch" forName="background" refType="w" refFor="ch" refForName="background" fact="0.635"/>
+              <dgm:constr type="t" for="ch" forName="background"/>
+              <dgm:constr type="l" for="ch" forName="background"/>
+              <dgm:constr type="w" for="ch" forName="text" refType="w" fact="0.9"/>
+              <dgm:constr type="h" for="ch" forName="text" refType="w" refFor="ch" refForName="text" fact="0.635"/>
+              <dgm:constr type="t" for="ch" forName="text" refType="w" fact="0.095"/>
+              <dgm:constr type="l" for="ch" forName="text" refType="w" fact="0.1"/>
+            </dgm:constrLst>
+            <dgm:ruleLst/>
+            <dgm:layoutNode name="background" styleLbl="node0" moveWith="text">
+              <dgm:alg type="sp"/>
+              <dgm:shape xmlns:r="http://schemas.openxmlformats.org/officeDocument/2006/relationships" type="roundRect" r:blip="">
+                <dgm:adjLst>
+                  <dgm:adj idx="1" val="0.1"/>
+                </dgm:adjLst>
+              </dgm:shape>
+              <dgm:presOf/>
+              <dgm:constrLst/>
+              <dgm:ruleLst/>
+            </dgm:layoutNode>
+            <dgm:layoutNode name="text" styleLbl="fgAcc0">
+              <dgm:varLst>
+                <dgm:chPref val="3"/>
+              </dgm:varLst>
+              <dgm:alg type="tx"/>
+              <dgm:shape xmlns:r="http://schemas.openxmlformats.org/officeDocument/2006/relationships" type="roundRect" r:blip="">
+                <dgm:adjLst>
+                  <dgm:adj idx="1" val="0.1"/>
+                </dgm:adjLst>
+              </dgm:shape>
+              <dgm:presOf axis="self"/>
+              <dgm:constrLst>
+                <dgm:constr type="tMarg" refType="primFontSz" fact="0.3"/>
+                <dgm:constr type="bMarg" refType="primFontSz" fact="0.3"/>
+                <dgm:constr type="lMarg" refType="primFontSz" fact="0.3"/>
+                <dgm:constr type="rMarg" refType="primFontSz" fact="0.3"/>
+              </dgm:constrLst>
+              <dgm:ruleLst>
+                <dgm:rule type="primFontSz" val="5" fact="NaN" max="NaN"/>
+              </dgm:ruleLst>
+            </dgm:layoutNode>
+          </dgm:layoutNode>
+          <dgm:layoutNode name="hierChild2">
+            <dgm:choose name="Name5">
+              <dgm:if name="Name6" func="var" arg="dir" op="equ" val="norm">
+                <dgm:alg type="hierChild">
+                  <dgm:param type="linDir" val="fromL"/>
+                </dgm:alg>
+              </dgm:if>
+              <dgm:else name="Name7">
+                <dgm:alg type="hierChild">
+                  <dgm:param type="linDir" val="fromR"/>
+                </dgm:alg>
+              </dgm:else>
+            </dgm:choose>
+            <dgm:shape xmlns:r="http://schemas.openxmlformats.org/officeDocument/2006/relationships" r:blip="">
+              <dgm:adjLst/>
+            </dgm:shape>
+            <dgm:presOf/>
+            <dgm:constrLst/>
+            <dgm:ruleLst/>
+            <dgm:forEach name="Name8" axis="ch">
+              <dgm:forEach name="Name9" axis="self" ptType="parTrans" cnt="1">
+                <dgm:layoutNode name="Name10">
+                  <dgm:alg type="conn">
+                    <dgm:param type="dim" val="1D"/>
+                    <dgm:param type="endSty" val="noArr"/>
+                    <dgm:param type="connRout" val="bend"/>
+                    <dgm:param type="bendPt" val="end"/>
+                    <dgm:param type="begPts" val="bCtr"/>
+                    <dgm:param type="endPts" val="tCtr"/>
+                    <dgm:param type="srcNode" val="background"/>
+                    <dgm:param type="dstNode" val="background2"/>
+                  </dgm:alg>
+                  <dgm:shape xmlns:r="http://schemas.openxmlformats.org/officeDocument/2006/relationships" type="conn" r:blip="" zOrderOff="-999">
+                    <dgm:adjLst/>
+                  </dgm:shape>
+                  <dgm:presOf axis="self"/>
+                  <dgm:constrLst>
+                    <dgm:constr type="begPad"/>
+                    <dgm:constr type="endPad"/>
+                  </dgm:constrLst>
+                  <dgm:ruleLst/>
+                </dgm:layoutNode>
+              </dgm:forEach>
+              <dgm:forEach name="Name11" axis="self" ptType="node">
+                <dgm:layoutNode name="hierRoot2">
+                  <dgm:alg type="hierRoot"/>
+                  <dgm:shape xmlns:r="http://schemas.openxmlformats.org/officeDocument/2006/relationships" r:blip="">
+                    <dgm:adjLst/>
+                  </dgm:shape>
+                  <dgm:presOf/>
+                  <dgm:constrLst>
+                    <dgm:constr type="bendDist" for="des" ptType="parTrans" refType="sp" fact="0.5"/>
+                  </dgm:constrLst>
+                  <dgm:ruleLst/>
+                  <dgm:layoutNode name="composite2">
+                    <dgm:alg type="composite"/>
+                    <dgm:shape xmlns:r="http://schemas.openxmlformats.org/officeDocument/2006/relationships" r:blip="">
+                      <dgm:adjLst/>
+                    </dgm:shape>
+                    <dgm:presOf/>
+                    <dgm:constrLst>
+                      <dgm:constr type="w" for="ch" forName="background2" refType="w" fact="0.9"/>
+                      <dgm:constr type="h" for="ch" forName="background2" refType="w" refFor="ch" refForName="background2" fact="0.635"/>
+                      <dgm:constr type="t" for="ch" forName="background2"/>
+                      <dgm:constr type="l" for="ch" forName="background2"/>
+                      <dgm:constr type="w" for="ch" forName="text2" refType="w" fact="0.9"/>
+                      <dgm:constr type="h" for="ch" forName="text2" refType="w" refFor="ch" refForName="text2" fact="0.635"/>
+                      <dgm:constr type="t" for="ch" forName="text2" refType="w" fact="0.095"/>
+                      <dgm:constr type="l" for="ch" forName="text2" refType="w" fact="0.1"/>
+                    </dgm:constrLst>
+                    <dgm:ruleLst/>
+                    <dgm:layoutNode name="background2" moveWith="text2">
+                      <dgm:alg type="sp"/>
+                      <dgm:shape xmlns:r="http://schemas.openxmlformats.org/officeDocument/2006/relationships" type="roundRect" r:blip="">
+                        <dgm:adjLst>
+                          <dgm:adj idx="1" val="0.1"/>
+                        </dgm:adjLst>
+                      </dgm:shape>
+                      <dgm:presOf/>
+                      <dgm:constrLst/>
+                      <dgm:ruleLst/>
+                    </dgm:layoutNode>
+                    <dgm:layoutNode name="text2" styleLbl="fgAcc2">
+                      <dgm:varLst>
+                        <dgm:chPref val="3"/>
+                      </dgm:varLst>
+                      <dgm:alg type="tx"/>
+                      <dgm:shape xmlns:r="http://schemas.openxmlformats.org/officeDocument/2006/relationships" type="roundRect" r:blip="">
+                        <dgm:adjLst>
+                          <dgm:adj idx="1" val="0.1"/>
+                        </dgm:adjLst>
+                      </dgm:shape>
+                      <dgm:presOf axis="self"/>
+                      <dgm:constrLst>
+                        <dgm:constr type="tMarg" refType="primFontSz" fact="0.3"/>
+                        <dgm:constr type="bMarg" refType="primFontSz" fact="0.3"/>
+                        <dgm:constr type="lMarg" refType="primFontSz" fact="0.3"/>
+                        <dgm:constr type="rMarg" refType="primFontSz" fact="0.3"/>
+                      </dgm:constrLst>
+                      <dgm:ruleLst>
+                        <dgm:rule type="primFontSz" val="5" fact="NaN" max="NaN"/>
+                      </dgm:ruleLst>
+                    </dgm:layoutNode>
+                  </dgm:layoutNode>
+                  <dgm:layoutNode name="hierChild3">
+                    <dgm:choose name="Name12">
+                      <dgm:if name="Name13" func="var" arg="dir" op="equ" val="norm">
+                        <dgm:alg type="hierChild">
+                          <dgm:param type="linDir" val="fromL"/>
+                        </dgm:alg>
+                      </dgm:if>
+                      <dgm:else name="Name14">
+                        <dgm:alg type="hierChild">
+                          <dgm:param type="linDir" val="fromR"/>
+                        </dgm:alg>
+                      </dgm:else>
+                    </dgm:choose>
+                    <dgm:shape xmlns:r="http://schemas.openxmlformats.org/officeDocument/2006/relationships" r:blip="">
+                      <dgm:adjLst/>
+                    </dgm:shape>
+                    <dgm:presOf/>
+                    <dgm:constrLst/>
+                    <dgm:ruleLst/>
+                    <dgm:forEach name="Name15" axis="ch">
+                      <dgm:forEach name="Name16" axis="self" ptType="parTrans" cnt="1">
+                        <dgm:layoutNode name="Name17">
+                          <dgm:alg type="conn">
+                            <dgm:param type="dim" val="1D"/>
+                            <dgm:param type="endSty" val="noArr"/>
+                            <dgm:param type="connRout" val="bend"/>
+                            <dgm:param type="bendPt" val="end"/>
+                            <dgm:param type="begPts" val="bCtr"/>
+                            <dgm:param type="endPts" val="tCtr"/>
+                            <dgm:param type="srcNode" val="background2"/>
+                            <dgm:param type="dstNode" val="background3"/>
+                          </dgm:alg>
+                          <dgm:shape xmlns:r="http://schemas.openxmlformats.org/officeDocument/2006/relationships" type="conn" r:blip="" zOrderOff="-999">
+                            <dgm:adjLst/>
+                          </dgm:shape>
+                          <dgm:presOf axis="self"/>
+                          <dgm:constrLst>
+                            <dgm:constr type="begPad"/>
+                            <dgm:constr type="endPad"/>
+                          </dgm:constrLst>
+                          <dgm:ruleLst/>
+                        </dgm:layoutNode>
+                      </dgm:forEach>
+                      <dgm:forEach name="Name18" axis="self" ptType="node">
+                        <dgm:layoutNode name="hierRoot3">
+                          <dgm:alg type="hierRoot"/>
+                          <dgm:shape xmlns:r="http://schemas.openxmlformats.org/officeDocument/2006/relationships" r:blip="">
+                            <dgm:adjLst/>
+                          </dgm:shape>
+                          <dgm:presOf/>
+                          <dgm:constrLst>
+                            <dgm:constr type="bendDist" for="des" ptType="parTrans" refType="sp" fact="0.5"/>
+                          </dgm:constrLst>
+                          <dgm:ruleLst/>
+                          <dgm:layoutNode name="composite3">
+                            <dgm:alg type="composite"/>
+                            <dgm:shape xmlns:r="http://schemas.openxmlformats.org/officeDocument/2006/relationships" r:blip="">
+                              <dgm:adjLst/>
+                            </dgm:shape>
+                            <dgm:presOf/>
+                            <dgm:constrLst>
+                              <dgm:constr type="w" for="ch" forName="background3" refType="w" fact="0.9"/>
+                              <dgm:constr type="h" for="ch" forName="background3" refType="w" refFor="ch" refForName="background3" fact="0.635"/>
+                              <dgm:constr type="t" for="ch" forName="background3"/>
+                              <dgm:constr type="l" for="ch" forName="background3"/>
+                              <dgm:constr type="w" for="ch" forName="text3" refType="w" fact="0.9"/>
+                              <dgm:constr type="h" for="ch" forName="text3" refType="w" refFor="ch" refForName="text3" fact="0.635"/>
+                              <dgm:constr type="t" for="ch" forName="text3" refType="w" fact="0.095"/>
+                              <dgm:constr type="l" for="ch" forName="text3" refType="w" fact="0.1"/>
+                            </dgm:constrLst>
+                            <dgm:ruleLst/>
+                            <dgm:layoutNode name="background3" moveWith="text3">
+                              <dgm:alg type="sp"/>
+                              <dgm:shape xmlns:r="http://schemas.openxmlformats.org/officeDocument/2006/relationships" type="roundRect" r:blip="">
+                                <dgm:adjLst>
+                                  <dgm:adj idx="1" val="0.1"/>
+                                </dgm:adjLst>
+                              </dgm:shape>
+                              <dgm:presOf/>
+                              <dgm:constrLst/>
+                              <dgm:ruleLst/>
+                            </dgm:layoutNode>
+                            <dgm:layoutNode name="text3" styleLbl="fgAcc3">
+                              <dgm:varLst>
+                                <dgm:chPref val="3"/>
+                              </dgm:varLst>
+                              <dgm:alg type="tx"/>
+                              <dgm:shape xmlns:r="http://schemas.openxmlformats.org/officeDocument/2006/relationships" type="roundRect" r:blip="">
+                                <dgm:adjLst>
+                                  <dgm:adj idx="1" val="0.1"/>
+                                </dgm:adjLst>
+                              </dgm:shape>
+                              <dgm:presOf axis="self"/>
+                              <dgm:constrLst>
+                                <dgm:constr type="tMarg" refType="primFontSz" fact="0.3"/>
+                                <dgm:constr type="bMarg" refType="primFontSz" fact="0.3"/>
+                                <dgm:constr type="lMarg" refType="primFontSz" fact="0.3"/>
+                                <dgm:constr type="rMarg" refType="primFontSz" fact="0.3"/>
+                              </dgm:constrLst>
+                              <dgm:ruleLst>
+                                <dgm:rule type="primFontSz" val="5" fact="NaN" max="NaN"/>
+                              </dgm:ruleLst>
+                            </dgm:layoutNode>
+                          </dgm:layoutNode>
+                          <dgm:layoutNode name="hierChild4">
+                            <dgm:choose name="Name19">
+                              <dgm:if name="Name20" func="var" arg="dir" op="equ" val="norm">
+                                <dgm:alg type="hierChild">
+                                  <dgm:param type="linDir" val="fromL"/>
+                                </dgm:alg>
+                              </dgm:if>
+                              <dgm:else name="Name21">
+                                <dgm:alg type="hierChild">
+                                  <dgm:param type="linDir" val="fromR"/>
+                                </dgm:alg>
+                              </dgm:else>
+                            </dgm:choose>
+                            <dgm:shape xmlns:r="http://schemas.openxmlformats.org/officeDocument/2006/relationships" r:blip="">
+                              <dgm:adjLst/>
+                            </dgm:shape>
+                            <dgm:presOf/>
+                            <dgm:constrLst/>
+                            <dgm:ruleLst/>
+                            <dgm:forEach name="repeat" axis="ch">
+                              <dgm:forEach name="Name22" axis="self" ptType="parTrans" cnt="1">
+                                <dgm:layoutNode name="Name23">
+                                  <dgm:choose name="Name24">
+                                    <dgm:if name="Name25" axis="self" func="depth" op="lte" val="4">
+                                      <dgm:alg type="conn">
+                                        <dgm:param type="dim" val="1D"/>
+                                        <dgm:param type="endSty" val="noArr"/>
+                                        <dgm:param type="connRout" val="bend"/>
+                                        <dgm:param type="bendPt" val="end"/>
+                                        <dgm:param type="begPts" val="bCtr"/>
+                                        <dgm:param type="endPts" val="tCtr"/>
+                                        <dgm:param type="srcNode" val="background3"/>
+                                        <dgm:param type="dstNode" val="background4"/>
+                                      </dgm:alg>
+                                    </dgm:if>
+                                    <dgm:else name="Name26">
+                                      <dgm:alg type="conn">
+                                        <dgm:param type="dim" val="1D"/>
+                                        <dgm:param type="endSty" val="noArr"/>
+                                        <dgm:param type="connRout" val="bend"/>
+                                        <dgm:param type="bendPt" val="end"/>
+                                        <dgm:param type="begPts" val="bCtr"/>
+                                        <dgm:param type="endPts" val="tCtr"/>
+                                        <dgm:param type="srcNode" val="background4"/>
+                                        <dgm:param type="dstNode" val="background4"/>
+                                      </dgm:alg>
+                                    </dgm:else>
+                                  </dgm:choose>
+                                  <dgm:shape xmlns:r="http://schemas.openxmlformats.org/officeDocument/2006/relationships" type="conn" r:blip="" zOrderOff="-999">
+                                    <dgm:adjLst/>
+                                  </dgm:shape>
+                                  <dgm:presOf axis="self"/>
+                                  <dgm:constrLst>
+                                    <dgm:constr type="begPad"/>
+                                    <dgm:constr type="endPad"/>
+                                  </dgm:constrLst>
+                                  <dgm:ruleLst/>
+                                </dgm:layoutNode>
+                              </dgm:forEach>
+                              <dgm:forEach name="Name27" axis="self" ptType="node">
+                                <dgm:layoutNode name="hierRoot4">
+                                  <dgm:alg type="hierRoot"/>
+                                  <dgm:shape xmlns:r="http://schemas.openxmlformats.org/officeDocument/2006/relationships" r:blip="">
+                                    <dgm:adjLst/>
+                                  </dgm:shape>
+                                  <dgm:presOf/>
+                                  <dgm:constrLst>
+                                    <dgm:constr type="bendDist" for="des" ptType="parTrans" refType="sp" fact="0.5"/>
+                                  </dgm:constrLst>
+                                  <dgm:ruleLst/>
+                                  <dgm:layoutNode name="composite4">
+                                    <dgm:alg type="composite"/>
+                                    <dgm:shape xmlns:r="http://schemas.openxmlformats.org/officeDocument/2006/relationships" r:blip="">
+                                      <dgm:adjLst/>
+                                    </dgm:shape>
+                                    <dgm:presOf/>
+                                    <dgm:constrLst>
+                                      <dgm:constr type="w" for="ch" forName="background4" refType="w" fact="0.9"/>
+                                      <dgm:constr type="h" for="ch" forName="background4" refType="w" refFor="ch" refForName="background4" fact="0.635"/>
+                                      <dgm:constr type="t" for="ch" forName="background4"/>
+                                      <dgm:constr type="l" for="ch" forName="background4"/>
+                                      <dgm:constr type="w" for="ch" forName="text4" refType="w" fact="0.9"/>
+                                      <dgm:constr type="h" for="ch" forName="text4" refType="w" refFor="ch" refForName="text4" fact="0.635"/>
+                                      <dgm:constr type="t" for="ch" forName="text4" refType="w" fact="0.095"/>
+                                      <dgm:constr type="l" for="ch" forName="text4" refType="w" fact="0.1"/>
+                                    </dgm:constrLst>
+                                    <dgm:ruleLst/>
+                                    <dgm:layoutNode name="background4" moveWith="text4">
+                                      <dgm:alg type="sp"/>
+                                      <dgm:shape xmlns:r="http://schemas.openxmlformats.org/officeDocument/2006/relationships" type="roundRect" r:blip="">
+                                        <dgm:adjLst>
+                                          <dgm:adj idx="1" val="0.1"/>
+                                        </dgm:adjLst>
+                                      </dgm:shape>
+                                      <dgm:presOf/>
+                                      <dgm:constrLst/>
+                                      <dgm:ruleLst/>
+                                    </dgm:layoutNode>
+                                    <dgm:layoutNode name="text4" styleLbl="fgAcc4">
+                                      <dgm:varLst>
+                                        <dgm:chPref val="3"/>
+                                      </dgm:varLst>
+                                      <dgm:alg type="tx"/>
+                                      <dgm:shape xmlns:r="http://schemas.openxmlformats.org/officeDocument/2006/relationships" type="roundRect" r:blip="">
+                                        <dgm:adjLst>
+                                          <dgm:adj idx="1" val="0.1"/>
+                                        </dgm:adjLst>
+                                      </dgm:shape>
+                                      <dgm:presOf axis="self"/>
+                                      <dgm:constrLst>
+                                        <dgm:constr type="tMarg" refType="primFontSz" fact="0.3"/>
+                                        <dgm:constr type="bMarg" refType="primFontSz" fact="0.3"/>
+                                        <dgm:constr type="lMarg" refType="primFontSz" fact="0.3"/>
+                                        <dgm:constr type="rMarg" refType="primFontSz" fact="0.3"/>
+                                      </dgm:constrLst>
+                                      <dgm:ruleLst>
+                                        <dgm:rule type="primFontSz" val="5" fact="NaN" max="NaN"/>
+                                      </dgm:ruleLst>
+                                    </dgm:layoutNode>
+                                  </dgm:layoutNode>
+                                  <dgm:layoutNode name="hierChild5">
+                                    <dgm:choose name="Name28">
+                                      <dgm:if name="Name29" func="var" arg="dir" op="equ" val="norm">
+                                        <dgm:alg type="hierChild">
+                                          <dgm:param type="linDir" val="fromL"/>
+                                        </dgm:alg>
+                                      </dgm:if>
+                                      <dgm:else name="Name30">
+                                        <dgm:alg type="hierChild">
+                                          <dgm:param type="linDir" val="fromR"/>
+                                        </dgm:alg>
+                                      </dgm:else>
+                                    </dgm:choose>
+                                    <dgm:shape xmlns:r="http://schemas.openxmlformats.org/officeDocument/2006/relationships" r:blip="">
+                                      <dgm:adjLst/>
+                                    </dgm:shape>
+                                    <dgm:presOf/>
+                                    <dgm:constrLst/>
+                                    <dgm:ruleLst/>
+                                    <dgm:forEach name="Name31" ref="repeat"/>
+                                  </dgm:layoutNode>
+                                </dgm:layoutNode>
+                              </dgm:forEach>
+                            </dgm:forEach>
+                          </dgm:layoutNode>
+                        </dgm:layoutNode>
+                      </dgm:forEach>
+                    </dgm:forEach>
+                  </dgm:layoutNode>
+                </dgm:layoutNode>
+              </dgm:forEach>
+            </dgm:forEach>
+          </dgm:layoutNode>
+        </dgm:layoutNode>
+      </dgm:forEach>
+    </dgm:forEach>
+  </dgm:layoutNode>
+</dgm:layoutDef>
+</file>
+
+<file path=ppt/diagrams/quickStyle1.xml><?xml version="1.0" encoding="utf-8"?>
+<dgm:styleDef xmlns:dgm="http://schemas.openxmlformats.org/drawingml/2006/diagram" xmlns:a="http://schemas.openxmlformats.org/drawingml/2006/main" uniqueId="urn:microsoft.com/office/officeart/2005/8/quickstyle/simple2">
+  <dgm:title val=""/>
+  <dgm:desc val=""/>
+  <dgm:catLst>
+    <dgm:cat type="simple" pri="10200"/>
+  </dgm:catLst>
+  <dgm:scene3d>
+    <a:camera prst="orthographicFront"/>
+    <a:lightRig rig="threePt" dir="t"/>
+  </dgm:scene3d>
+  <dgm:styleLbl name="node0">
+    <dgm:scene3d>
+      <a:camera prst="orthographicFront"/>
+      <a:lightRig rig="threePt" dir="t"/>
+    </dgm:scene3d>
+    <dgm:sp3d/>
+    <dgm:txPr/>
+    <dgm:style>
+      <a:lnRef idx="3">
+        <a:scrgbClr r="0" g="0" b="0"/>
+      </a:lnRef>
+      <a:fillRef idx="1">
+        <a:scrgbClr r="0" g="0" b="0"/>
+      </a:fillRef>
+      <a:effectRef idx="1">
+        <a:scrgbClr r="0" g="0" b="0"/>
+      </a:effectRef>
+      <a:fontRef idx="minor">
+        <a:schemeClr val="lt1"/>
+      </a:fontRef>
+    </dgm:style>
+  </dgm:styleLbl>
+  <dgm:styleLbl name="lnNode1">
+    <dgm:scene3d>
+      <a:camera prst="orthographicFront"/>
+      <a:lightRig rig="threePt" dir="t"/>
+    </dgm:scene3d>
+    <dgm:sp3d/>
+    <dgm:txPr/>
+    <dgm:style>
+      <a:lnRef idx="3">
+        <a:scrgbClr r="0" g="0" b="0"/>
+      </a:lnRef>
+      <a:fillRef idx="1">
+        <a:scrgbClr r="0" g="0" b="0"/>
+      </a:fillRef>
+      <a:effectRef idx="1">
+        <a:scrgbClr r="0" g="0" b="0"/>
+      </a:effectRef>
+      <a:fontRef idx="minor">
+        <a:schemeClr val="lt1"/>
+      </a:fontRef>
+    </dgm:style>
+  </dgm:styleLbl>
+  <dgm:styleLbl name="vennNode1">
+    <dgm:scene3d>
+      <a:camera prst="orthographicFront"/>
+      <a:lightRig rig="threePt" dir="t"/>
+    </dgm:scene3d>
+    <dgm:sp3d/>
+    <dgm:txPr/>
+    <dgm:style>
+      <a:lnRef idx="3">
+        <a:scrgbClr r="0" g="0" b="0"/>
+      </a:lnRef>
+      <a:fillRef idx="1">
+        <a:scrgbClr r="0" g="0" b="0"/>
+      </a:fillRef>
+      <a:effectRef idx="0">
+        <a:scrgbClr r="0" g="0" b="0"/>
+      </a:effectRef>
+      <a:fontRef idx="minor">
+        <a:schemeClr val="tx1"/>
+      </a:fontRef>
+    </dgm:style>
+  </dgm:styleLbl>
+  <dgm:styleLbl name="alignNode1">
+    <dgm:scene3d>
+      <a:camera prst="orthographicFront"/>
+      <a:lightRig rig="threePt" dir="t"/>
+    </dgm:scene3d>
+    <dgm:sp3d/>
+    <dgm:txPr/>
+    <dgm:style>
+      <a:lnRef idx="2">
+        <a:scrgbClr r="0" g="0" b="0"/>
+      </a:lnRef>
+      <a:fillRef idx="1">
+        <a:scrgbClr r="0" g="0" b="0"/>
+      </a:fillRef>
+      <a:effectRef idx="1">
+        <a:scrgbClr r="0" g="0" b="0"/>
+      </a:effectRef>
+      <a:fontRef idx="minor">
+        <a:schemeClr val="lt1"/>
+      </a:fontRef>
+    </dgm:style>
+  </dgm:styleLbl>
+  <dgm:styleLbl name="node1">
+    <dgm:scene3d>
+      <a:camera prst="orthographicFront"/>
+      <a:lightRig rig="threePt" dir="t"/>
+    </dgm:scene3d>
+    <dgm:sp3d/>
+    <dgm:txPr/>
+    <dgm:style>
+      <a:lnRef idx="3">
+        <a:scrgbClr r="0" g="0" b="0"/>
+      </a:lnRef>
+      <a:fillRef idx="1">
+        <a:scrgbClr r="0" g="0" b="0"/>
+      </a:fillRef>
+      <a:effectRef idx="1">
+        <a:scrgbClr r="0" g="0" b="0"/>
+      </a:effectRef>
+      <a:fontRef idx="minor">
+        <a:schemeClr val="lt1"/>
+      </a:fontRef>
+    </dgm:style>
+  </dgm:styleLbl>
+  <dgm:styleLbl name="node2">
+    <dgm:scene3d>
+      <a:camera prst="orthographicFront"/>
+      <a:lightRig rig="threePt" dir="t"/>
+    </dgm:scene3d>
+    <dgm:sp3d/>
+    <dgm:txPr/>
+    <dgm:style>
+      <a:lnRef idx="3">
+        <a:scrgbClr r="0" g="0" b="0"/>
+      </a:lnRef>
+      <a:fillRef idx="1">
+        <a:scrgbClr r="0" g="0" b="0"/>
+      </a:fillRef>
+      <a:effectRef idx="1">
+        <a:scrgbClr r="0" g="0" b="0"/>
+      </a:effectRef>
+      <a:fontRef idx="minor">
+        <a:schemeClr val="lt1"/>
+      </a:fontRef>
+    </dgm:style>
+  </dgm:styleLbl>
+  <dgm:styleLbl name="node3">
+    <dgm:scene3d>
+      <a:camera prst="orthographicFront"/>
+      <a:lightRig rig="threePt" dir="t"/>
+    </dgm:scene3d>
+    <dgm:sp3d/>
+    <dgm:txPr/>
+    <dgm:style>
+      <a:lnRef idx="3">
+        <a:scrgbClr r="0" g="0" b="0"/>
+      </a:lnRef>
+      <a:fillRef idx="1">
+        <a:scrgbClr r="0" g="0" b="0"/>
+      </a:fillRef>
+      <a:effectRef idx="1">
+        <a:scrgbClr r="0" g="0" b="0"/>
+      </a:effectRef>
+      <a:fontRef idx="minor">
+        <a:schemeClr val="lt1"/>
+      </a:fontRef>
+    </dgm:style>
+  </dgm:styleLbl>
+  <dgm:styleLbl name="node4">
+    <dgm:scene3d>
+      <a:camera prst="orthographicFront"/>
+      <a:lightRig rig="threePt" dir="t"/>
+    </dgm:scene3d>
+    <dgm:sp3d/>
+    <dgm:txPr/>
+    <dgm:style>
+      <a:lnRef idx="3">
+        <a:scrgbClr r="0" g="0" b="0"/>
+      </a:lnRef>
+      <a:fillRef idx="1">
+        <a:scrgbClr r="0" g="0" b="0"/>
+      </a:fillRef>
+      <a:effectRef idx="1">
+        <a:scrgbClr r="0" g="0" b="0"/>
+      </a:effectRef>
+      <a:fontRef idx="minor">
+        <a:schemeClr val="lt1"/>
+      </a:fontRef>
+    </dgm:style>
+  </dgm:styleLbl>
+  <dgm:styleLbl name="fgImgPlace1">
+    <dgm:scene3d>
+      <a:camera prst="orthographicFront"/>
+      <a:lightRig rig="threePt" dir="t"/>
+    </dgm:scene3d>
+    <dgm:sp3d/>
+    <dgm:txPr/>
+    <dgm:style>
+      <a:lnRef idx="3">
+        <a:scrgbClr r="0" g="0" b="0"/>
+      </a:lnRef>
+      <a:fillRef idx="1">
+        <a:scrgbClr r="0" g="0" b="0"/>
+      </a:fillRef>
+      <a:effectRef idx="1">
+        <a:scrgbClr r="0" g="0" b="0"/>
+      </a:effectRef>
+      <a:fontRef idx="minor"/>
+    </dgm:style>
+  </dgm:styleLbl>
+  <dgm:styleLbl name="alignImgPlace1">
+    <dgm:scene3d>
+      <a:camera prst="orthographicFront"/>
+      <a:lightRig rig="threePt" dir="t"/>
+    </dgm:scene3d>
+    <dgm:sp3d/>
+    <dgm:txPr/>
+    <dgm:style>
+      <a:lnRef idx="3">
+        <a:scrgbClr r="0" g="0" b="0"/>
+      </a:lnRef>
+      <a:fillRef idx="1">
+        <a:scrgbClr r="0" g="0" b="0"/>
+      </a:fillRef>
+      <a:effectRef idx="1">
+        <a:scrgbClr r="0" g="0" b="0"/>
+      </a:effectRef>
+      <a:fontRef idx="minor"/>
+    </dgm:style>
+  </dgm:styleLbl>
+  <dgm:styleLbl name="bgImgPlace1">
+    <dgm:scene3d>
+      <a:camera prst="orthographicFront"/>
+      <a:lightRig rig="threePt" dir="t"/>
+    </dgm:scene3d>
+    <dgm:sp3d/>
+    <dgm:txPr/>
+    <dgm:style>
+      <a:lnRef idx="3">
+        <a:scrgbClr r="0" g="0" b="0"/>
+      </a:lnRef>
+      <a:fillRef idx="1">
+        <a:scrgbClr r="0" g="0" b="0"/>
+      </a:fillRef>
+      <a:effectRef idx="1">
+        <a:scrgbClr r="0" g="0" b="0"/>
+      </a:effectRef>
+      <a:fontRef idx="minor"/>
+    </dgm:style>
+  </dgm:styleLbl>
+  <dgm:styleLbl name="sibTrans2D1">
+    <dgm:scene3d>
+      <a:camera prst="orthographicFront"/>
+      <a:lightRig rig="threePt" dir="t"/>
+    </dgm:scene3d>
+    <dgm:sp3d/>
+    <dgm:txPr/>
+    <dgm:style>
+      <a:lnRef idx="0">
+        <a:scrgbClr r="0" g="0" b="0"/>
+      </a:lnRef>
+      <a:fillRef idx="1">
+        <a:scrgbClr r="0" g="0" b="0"/>
+      </a:fillRef>
+      <a:effectRef idx="1">
+        <a:scrgbClr r="0" g="0" b="0"/>
+      </a:effectRef>
+      <a:fontRef idx="minor">
+        <a:schemeClr val="lt1"/>
+      </a:fontRef>
+    </dgm:style>
+  </dgm:styleLbl>
+  <dgm:styleLbl name="fgSibTrans2D1">
+    <dgm:scene3d>
+      <a:camera prst="orthographicFront"/>
+      <a:lightRig rig="threePt" dir="t"/>
+    </dgm:scene3d>
+    <dgm:sp3d/>
+    <dgm:txPr/>
+    <dgm:style>
+      <a:lnRef idx="0">
+        <a:scrgbClr r="0" g="0" b="0"/>
+      </a:lnRef>
+      <a:fillRef idx="1">
+        <a:scrgbClr r="0" g="0" b="0"/>
+      </a:fillRef>
+      <a:effectRef idx="1">
+        <a:scrgbClr r="0" g="0" b="0"/>
+      </a:effectRef>
+      <a:fontRef idx="minor">
+        <a:schemeClr val="lt1"/>
+      </a:fontRef>
+    </dgm:style>
+  </dgm:styleLbl>
+  <dgm:styleLbl name="bgSibTrans2D1">
+    <dgm:scene3d>
+      <a:camera prst="orthographicFront"/>
+      <a:lightRig rig="threePt" dir="t"/>
+    </dgm:scene3d>
+    <dgm:sp3d/>
+    <dgm:txPr/>
+    <dgm:style>
+      <a:lnRef idx="0">
+        <a:scrgbClr r="0" g="0" b="0"/>
+      </a:lnRef>
+      <a:fillRef idx="1">
+        <a:scrgbClr r="0" g="0" b="0"/>
+      </a:fillRef>
+      <a:effectRef idx="1">
+        <a:scrgbClr r="0" g="0" b="0"/>
+      </a:effectRef>
+      <a:fontRef idx="minor">
+        <a:schemeClr val="lt1"/>
+      </a:fontRef>
+    </dgm:style>
+  </dgm:styleLbl>
+  <dgm:styleLbl name="sibTrans1D1">
+    <dgm:scene3d>
+      <a:camera prst="orthographicFront"/>
+      <a:lightRig rig="threePt" dir="t"/>
+    </dgm:scene3d>
+    <dgm:sp3d/>
+    <dgm:txPr/>
+    <dgm:style>
+      <a:lnRef idx="1">
+        <a:scrgbClr r="0" g="0" b="0"/>
+      </a:lnRef>
+      <a:fillRef idx="0">
+        <a:scrgbClr r="0" g="0" b="0"/>
+      </a:fillRef>
+      <a:effectRef idx="0">
+        <a:scrgbClr r="0" g="0" b="0"/>
+      </a:effectRef>
+      <a:fontRef idx="minor"/>
+    </dgm:style>
+  </dgm:styleLbl>
+  <dgm:styleLbl name="callout">
+    <dgm:scene3d>
+      <a:camera prst="orthographicFront"/>
+      <a:lightRig rig="threePt" dir="t"/>
+    </dgm:scene3d>
+    <dgm:sp3d/>
+    <dgm:txPr/>
+    <dgm:style>
+      <a:lnRef idx="2">
+        <a:scrgbClr r="0" g="0" b="0"/>
+      </a:lnRef>
+      <a:fillRef idx="1">
+        <a:scrgbClr r="0" g="0" b="0"/>
+      </a:fillRef>
+      <a:effectRef idx="1">
+        <a:scrgbClr r="0" g="0" b="0"/>
+      </a:effectRef>
+      <a:fontRef idx="minor"/>
+    </dgm:style>
+  </dgm:styleLbl>
+  <dgm:styleLbl name="asst0">
+    <dgm:scene3d>
+      <a:camera prst="orthographicFront"/>
+      <a:lightRig rig="threePt" dir="t"/>
+    </dgm:scene3d>
+    <dgm:sp3d/>
+    <dgm:txPr/>
+    <dgm:style>
+      <a:lnRef idx="3">
+        <a:scrgbClr r="0" g="0" b="0"/>
+      </a:lnRef>
+      <a:fillRef idx="1">
+        <a:scrgbClr r="0" g="0" b="0"/>
+      </a:fillRef>
+      <a:effectRef idx="1">
+        <a:scrgbClr r="0" g="0" b="0"/>
+      </a:effectRef>
+      <a:fontRef idx="minor">
+        <a:schemeClr val="lt1"/>
+      </a:fontRef>
+    </dgm:style>
+  </dgm:styleLbl>
+  <dgm:styleLbl name="asst1">
+    <dgm:scene3d>
+      <a:camera prst="orthographicFront"/>
+      <a:lightRig rig="threePt" dir="t"/>
+    </dgm:scene3d>
+    <dgm:sp3d/>
+    <dgm:txPr/>
+    <dgm:style>
+      <a:lnRef idx="3">
+        <a:scrgbClr r="0" g="0" b="0"/>
+      </a:lnRef>
+      <a:fillRef idx="1">
+        <a:scrgbClr r="0" g="0" b="0"/>
+      </a:fillRef>
+      <a:effectRef idx="1">
+        <a:scrgbClr r="0" g="0" b="0"/>
+      </a:effectRef>
+      <a:fontRef idx="minor">
+        <a:schemeClr val="lt1"/>
+      </a:fontRef>
+    </dgm:style>
+  </dgm:styleLbl>
+  <dgm:styleLbl name="asst2">
+    <dgm:scene3d>
+      <a:camera prst="orthographicFront"/>
+      <a:lightRig rig="threePt" dir="t"/>
+    </dgm:scene3d>
+    <dgm:sp3d/>
+    <dgm:txPr/>
+    <dgm:style>
+      <a:lnRef idx="3">
+        <a:scrgbClr r="0" g="0" b="0"/>
+      </a:lnRef>
+      <a:fillRef idx="1">
+        <a:scrgbClr r="0" g="0" b="0"/>
+      </a:fillRef>
+      <a:effectRef idx="1">
+        <a:scrgbClr r="0" g="0" b="0"/>
+      </a:effectRef>
+      <a:fontRef idx="minor">
+        <a:schemeClr val="lt1"/>
+      </a:fontRef>
+    </dgm:style>
+  </dgm:styleLbl>
+  <dgm:styleLbl name="asst3">
+    <dgm:scene3d>
+      <a:camera prst="orthographicFront"/>
+      <a:lightRig rig="threePt" dir="t"/>
+    </dgm:scene3d>
+    <dgm:sp3d/>
+    <dgm:txPr/>
+    <dgm:style>
+      <a:lnRef idx="3">
+        <a:scrgbClr r="0" g="0" b="0"/>
+      </a:lnRef>
+      <a:fillRef idx="1">
+        <a:scrgbClr r="0" g="0" b="0"/>
+      </a:fillRef>
+      <a:effectRef idx="1">
+        <a:scrgbClr r="0" g="0" b="0"/>
+      </a:effectRef>
+      <a:fontRef idx="minor">
+        <a:schemeClr val="lt1"/>
+      </a:fontRef>
+    </dgm:style>
+  </dgm:styleLbl>
+  <dgm:styleLbl name="asst4">
+    <dgm:scene3d>
+      <a:camera prst="orthographicFront"/>
+      <a:lightRig rig="threePt" dir="t"/>
+    </dgm:scene3d>
+    <dgm:sp3d/>
+    <dgm:txPr/>
+    <dgm:style>
+      <a:lnRef idx="3">
+        <a:scrgbClr r="0" g="0" b="0"/>
+      </a:lnRef>
+      <a:fillRef idx="1">
+        <a:scrgbClr r="0" g="0" b="0"/>
+      </a:fillRef>
+      <a:effectRef idx="1">
+        <a:scrgbClr r="0" g="0" b="0"/>
+      </a:effectRef>
+      <a:fontRef idx="minor">
+        <a:schemeClr val="lt1"/>
+      </a:fontRef>
+    </dgm:style>
+  </dgm:styleLbl>
+  <dgm:styleLbl name="parChTrans2D1">
+    <dgm:scene3d>
+      <a:camera prst="orthographicFront"/>
+      <a:lightRig rig="threePt" dir="t"/>
+    </dgm:scene3d>
+    <dgm:sp3d/>
+    <dgm:txPr/>
+    <dgm:style>
+      <a:lnRef idx="3">
+        <a:scrgbClr r="0" g="0" b="0"/>
+      </a:lnRef>
+      <a:fillRef idx="1">
+        <a:scrgbClr r="0" g="0" b="0"/>
+      </a:fillRef>
+      <a:effectRef idx="1">
+        <a:scrgbClr r="0" g="0" b="0"/>
+      </a:effectRef>
+      <a:fontRef idx="minor">
+        <a:schemeClr val="lt1"/>
+      </a:fontRef>
+    </dgm:style>
+  </dgm:styleLbl>
+  <dgm:styleLbl name="parChTrans2D2">
+    <dgm:scene3d>
+      <a:camera prst="orthographicFront"/>
+      <a:lightRig rig="threePt" dir="t"/>
+    </dgm:scene3d>
+    <dgm:sp3d/>
+    <dgm:txPr/>
+    <dgm:style>
+      <a:lnRef idx="3">
+        <a:scrgbClr r="0" g="0" b="0"/>
+      </a:lnRef>
+      <a:fillRef idx="1">
+        <a:scrgbClr r="0" g="0" b="0"/>
+      </a:fillRef>
+      <a:effectRef idx="1">
+        <a:scrgbClr r="0" g="0" b="0"/>
+      </a:effectRef>
+      <a:fontRef idx="minor">
+        <a:schemeClr val="lt1"/>
+      </a:fontRef>
+    </dgm:style>
+  </dgm:styleLbl>
+  <dgm:styleLbl name="parChTrans2D3">
+    <dgm:scene3d>
+      <a:camera prst="orthographicFront"/>
+      <a:lightRig rig="threePt" dir="t"/>
+    </dgm:scene3d>
+    <dgm:sp3d/>
+    <dgm:txPr/>
+    <dgm:style>
+      <a:lnRef idx="3">
+        <a:scrgbClr r="0" g="0" b="0"/>
+      </a:lnRef>
+      <a:fillRef idx="1">
+        <a:scrgbClr r="0" g="0" b="0"/>
+      </a:fillRef>
+      <a:effectRef idx="1">
+        <a:scrgbClr r="0" g="0" b="0"/>
+      </a:effectRef>
+      <a:fontRef idx="minor">
+        <a:schemeClr val="lt1"/>
+      </a:fontRef>
+    </dgm:style>
+  </dgm:styleLbl>
+  <dgm:styleLbl name="parChTrans2D4">
+    <dgm:scene3d>
+      <a:camera prst="orthographicFront"/>
+      <a:lightRig rig="threePt" dir="t"/>
+    </dgm:scene3d>
+    <dgm:sp3d/>
+    <dgm:txPr/>
+    <dgm:style>
+      <a:lnRef idx="3">
+        <a:scrgbClr r="0" g="0" b="0"/>
+      </a:lnRef>
+      <a:fillRef idx="1">
+        <a:scrgbClr r="0" g="0" b="0"/>
+      </a:fillRef>
+      <a:effectRef idx="1">
+        <a:scrgbClr r="0" g="0" b="0"/>
+      </a:effectRef>
+      <a:fontRef idx="minor">
+        <a:schemeClr val="lt1"/>
+      </a:fontRef>
+    </dgm:style>
+  </dgm:styleLbl>
+  <dgm:styleLbl name="parChTrans1D1">
+    <dgm:scene3d>
+      <a:camera prst="orthographicFront"/>
+      <a:lightRig rig="threePt" dir="t"/>
+    </dgm:scene3d>
+    <dgm:sp3d/>
+    <dgm:txPr/>
+    <dgm:style>
+      <a:lnRef idx="2">
+        <a:scrgbClr r="0" g="0" b="0"/>
+      </a:lnRef>
+      <a:fillRef idx="0">
+        <a:scrgbClr r="0" g="0" b="0"/>
+      </a:fillRef>
+      <a:effectRef idx="0">
+        <a:scrgbClr r="0" g="0" b="0"/>
+      </a:effectRef>
+      <a:fontRef idx="minor"/>
+    </dgm:style>
+  </dgm:styleLbl>
+  <dgm:styleLbl name="parChTrans1D2">
+    <dgm:scene3d>
+      <a:camera prst="orthographicFront"/>
+      <a:lightRig rig="threePt" dir="t"/>
+    </dgm:scene3d>
+    <dgm:sp3d/>
+    <dgm:txPr/>
+    <dgm:style>
+      <a:lnRef idx="2">
+        <a:scrgbClr r="0" g="0" b="0"/>
+      </a:lnRef>
+      <a:fillRef idx="0">
+        <a:scrgbClr r="0" g="0" b="0"/>
+      </a:fillRef>
+      <a:effectRef idx="0">
+        <a:scrgbClr r="0" g="0" b="0"/>
+      </a:effectRef>
+      <a:fontRef idx="minor"/>
+    </dgm:style>
+  </dgm:styleLbl>
+  <dgm:styleLbl name="parChTrans1D3">
+    <dgm:scene3d>
+      <a:camera prst="orthographicFront"/>
+      <a:lightRig rig="threePt" dir="t"/>
+    </dgm:scene3d>
+    <dgm:sp3d/>
+    <dgm:txPr/>
+    <dgm:style>
+      <a:lnRef idx="2">
+        <a:scrgbClr r="0" g="0" b="0"/>
+      </a:lnRef>
+      <a:fillRef idx="0">
+        <a:scrgbClr r="0" g="0" b="0"/>
+      </a:fillRef>
+      <a:effectRef idx="0">
+        <a:scrgbClr r="0" g="0" b="0"/>
+      </a:effectRef>
+      <a:fontRef idx="minor"/>
+    </dgm:style>
+  </dgm:styleLbl>
+  <dgm:styleLbl name="parChTrans1D4">
+    <dgm:scene3d>
+      <a:camera prst="orthographicFront"/>
+      <a:lightRig rig="threePt" dir="t"/>
+    </dgm:scene3d>
+    <dgm:sp3d/>
+    <dgm:txPr/>
+    <dgm:style>
+      <a:lnRef idx="2">
+        <a:scrgbClr r="0" g="0" b="0"/>
+      </a:lnRef>
+      <a:fillRef idx="0">
+        <a:scrgbClr r="0" g="0" b="0"/>
+      </a:fillRef>
+      <a:effectRef idx="0">
+        <a:scrgbClr r="0" g="0" b="0"/>
+      </a:effectRef>
+      <a:fontRef idx="minor"/>
+    </dgm:style>
+  </dgm:styleLbl>
+  <dgm:styleLbl name="fgAcc1">
+    <dgm:scene3d>
+      <a:camera prst="orthographicFront"/>
+      <a:lightRig rig="threePt" dir="t"/>
+    </dgm:scene3d>
+    <dgm:sp3d/>
+    <dgm:txPr/>
+    <dgm:style>
+      <a:lnRef idx="2">
+        <a:scrgbClr r="0" g="0" b="0"/>
+      </a:lnRef>
+      <a:fillRef idx="1">
+        <a:scrgbClr r="0" g="0" b="0"/>
+      </a:fillRef>
+      <a:effectRef idx="0">
+        <a:scrgbClr r="0" g="0" b="0"/>
+      </a:effectRef>
+      <a:fontRef idx="minor"/>
+    </dgm:style>
+  </dgm:styleLbl>
+  <dgm:styleLbl name="conFgAcc1">
+    <dgm:scene3d>
+      <a:camera prst="orthographicFront"/>
+      <a:lightRig rig="threePt" dir="t"/>
+    </dgm:scene3d>
+    <dgm:sp3d/>
+    <dgm:txPr/>
+    <dgm:style>
+      <a:lnRef idx="2">
+        <a:scrgbClr r="0" g="0" b="0"/>
+      </a:lnRef>
+      <a:fillRef idx="1">
+        <a:scrgbClr r="0" g="0" b="0"/>
+      </a:fillRef>
+      <a:effectRef idx="0">
+        <a:scrgbClr r="0" g="0" b="0"/>
+      </a:effectRef>
+      <a:fontRef idx="minor"/>
+    </dgm:style>
+  </dgm:styleLbl>
+  <dgm:styleLbl name="alignAcc1">
+    <dgm:scene3d>
+      <a:camera prst="orthographicFront"/>
+      <a:lightRig rig="threePt" dir="t"/>
+    </dgm:scene3d>
+    <dgm:sp3d/>
+    <dgm:txPr/>
+    <dgm:style>
+      <a:lnRef idx="2">
+        <a:scrgbClr r="0" g="0" b="0"/>
+      </a:lnRef>
+      <a:fillRef idx="1">
+        <a:scrgbClr r="0" g="0" b="0"/>
+      </a:fillRef>
+      <a:effectRef idx="0">
+        <a:scrgbClr r="0" g="0" b="0"/>
+      </a:effectRef>
+      <a:fontRef idx="minor"/>
+    </dgm:style>
+  </dgm:styleLbl>
+  <dgm:styleLbl name="trAlignAcc1">
+    <dgm:scene3d>
+      <a:camera prst="orthographicFront"/>
+      <a:lightRig rig="threePt" dir="t"/>
+    </dgm:scene3d>
+    <dgm:sp3d/>
+    <dgm:txPr/>
+    <dgm:style>
+      <a:lnRef idx="1">
+        <a:scrgbClr r="0" g="0" b="0"/>
+      </a:lnRef>
+      <a:fillRef idx="1">
+        <a:scrgbClr r="0" g="0" b="0"/>
+      </a:fillRef>
+      <a:effectRef idx="0">
+        <a:scrgbClr r="0" g="0" b="0"/>
+      </a:effectRef>
+      <a:fontRef idx="minor"/>
+    </dgm:style>
+  </dgm:styleLbl>
+  <dgm:styleLbl name="bgAcc1">
+    <dgm:scene3d>
+      <a:camera prst="orthographicFront"/>
+      <a:lightRig rig="threePt" dir="t"/>
+    </dgm:scene3d>
+    <dgm:sp3d/>
+    <dgm:txPr/>
+    <dgm:style>
+      <a:lnRef idx="2">
+        <a:scrgbClr r="0" g="0" b="0"/>
+      </a:lnRef>
+      <a:fillRef idx="1">
+        <a:scrgbClr r="0" g="0" b="0"/>
+      </a:fillRef>
+      <a:effectRef idx="0">
+        <a:scrgbClr r="0" g="0" b="0"/>
+      </a:effectRef>
+      <a:fontRef idx="minor"/>
+    </dgm:style>
+  </dgm:styleLbl>
+  <dgm:styleLbl name="solidFgAcc1">
+    <dgm:scene3d>
+      <a:camera prst="orthographicFront"/>
+      <a:lightRig rig="threePt" dir="t"/>
+    </dgm:scene3d>
+    <dgm:sp3d/>
+    <dgm:txPr/>
+    <dgm:style>
+      <a:lnRef idx="2">
+        <a:scrgbClr r="0" g="0" b="0"/>
+      </a:lnRef>
+      <a:fillRef idx="1">
+        <a:scrgbClr r="0" g="0" b="0"/>
+      </a:fillRef>
+      <a:effectRef idx="0">
+        <a:scrgbClr r="0" g="0" b="0"/>
+      </a:effectRef>
+      <a:fontRef idx="minor"/>
+    </dgm:style>
+  </dgm:styleLbl>
+  <dgm:styleLbl name="solidAlignAcc1">
+    <dgm:scene3d>
+      <a:camera prst="orthographicFront"/>
+      <a:lightRig rig="threePt" dir="t"/>
+    </dgm:scene3d>
+    <dgm:sp3d/>
+    <dgm:txPr/>
+    <dgm:style>
+      <a:lnRef idx="2">
+        <a:scrgbClr r="0" g="0" b="0"/>
+      </a:lnRef>
+      <a:fillRef idx="1">
+        <a:scrgbClr r="0" g="0" b="0"/>
+      </a:fillRef>
+      <a:effectRef idx="0">
+        <a:scrgbClr r="0" g="0" b="0"/>
+      </a:effectRef>
+      <a:fontRef idx="minor"/>
+    </dgm:style>
+  </dgm:styleLbl>
+  <dgm:styleLbl name="solidBgAcc1">
+    <dgm:scene3d>
+      <a:camera prst="orthographicFront"/>
+      <a:lightRig rig="threePt" dir="t"/>
+    </dgm:scene3d>
+    <dgm:sp3d/>
+    <dgm:txPr/>
+    <dgm:style>
+      <a:lnRef idx="2">
+        <a:scrgbClr r="0" g="0" b="0"/>
+      </a:lnRef>
+      <a:fillRef idx="1">
+        <a:scrgbClr r="0" g="0" b="0"/>
+      </a:fillRef>
+      <a:effectRef idx="0">
+        <a:scrgbClr r="0" g="0" b="0"/>
+      </a:effectRef>
+      <a:fontRef idx="minor"/>
+    </dgm:style>
+  </dgm:styleLbl>
+  <dgm:styleLbl name="fgAccFollowNode1">
+    <dgm:scene3d>
+      <a:camera prst="orthographicFront"/>
+      <a:lightRig rig="threePt" dir="t"/>
+    </dgm:scene3d>
+    <dgm:sp3d/>
+    <dgm:txPr/>
+    <dgm:style>
+      <a:lnRef idx="2">
+        <a:scrgbClr r="0" g="0" b="0"/>
+      </a:lnRef>
+      <a:fillRef idx="1">
+        <a:scrgbClr r="0" g="0" b="0"/>
+      </a:fillRef>
+      <a:effectRef idx="0">
+        <a:scrgbClr r="0" g="0" b="0"/>
+      </a:effectRef>
+      <a:fontRef idx="minor"/>
+    </dgm:style>
+  </dgm:styleLbl>
+  <dgm:styleLbl name="alignAccFollowNode1">
+    <dgm:scene3d>
+      <a:camera prst="orthographicFront"/>
+      <a:lightRig rig="threePt" dir="t"/>
+    </dgm:scene3d>
+    <dgm:sp3d/>
+    <dgm:txPr/>
+    <dgm:style>
+      <a:lnRef idx="2">
+        <a:scrgbClr r="0" g="0" b="0"/>
+      </a:lnRef>
+      <a:fillRef idx="1">
+        <a:scrgbClr r="0" g="0" b="0"/>
+      </a:fillRef>
+      <a:effectRef idx="0">
+        <a:scrgbClr r="0" g="0" b="0"/>
+      </a:effectRef>
+      <a:fontRef idx="minor"/>
+    </dgm:style>
+  </dgm:styleLbl>
+  <dgm:styleLbl name="bgAccFollowNode1">
+    <dgm:scene3d>
+      <a:camera prst="orthographicFront"/>
+      <a:lightRig rig="threePt" dir="t"/>
+    </dgm:scene3d>
+    <dgm:sp3d/>
+    <dgm:txPr/>
+    <dgm:style>
+      <a:lnRef idx="2">
+        <a:scrgbClr r="0" g="0" b="0"/>
+      </a:lnRef>
+      <a:fillRef idx="1">
+        <a:scrgbClr r="0" g="0" b="0"/>
+      </a:fillRef>
+      <a:effectRef idx="0">
+        <a:scrgbClr r="0" g="0" b="0"/>
+      </a:effectRef>
+      <a:fontRef idx="minor"/>
+    </dgm:style>
+  </dgm:styleLbl>
+  <dgm:styleLbl name="fgAcc0">
+    <dgm:scene3d>
+      <a:camera prst="orthographicFront"/>
+      <a:lightRig rig="threePt" dir="t"/>
+    </dgm:scene3d>
+    <dgm:sp3d/>
+    <dgm:txPr/>
+    <dgm:style>
+      <a:lnRef idx="2">
+        <a:scrgbClr r="0" g="0" b="0"/>
+      </a:lnRef>
+      <a:fillRef idx="1">
+        <a:scrgbClr r="0" g="0" b="0"/>
+      </a:fillRef>
+      <a:effectRef idx="0">
+        <a:scrgbClr r="0" g="0" b="0"/>
+      </a:effectRef>
+      <a:fontRef idx="minor"/>
+    </dgm:style>
+  </dgm:styleLbl>
+  <dgm:styleLbl name="fgAcc2">
+    <dgm:scene3d>
+      <a:camera prst="orthographicFront"/>
+      <a:lightRig rig="threePt" dir="t"/>
+    </dgm:scene3d>
+    <dgm:sp3d/>
+    <dgm:txPr/>
+    <dgm:style>
+      <a:lnRef idx="2">
+        <a:scrgbClr r="0" g="0" b="0"/>
+      </a:lnRef>
+      <a:fillRef idx="1">
+        <a:scrgbClr r="0" g="0" b="0"/>
+      </a:fillRef>
+      <a:effectRef idx="0">
+        <a:scrgbClr r="0" g="0" b="0"/>
+      </a:effectRef>
+      <a:fontRef idx="minor"/>
+    </dgm:style>
+  </dgm:styleLbl>
+  <dgm:styleLbl name="fgAcc3">
+    <dgm:scene3d>
+      <a:camera prst="orthographicFront"/>
+      <a:lightRig rig="threePt" dir="t"/>
+    </dgm:scene3d>
+    <dgm:sp3d/>
+    <dgm:txPr/>
+    <dgm:style>
+      <a:lnRef idx="2">
+        <a:scrgbClr r="0" g="0" b="0"/>
+      </a:lnRef>
+      <a:fillRef idx="1">
+        <a:scrgbClr r="0" g="0" b="0"/>
+      </a:fillRef>
+      <a:effectRef idx="0">
+        <a:scrgbClr r="0" g="0" b="0"/>
+      </a:effectRef>
+      <a:fontRef idx="minor"/>
+    </dgm:style>
+  </dgm:styleLbl>
+  <dgm:styleLbl name="fgAcc4">
+    <dgm:scene3d>
+      <a:camera prst="orthographicFront"/>
+      <a:lightRig rig="threePt" dir="t"/>
+    </dgm:scene3d>
+    <dgm:sp3d/>
+    <dgm:txPr/>
+    <dgm:style>
+      <a:lnRef idx="2">
+        <a:scrgbClr r="0" g="0" b="0"/>
+      </a:lnRef>
+      <a:fillRef idx="1">
+        <a:scrgbClr r="0" g="0" b="0"/>
+      </a:fillRef>
+      <a:effectRef idx="0">
+        <a:scrgbClr r="0" g="0" b="0"/>
+      </a:effectRef>
+      <a:fontRef idx="minor"/>
+    </dgm:style>
+  </dgm:styleLbl>
+  <dgm:styleLbl name="bgShp">
+    <dgm:scene3d>
+      <a:camera prst="orthographicFront"/>
+      <a:lightRig rig="threePt" dir="t"/>
+    </dgm:scene3d>
+    <dgm:sp3d/>
+    <dgm:txPr/>
+    <dgm:style>
+      <a:lnRef idx="0">
+        <a:scrgbClr r="0" g="0" b="0"/>
+      </a:lnRef>
+      <a:fillRef idx="1">
+        <a:scrgbClr r="0" g="0" b="0"/>
+      </a:fillRef>
+      <a:effectRef idx="0">
+        <a:scrgbClr r="0" g="0" b="0"/>
+      </a:effectRef>
+      <a:fontRef idx="minor"/>
+    </dgm:style>
+  </dgm:styleLbl>
+  <dgm:styleLbl name="dkBgShp">
+    <dgm:scene3d>
+      <a:camera prst="orthographicFront"/>
+      <a:lightRig rig="threePt" dir="t"/>
+    </dgm:scene3d>
+    <dgm:sp3d/>
+    <dgm:txPr/>
+    <dgm:style>
+      <a:lnRef idx="0">
+        <a:scrgbClr r="0" g="0" b="0"/>
+      </a:lnRef>
+      <a:fillRef idx="1">
+        <a:scrgbClr r="0" g="0" b="0"/>
+      </a:fillRef>
+      <a:effectRef idx="0">
+        <a:scrgbClr r="0" g="0" b="0"/>
+      </a:effectRef>
+      <a:fontRef idx="minor"/>
+    </dgm:style>
+  </dgm:styleLbl>
+  <dgm:styleLbl name="trBgShp">
+    <dgm:scene3d>
+      <a:camera prst="orthographicFront"/>
+      <a:lightRig rig="threePt" dir="t"/>
+    </dgm:scene3d>
+    <dgm:sp3d/>
+    <dgm:txPr/>
+    <dgm:style>
+      <a:lnRef idx="0">
+        <a:scrgbClr r="0" g="0" b="0"/>
+      </a:lnRef>
+      <a:fillRef idx="1">
+        <a:scrgbClr r="0" g="0" b="0"/>
+      </a:fillRef>
+      <a:effectRef idx="0">
+        <a:scrgbClr r="0" g="0" b="0"/>
+      </a:effectRef>
+      <a:fontRef idx="minor"/>
+    </dgm:style>
+  </dgm:styleLbl>
+  <dgm:styleLbl name="fgShp">
+    <dgm:scene3d>
+      <a:camera prst="orthographicFront"/>
+      <a:lightRig rig="threePt" dir="t"/>
+    </dgm:scene3d>
+    <dgm:sp3d/>
+    <dgm:txPr/>
+    <dgm:style>
+      <a:lnRef idx="3">
+        <a:scrgbClr r="0" g="0" b="0"/>
+      </a:lnRef>
+      <a:fillRef idx="1">
+        <a:scrgbClr r="0" g="0" b="0"/>
+      </a:fillRef>
+      <a:effectRef idx="1">
+        <a:scrgbClr r="0" g="0" b="0"/>
+      </a:effectRef>
+      <a:fontRef idx="minor"/>
+    </dgm:style>
+  </dgm:styleLbl>
+  <dgm:styleLbl name="revTx">
+    <dgm:scene3d>
+      <a:camera prst="orthographicFront"/>
+      <a:lightRig rig="threePt" dir="t"/>
+    </dgm:scene3d>
+    <dgm:sp3d/>
+    <dgm:txPr/>
+    <dgm:style>
+      <a:lnRef idx="0">
+        <a:scrgbClr r="0" g="0" b="0"/>
+      </a:lnRef>
+      <a:fillRef idx="0">
+        <a:scrgbClr r="0" g="0" b="0"/>
+      </a:fillRef>
+      <a:effectRef idx="0">
+        <a:scrgbClr r="0" g="0" b="0"/>
+      </a:effectRef>
+      <a:fontRef idx="minor"/>
+    </dgm:style>
+  </dgm:styleLbl>
+</dgm:styleDef>
 </file>
 
 <file path=ppt/slideLayouts/slideLayout1.xml><?xml version="1.0" encoding="utf-8"?>
@@ -3256,10 +6250,16 @@
             </a:r>
           </a:p>
           <a:p>
+            <a:endParaRPr lang="en-US" dirty="0"/>
+          </a:p>
+          <a:p>
             <a:r>
               <a:rPr lang="en-US" dirty="0"/>
               <a:t>Tend to focus on speed over quality</a:t>
             </a:r>
+          </a:p>
+          <a:p>
+            <a:endParaRPr lang="en-US" dirty="0"/>
           </a:p>
           <a:p>
             <a:r>
@@ -3373,10 +6373,16 @@
             </a:r>
           </a:p>
           <a:p>
+            <a:endParaRPr lang="en-US" dirty="0"/>
+          </a:p>
+          <a:p>
             <a:r>
               <a:rPr lang="en-US" dirty="0"/>
               <a:t>Often abrasive and thinks they work best alone</a:t>
             </a:r>
+          </a:p>
+          <a:p>
+            <a:endParaRPr lang="en-US" dirty="0"/>
           </a:p>
           <a:p>
             <a:r>
@@ -3572,12 +6578,10 @@
           <a:p>
             <a:r>
               <a:rPr lang="en-US" dirty="0"/>
-              <a:t>Might not do the "hands on" </a:t>
-            </a:r>
-            <a:r>
-              <a:rPr lang="en-US"/>
-              <a:t>work themself</a:t>
-            </a:r>
+              <a:t>Might not do the "hands on" work themself</a:t>
+            </a:r>
+          </a:p>
+          <a:p>
             <a:endParaRPr lang="en-US" dirty="0"/>
           </a:p>
           <a:p>
@@ -3594,9 +6598,12 @@
             </a:r>
           </a:p>
           <a:p>
+            <a:endParaRPr lang="en-US" dirty="0"/>
+          </a:p>
+          <a:p>
             <a:r>
               <a:rPr lang="en-US" dirty="0"/>
-              <a:t>Might fall under the side of micromanager</a:t>
+              <a:t>Might fall under the side of micromanagement</a:t>
             </a:r>
           </a:p>
         </p:txBody>
@@ -3605,6 +6612,606 @@
     <p:extLst>
       <p:ext uri="{BB962C8B-B14F-4D97-AF65-F5344CB8AC3E}">
         <p14:creationId xmlns:p14="http://schemas.microsoft.com/office/powerpoint/2010/main" val="311248691"/>
+      </p:ext>
+    </p:extLst>
+  </p:cSld>
+  <p:clrMapOvr>
+    <a:masterClrMapping/>
+  </p:clrMapOvr>
+</p:sld>
+</file>
+
+<file path=ppt/slides/slide17.xml><?xml version="1.0" encoding="utf-8"?>
+<p:sld xmlns:a="http://schemas.openxmlformats.org/drawingml/2006/main" xmlns:r="http://schemas.openxmlformats.org/officeDocument/2006/relationships" xmlns:p="http://schemas.openxmlformats.org/presentationml/2006/main">
+  <p:cSld>
+    <p:spTree>
+      <p:nvGrpSpPr>
+        <p:cNvPr id="1" name=""/>
+        <p:cNvGrpSpPr/>
+        <p:nvPr/>
+      </p:nvGrpSpPr>
+      <p:grpSpPr>
+        <a:xfrm>
+          <a:off x="0" y="0"/>
+          <a:ext cx="0" cy="0"/>
+          <a:chOff x="0" y="0"/>
+          <a:chExt cx="0" cy="0"/>
+        </a:xfrm>
+      </p:grpSpPr>
+      <p:sp>
+        <p:nvSpPr>
+          <p:cNvPr id="8" name="Title 1">
+            <a:extLst>
+              <a:ext uri="{FF2B5EF4-FFF2-40B4-BE49-F238E27FC236}">
+                <a16:creationId xmlns:a16="http://schemas.microsoft.com/office/drawing/2014/main" id="{D0980E47-3B37-46BE-A673-F34F6A7EDCED}"/>
+              </a:ext>
+            </a:extLst>
+          </p:cNvPr>
+          <p:cNvSpPr>
+            <a:spLocks noGrp="1"/>
+          </p:cNvSpPr>
+          <p:nvPr>
+            <p:ph type="ctrTitle"/>
+          </p:nvPr>
+        </p:nvSpPr>
+        <p:spPr>
+          <a:xfrm>
+            <a:off x="1524000" y="1122363"/>
+            <a:ext cx="9144000" cy="2387600"/>
+          </a:xfrm>
+        </p:spPr>
+        <p:txBody>
+          <a:bodyPr/>
+          <a:lstStyle/>
+          <a:p>
+            <a:r>
+              <a:rPr lang="en-US" dirty="0"/>
+              <a:t>The Villains</a:t>
+            </a:r>
+          </a:p>
+        </p:txBody>
+      </p:sp>
+      <p:sp>
+        <p:nvSpPr>
+          <p:cNvPr id="10" name="Subtitle 2">
+            <a:extLst>
+              <a:ext uri="{FF2B5EF4-FFF2-40B4-BE49-F238E27FC236}">
+                <a16:creationId xmlns:a16="http://schemas.microsoft.com/office/drawing/2014/main" id="{3D7FC465-24F1-493A-BFF8-192A0A51CBA2}"/>
+              </a:ext>
+            </a:extLst>
+          </p:cNvPr>
+          <p:cNvSpPr>
+            <a:spLocks noGrp="1"/>
+          </p:cNvSpPr>
+          <p:nvPr>
+            <p:ph type="subTitle" idx="1"/>
+          </p:nvPr>
+        </p:nvSpPr>
+        <p:spPr>
+          <a:xfrm>
+            <a:off x="1524000" y="3602038"/>
+            <a:ext cx="9144000" cy="1655762"/>
+          </a:xfrm>
+        </p:spPr>
+        <p:txBody>
+          <a:bodyPr/>
+          <a:lstStyle/>
+          <a:p>
+            <a:endParaRPr lang="en-US"/>
+          </a:p>
+        </p:txBody>
+      </p:sp>
+    </p:spTree>
+    <p:extLst>
+      <p:ext uri="{BB962C8B-B14F-4D97-AF65-F5344CB8AC3E}">
+        <p14:creationId xmlns:p14="http://schemas.microsoft.com/office/powerpoint/2010/main" val="1632589493"/>
+      </p:ext>
+    </p:extLst>
+  </p:cSld>
+  <p:clrMapOvr>
+    <a:masterClrMapping/>
+  </p:clrMapOvr>
+</p:sld>
+</file>
+
+<file path=ppt/slides/slide18.xml><?xml version="1.0" encoding="utf-8"?>
+<p:sld xmlns:a="http://schemas.openxmlformats.org/drawingml/2006/main" xmlns:r="http://schemas.openxmlformats.org/officeDocument/2006/relationships" xmlns:p="http://schemas.openxmlformats.org/presentationml/2006/main">
+  <p:cSld>
+    <p:spTree>
+      <p:nvGrpSpPr>
+        <p:cNvPr id="1" name=""/>
+        <p:cNvGrpSpPr/>
+        <p:nvPr/>
+      </p:nvGrpSpPr>
+      <p:grpSpPr>
+        <a:xfrm>
+          <a:off x="0" y="0"/>
+          <a:ext cx="0" cy="0"/>
+          <a:chOff x="0" y="0"/>
+          <a:chExt cx="0" cy="0"/>
+        </a:xfrm>
+      </p:grpSpPr>
+      <p:sp>
+        <p:nvSpPr>
+          <p:cNvPr id="2" name="Title 1">
+            <a:extLst>
+              <a:ext uri="{FF2B5EF4-FFF2-40B4-BE49-F238E27FC236}">
+                <a16:creationId xmlns:a16="http://schemas.microsoft.com/office/drawing/2014/main" id="{F2B65E10-D961-C240-8FB0-7C811503CA17}"/>
+              </a:ext>
+            </a:extLst>
+          </p:cNvPr>
+          <p:cNvSpPr>
+            <a:spLocks noGrp="1"/>
+          </p:cNvSpPr>
+          <p:nvPr>
+            <p:ph type="title"/>
+          </p:nvPr>
+        </p:nvSpPr>
+        <p:spPr>
+          <a:xfrm>
+            <a:off x="838200" y="754144"/>
+            <a:ext cx="10515600" cy="459660"/>
+          </a:xfrm>
+        </p:spPr>
+        <p:txBody>
+          <a:bodyPr anchor="ctr">
+            <a:normAutofit/>
+          </a:bodyPr>
+          <a:lstStyle/>
+          <a:p>
+            <a:r>
+              <a:rPr lang="en-US" sz="2500"/>
+              <a:t>Who are the villains that developers go up against?</a:t>
+            </a:r>
+          </a:p>
+        </p:txBody>
+      </p:sp>
+      <p:graphicFrame>
+        <p:nvGraphicFramePr>
+          <p:cNvPr id="5" name="Content Placeholder 2">
+            <a:extLst>
+              <a:ext uri="{FF2B5EF4-FFF2-40B4-BE49-F238E27FC236}">
+                <a16:creationId xmlns:a16="http://schemas.microsoft.com/office/drawing/2014/main" id="{A39238D0-3B6B-4A04-A5D9-B9F4A74C0AE7}"/>
+              </a:ext>
+            </a:extLst>
+          </p:cNvPr>
+          <p:cNvGraphicFramePr>
+            <a:graphicFrameLocks noGrp="1"/>
+          </p:cNvGraphicFramePr>
+          <p:nvPr>
+            <p:ph idx="1"/>
+            <p:extLst>
+              <p:ext uri="{D42A27DB-BD31-4B8C-83A1-F6EECF244321}">
+                <p14:modId xmlns:p14="http://schemas.microsoft.com/office/powerpoint/2010/main" val="2870402749"/>
+              </p:ext>
+            </p:extLst>
+          </p:nvPr>
+        </p:nvGraphicFramePr>
+        <p:xfrm>
+          <a:off x="838200" y="1825625"/>
+          <a:ext cx="10515600" cy="3547653"/>
+        </p:xfrm>
+        <a:graphic>
+          <a:graphicData uri="http://schemas.openxmlformats.org/drawingml/2006/diagram">
+            <dgm:relIds xmlns:dgm="http://schemas.openxmlformats.org/drawingml/2006/diagram" xmlns:r="http://schemas.openxmlformats.org/officeDocument/2006/relationships" r:dm="rId2" r:lo="rId3" r:qs="rId4" r:cs="rId5"/>
+          </a:graphicData>
+        </a:graphic>
+      </p:graphicFrame>
+      <p:pic>
+        <p:nvPicPr>
+          <p:cNvPr id="1026" name="Picture 2" descr="Dwight False GIFs - Get the best GIF on GIPHY">
+            <a:extLst>
+              <a:ext uri="{FF2B5EF4-FFF2-40B4-BE49-F238E27FC236}">
+                <a16:creationId xmlns:a16="http://schemas.microsoft.com/office/drawing/2014/main" id="{7D7D756A-A8B3-FC49-84A2-05111019BBF4}"/>
+              </a:ext>
+            </a:extLst>
+          </p:cNvPr>
+          <p:cNvPicPr>
+            <a:picLocks noChangeAspect="1" noChangeArrowheads="1"/>
+          </p:cNvPicPr>
+          <p:nvPr/>
+        </p:nvPicPr>
+        <p:blipFill>
+          <a:blip r:embed="rId7">
+            <a:extLst>
+              <a:ext uri="{28A0092B-C50C-407E-A947-70E740481C1C}">
+                <a14:useLocalDpi xmlns:a14="http://schemas.microsoft.com/office/drawing/2010/main" val="0"/>
+              </a:ext>
+            </a:extLst>
+          </a:blip>
+          <a:srcRect/>
+          <a:stretch>
+            <a:fillRect/>
+          </a:stretch>
+        </p:blipFill>
+        <p:spPr bwMode="auto">
+          <a:xfrm>
+            <a:off x="2403230" y="1825625"/>
+            <a:ext cx="7385539" cy="4149180"/>
+          </a:xfrm>
+          <a:prstGeom prst="rect">
+            <a:avLst/>
+          </a:prstGeom>
+          <a:noFill/>
+          <a:extLst>
+            <a:ext uri="{909E8E84-426E-40DD-AFC4-6F175D3DCCD1}">
+              <a14:hiddenFill xmlns:a14="http://schemas.microsoft.com/office/drawing/2010/main">
+                <a:solidFill>
+                  <a:srgbClr val="FFFFFF"/>
+                </a:solidFill>
+              </a14:hiddenFill>
+            </a:ext>
+          </a:extLst>
+        </p:spPr>
+      </p:pic>
+    </p:spTree>
+    <p:extLst>
+      <p:ext uri="{BB962C8B-B14F-4D97-AF65-F5344CB8AC3E}">
+        <p14:creationId xmlns:p14="http://schemas.microsoft.com/office/powerpoint/2010/main" val="3830869875"/>
+      </p:ext>
+    </p:extLst>
+  </p:cSld>
+  <p:clrMapOvr>
+    <a:masterClrMapping/>
+  </p:clrMapOvr>
+  <mc:AlternateContent xmlns:mc="http://schemas.openxmlformats.org/markup-compatibility/2006">
+    <mc:Choice xmlns:p14="http://schemas.microsoft.com/office/powerpoint/2010/main" Requires="p14">
+      <p:timing>
+        <p:tnLst>
+          <p:par>
+            <p:cTn id="1" dur="indefinite" restart="never" nodeType="tmRoot">
+              <p:childTnLst>
+                <p:seq concurrent="1" nextAc="seek">
+                  <p:cTn id="2" dur="indefinite" nodeType="mainSeq">
+                    <p:childTnLst>
+                      <p:par>
+                        <p:cTn id="3" fill="hold">
+                          <p:stCondLst>
+                            <p:cond delay="indefinite"/>
+                          </p:stCondLst>
+                          <p:childTnLst>
+                            <p:par>
+                              <p:cTn id="4" fill="hold">
+                                <p:stCondLst>
+                                  <p:cond delay="0"/>
+                                </p:stCondLst>
+                                <p:childTnLst>
+                                  <p:par>
+                                    <p:cTn id="5" presetID="2" presetClass="entr" presetSubtype="8" accel="50000" fill="hold" nodeType="clickEffect" p14:presetBounceEnd="50000">
+                                      <p:stCondLst>
+                                        <p:cond delay="0"/>
+                                      </p:stCondLst>
+                                      <p:childTnLst>
+                                        <p:set>
+                                          <p:cBhvr>
+                                            <p:cTn id="6" dur="1" fill="hold">
+                                              <p:stCondLst>
+                                                <p:cond delay="0"/>
+                                              </p:stCondLst>
+                                            </p:cTn>
+                                            <p:tgtEl>
+                                              <p:spTgt spid="1026"/>
+                                            </p:tgtEl>
+                                            <p:attrNameLst>
+                                              <p:attrName>style.visibility</p:attrName>
+                                            </p:attrNameLst>
+                                          </p:cBhvr>
+                                          <p:to>
+                                            <p:strVal val="visible"/>
+                                          </p:to>
+                                        </p:set>
+                                        <p:anim calcmode="lin" valueType="num" p14:bounceEnd="50000">
+                                          <p:cBhvr additive="base">
+                                            <p:cTn id="7" dur="500" fill="hold"/>
+                                            <p:tgtEl>
+                                              <p:spTgt spid="1026"/>
+                                            </p:tgtEl>
+                                            <p:attrNameLst>
+                                              <p:attrName>ppt_x</p:attrName>
+                                            </p:attrNameLst>
+                                          </p:cBhvr>
+                                          <p:tavLst>
+                                            <p:tav tm="0">
+                                              <p:val>
+                                                <p:strVal val="0-#ppt_w/2"/>
+                                              </p:val>
+                                            </p:tav>
+                                            <p:tav tm="100000">
+                                              <p:val>
+                                                <p:strVal val="#ppt_x"/>
+                                              </p:val>
+                                            </p:tav>
+                                          </p:tavLst>
+                                        </p:anim>
+                                        <p:anim calcmode="lin" valueType="num" p14:bounceEnd="50000">
+                                          <p:cBhvr additive="base">
+                                            <p:cTn id="8" dur="500" fill="hold"/>
+                                            <p:tgtEl>
+                                              <p:spTgt spid="1026"/>
+                                            </p:tgtEl>
+                                            <p:attrNameLst>
+                                              <p:attrName>ppt_y</p:attrName>
+                                            </p:attrNameLst>
+                                          </p:cBhvr>
+                                          <p:tavLst>
+                                            <p:tav tm="0">
+                                              <p:val>
+                                                <p:strVal val="#ppt_y"/>
+                                              </p:val>
+                                            </p:tav>
+                                            <p:tav tm="100000">
+                                              <p:val>
+                                                <p:strVal val="#ppt_y"/>
+                                              </p:val>
+                                            </p:tav>
+                                          </p:tavLst>
+                                        </p:anim>
+                                      </p:childTnLst>
+                                    </p:cTn>
+                                  </p:par>
+                                </p:childTnLst>
+                              </p:cTn>
+                            </p:par>
+                          </p:childTnLst>
+                        </p:cTn>
+                      </p:par>
+                    </p:childTnLst>
+                  </p:cTn>
+                  <p:prevCondLst>
+                    <p:cond evt="onPrev" delay="0">
+                      <p:tgtEl>
+                        <p:sldTgt/>
+                      </p:tgtEl>
+                    </p:cond>
+                  </p:prevCondLst>
+                  <p:nextCondLst>
+                    <p:cond evt="onNext" delay="0">
+                      <p:tgtEl>
+                        <p:sldTgt/>
+                      </p:tgtEl>
+                    </p:cond>
+                  </p:nextCondLst>
+                </p:seq>
+              </p:childTnLst>
+            </p:cTn>
+          </p:par>
+        </p:tnLst>
+      </p:timing>
+    </mc:Choice>
+    <mc:Fallback>
+      <p:timing>
+        <p:tnLst>
+          <p:par>
+            <p:cTn id="1" dur="indefinite" restart="never" nodeType="tmRoot">
+              <p:childTnLst>
+                <p:seq concurrent="1" nextAc="seek">
+                  <p:cTn id="2" dur="indefinite" nodeType="mainSeq">
+                    <p:childTnLst>
+                      <p:par>
+                        <p:cTn id="3" fill="hold">
+                          <p:stCondLst>
+                            <p:cond delay="indefinite"/>
+                          </p:stCondLst>
+                          <p:childTnLst>
+                            <p:par>
+                              <p:cTn id="4" fill="hold">
+                                <p:stCondLst>
+                                  <p:cond delay="0"/>
+                                </p:stCondLst>
+                                <p:childTnLst>
+                                  <p:par>
+                                    <p:cTn id="5" presetID="2" presetClass="entr" presetSubtype="8" accel="50000" fill="hold" nodeType="clickEffect">
+                                      <p:stCondLst>
+                                        <p:cond delay="0"/>
+                                      </p:stCondLst>
+                                      <p:childTnLst>
+                                        <p:set>
+                                          <p:cBhvr>
+                                            <p:cTn id="6" dur="1" fill="hold">
+                                              <p:stCondLst>
+                                                <p:cond delay="0"/>
+                                              </p:stCondLst>
+                                            </p:cTn>
+                                            <p:tgtEl>
+                                              <p:spTgt spid="1026"/>
+                                            </p:tgtEl>
+                                            <p:attrNameLst>
+                                              <p:attrName>style.visibility</p:attrName>
+                                            </p:attrNameLst>
+                                          </p:cBhvr>
+                                          <p:to>
+                                            <p:strVal val="visible"/>
+                                          </p:to>
+                                        </p:set>
+                                        <p:anim calcmode="lin" valueType="num">
+                                          <p:cBhvr additive="base">
+                                            <p:cTn id="7" dur="500" fill="hold"/>
+                                            <p:tgtEl>
+                                              <p:spTgt spid="1026"/>
+                                            </p:tgtEl>
+                                            <p:attrNameLst>
+                                              <p:attrName>ppt_x</p:attrName>
+                                            </p:attrNameLst>
+                                          </p:cBhvr>
+                                          <p:tavLst>
+                                            <p:tav tm="0">
+                                              <p:val>
+                                                <p:strVal val="0-#ppt_w/2"/>
+                                              </p:val>
+                                            </p:tav>
+                                            <p:tav tm="100000">
+                                              <p:val>
+                                                <p:strVal val="#ppt_x"/>
+                                              </p:val>
+                                            </p:tav>
+                                          </p:tavLst>
+                                        </p:anim>
+                                        <p:anim calcmode="lin" valueType="num">
+                                          <p:cBhvr additive="base">
+                                            <p:cTn id="8" dur="500" fill="hold"/>
+                                            <p:tgtEl>
+                                              <p:spTgt spid="1026"/>
+                                            </p:tgtEl>
+                                            <p:attrNameLst>
+                                              <p:attrName>ppt_y</p:attrName>
+                                            </p:attrNameLst>
+                                          </p:cBhvr>
+                                          <p:tavLst>
+                                            <p:tav tm="0">
+                                              <p:val>
+                                                <p:strVal val="#ppt_y"/>
+                                              </p:val>
+                                            </p:tav>
+                                            <p:tav tm="100000">
+                                              <p:val>
+                                                <p:strVal val="#ppt_y"/>
+                                              </p:val>
+                                            </p:tav>
+                                          </p:tavLst>
+                                        </p:anim>
+                                      </p:childTnLst>
+                                    </p:cTn>
+                                  </p:par>
+                                </p:childTnLst>
+                              </p:cTn>
+                            </p:par>
+                          </p:childTnLst>
+                        </p:cTn>
+                      </p:par>
+                    </p:childTnLst>
+                  </p:cTn>
+                  <p:prevCondLst>
+                    <p:cond evt="onPrev" delay="0">
+                      <p:tgtEl>
+                        <p:sldTgt/>
+                      </p:tgtEl>
+                    </p:cond>
+                  </p:prevCondLst>
+                  <p:nextCondLst>
+                    <p:cond evt="onNext" delay="0">
+                      <p:tgtEl>
+                        <p:sldTgt/>
+                      </p:tgtEl>
+                    </p:cond>
+                  </p:nextCondLst>
+                </p:seq>
+              </p:childTnLst>
+            </p:cTn>
+          </p:par>
+        </p:tnLst>
+      </p:timing>
+    </mc:Fallback>
+  </mc:AlternateContent>
+</p:sld>
+</file>
+
+<file path=ppt/slides/slide19.xml><?xml version="1.0" encoding="utf-8"?>
+<p:sld xmlns:a="http://schemas.openxmlformats.org/drawingml/2006/main" xmlns:r="http://schemas.openxmlformats.org/officeDocument/2006/relationships" xmlns:p="http://schemas.openxmlformats.org/presentationml/2006/main">
+  <p:cSld>
+    <p:spTree>
+      <p:nvGrpSpPr>
+        <p:cNvPr id="1" name=""/>
+        <p:cNvGrpSpPr/>
+        <p:nvPr/>
+      </p:nvGrpSpPr>
+      <p:grpSpPr>
+        <a:xfrm>
+          <a:off x="0" y="0"/>
+          <a:ext cx="0" cy="0"/>
+          <a:chOff x="0" y="0"/>
+          <a:chExt cx="0" cy="0"/>
+        </a:xfrm>
+      </p:grpSpPr>
+      <p:sp>
+        <p:nvSpPr>
+          <p:cNvPr id="2" name="Title 1">
+            <a:extLst>
+              <a:ext uri="{FF2B5EF4-FFF2-40B4-BE49-F238E27FC236}">
+                <a16:creationId xmlns:a16="http://schemas.microsoft.com/office/drawing/2014/main" id="{BC37DC6B-FADA-D44A-AB71-083AD05EF5E4}"/>
+              </a:ext>
+            </a:extLst>
+          </p:cNvPr>
+          <p:cNvSpPr>
+            <a:spLocks noGrp="1"/>
+          </p:cNvSpPr>
+          <p:nvPr>
+            <p:ph type="title"/>
+          </p:nvPr>
+        </p:nvSpPr>
+        <p:spPr/>
+        <p:txBody>
+          <a:bodyPr/>
+          <a:lstStyle/>
+          <a:p>
+            <a:r>
+              <a:rPr lang="en-US" dirty="0"/>
+              <a:t>The Real Villains!</a:t>
+            </a:r>
+          </a:p>
+        </p:txBody>
+      </p:sp>
+      <p:sp>
+        <p:nvSpPr>
+          <p:cNvPr id="3" name="Content Placeholder 2">
+            <a:extLst>
+              <a:ext uri="{FF2B5EF4-FFF2-40B4-BE49-F238E27FC236}">
+                <a16:creationId xmlns:a16="http://schemas.microsoft.com/office/drawing/2014/main" id="{ABDC0ED0-6E4B-FF4D-8D31-BF9F481FADA4}"/>
+              </a:ext>
+            </a:extLst>
+          </p:cNvPr>
+          <p:cNvSpPr>
+            <a:spLocks noGrp="1"/>
+          </p:cNvSpPr>
+          <p:nvPr>
+            <p:ph idx="1"/>
+          </p:nvPr>
+        </p:nvSpPr>
+        <p:spPr/>
+        <p:txBody>
+          <a:bodyPr/>
+          <a:lstStyle/>
+          <a:p>
+            <a:r>
+              <a:rPr lang="en-US" b="1" dirty="0"/>
+              <a:t>Low-level criminals: </a:t>
+            </a:r>
+            <a:r>
+              <a:rPr lang="en-US" dirty="0"/>
+              <a:t>enhancements to existing features, day-to-day responsibilities</a:t>
+            </a:r>
+          </a:p>
+          <a:p>
+            <a:endParaRPr lang="en-US" b="1" dirty="0"/>
+          </a:p>
+          <a:p>
+            <a:r>
+              <a:rPr lang="en-US" b="1" dirty="0"/>
+              <a:t>Rogue’s Gallery: </a:t>
+            </a:r>
+            <a:r>
+              <a:rPr lang="en-US" dirty="0"/>
+              <a:t>Bugs, Refactors, Code Health</a:t>
+            </a:r>
+          </a:p>
+          <a:p>
+            <a:endParaRPr lang="en-US" b="1" dirty="0"/>
+          </a:p>
+          <a:p>
+            <a:r>
+              <a:rPr lang="en-US" b="1" dirty="0"/>
+              <a:t>Arch-Nemesis: </a:t>
+            </a:r>
+            <a:r>
+              <a:rPr lang="en-US" dirty="0"/>
+              <a:t>Difficult to enhance code</a:t>
+            </a:r>
+          </a:p>
+        </p:txBody>
+      </p:sp>
+    </p:spTree>
+    <p:extLst>
+      <p:ext uri="{BB962C8B-B14F-4D97-AF65-F5344CB8AC3E}">
+        <p14:creationId xmlns:p14="http://schemas.microsoft.com/office/powerpoint/2010/main" val="1946263183"/>
       </p:ext>
     </p:extLst>
   </p:cSld>
@@ -3703,6 +7310,123 @@
     <p:extLst>
       <p:ext uri="{BB962C8B-B14F-4D97-AF65-F5344CB8AC3E}">
         <p14:creationId xmlns:p14="http://schemas.microsoft.com/office/powerpoint/2010/main" val="1573423468"/>
+      </p:ext>
+    </p:extLst>
+  </p:cSld>
+  <p:clrMapOvr>
+    <a:masterClrMapping/>
+  </p:clrMapOvr>
+</p:sld>
+</file>
+
+<file path=ppt/slides/slide20.xml><?xml version="1.0" encoding="utf-8"?>
+<p:sld xmlns:a="http://schemas.openxmlformats.org/drawingml/2006/main" xmlns:r="http://schemas.openxmlformats.org/officeDocument/2006/relationships" xmlns:p="http://schemas.openxmlformats.org/presentationml/2006/main">
+  <p:cSld>
+    <p:spTree>
+      <p:nvGrpSpPr>
+        <p:cNvPr id="1" name=""/>
+        <p:cNvGrpSpPr/>
+        <p:nvPr/>
+      </p:nvGrpSpPr>
+      <p:grpSpPr>
+        <a:xfrm>
+          <a:off x="0" y="0"/>
+          <a:ext cx="0" cy="0"/>
+          <a:chOff x="0" y="0"/>
+          <a:chExt cx="0" cy="0"/>
+        </a:xfrm>
+      </p:grpSpPr>
+      <p:sp>
+        <p:nvSpPr>
+          <p:cNvPr id="2" name="Title 1">
+            <a:extLst>
+              <a:ext uri="{FF2B5EF4-FFF2-40B4-BE49-F238E27FC236}">
+                <a16:creationId xmlns:a16="http://schemas.microsoft.com/office/drawing/2014/main" id="{8732E267-4E72-B040-9E00-AFFDCAEE573E}"/>
+              </a:ext>
+            </a:extLst>
+          </p:cNvPr>
+          <p:cNvSpPr>
+            <a:spLocks noGrp="1"/>
+          </p:cNvSpPr>
+          <p:nvPr>
+            <p:ph type="title"/>
+          </p:nvPr>
+        </p:nvSpPr>
+        <p:spPr/>
+        <p:txBody>
+          <a:bodyPr/>
+          <a:lstStyle/>
+          <a:p>
+            <a:r>
+              <a:rPr lang="en-US" dirty="0"/>
+              <a:t>Origin of the Arch-Nemesis	</a:t>
+            </a:r>
+          </a:p>
+        </p:txBody>
+      </p:sp>
+      <p:sp>
+        <p:nvSpPr>
+          <p:cNvPr id="3" name="Content Placeholder 2">
+            <a:extLst>
+              <a:ext uri="{FF2B5EF4-FFF2-40B4-BE49-F238E27FC236}">
+                <a16:creationId xmlns:a16="http://schemas.microsoft.com/office/drawing/2014/main" id="{7BA6F215-9251-0448-8983-934FB5404CC0}"/>
+              </a:ext>
+            </a:extLst>
+          </p:cNvPr>
+          <p:cNvSpPr>
+            <a:spLocks noGrp="1"/>
+          </p:cNvSpPr>
+          <p:nvPr>
+            <p:ph idx="1"/>
+          </p:nvPr>
+        </p:nvSpPr>
+        <p:spPr/>
+        <p:txBody>
+          <a:bodyPr/>
+          <a:lstStyle/>
+          <a:p>
+            <a:r>
+              <a:rPr lang="en-US" dirty="0"/>
+              <a:t>Neglecting code health in favor of speed </a:t>
+            </a:r>
+          </a:p>
+          <a:p>
+            <a:endParaRPr lang="en-US" dirty="0"/>
+          </a:p>
+          <a:p>
+            <a:r>
+              <a:rPr lang="en-US" dirty="0"/>
+              <a:t>Sacrificing automated tests</a:t>
+            </a:r>
+          </a:p>
+          <a:p>
+            <a:endParaRPr lang="en-US" dirty="0"/>
+          </a:p>
+          <a:p>
+            <a:r>
+              <a:rPr lang="en-US" dirty="0"/>
+              <a:t>Writing code without a solid plan or foundation</a:t>
+            </a:r>
+          </a:p>
+          <a:p>
+            <a:endParaRPr lang="en-US"/>
+          </a:p>
+          <a:p>
+            <a:r>
+              <a:rPr lang="en-US"/>
+              <a:t>Requirements </a:t>
+            </a:r>
+            <a:r>
+              <a:rPr lang="en-US" dirty="0"/>
+              <a:t>shifting significantly during development cycles</a:t>
+            </a:r>
+          </a:p>
+        </p:txBody>
+      </p:sp>
+    </p:spTree>
+    <p:extLst>
+      <p:ext uri="{BB962C8B-B14F-4D97-AF65-F5344CB8AC3E}">
+        <p14:creationId xmlns:p14="http://schemas.microsoft.com/office/powerpoint/2010/main" val="689197774"/>
       </p:ext>
     </p:extLst>
   </p:cSld>

--- a/Presentation.pptx
+++ b/Presentation.pptx
@@ -25,6 +25,11 @@
     <p:sldId id="273" r:id="rId19"/>
     <p:sldId id="274" r:id="rId20"/>
     <p:sldId id="275" r:id="rId21"/>
+    <p:sldId id="276" r:id="rId22"/>
+    <p:sldId id="280" r:id="rId23"/>
+    <p:sldId id="277" r:id="rId24"/>
+    <p:sldId id="278" r:id="rId25"/>
+    <p:sldId id="279" r:id="rId26"/>
   </p:sldIdLst>
   <p:sldSz cx="12192000" cy="6858000"/>
   <p:notesSz cx="6858000" cy="9144000"/>
@@ -7409,16 +7414,12 @@
             </a:r>
           </a:p>
           <a:p>
-            <a:endParaRPr lang="en-US"/>
-          </a:p>
-          <a:p>
-            <a:r>
-              <a:rPr lang="en-US"/>
-              <a:t>Requirements </a:t>
-            </a:r>
-            <a:r>
-              <a:rPr lang="en-US" dirty="0"/>
-              <a:t>shifting significantly during development cycles</a:t>
+            <a:endParaRPr lang="en-US" dirty="0"/>
+          </a:p>
+          <a:p>
+            <a:r>
+              <a:rPr lang="en-US" dirty="0"/>
+              <a:t>Requirements shifting significantly during development cycles</a:t>
             </a:r>
           </a:p>
         </p:txBody>
@@ -7427,6 +7428,519 @@
     <p:extLst>
       <p:ext uri="{BB962C8B-B14F-4D97-AF65-F5344CB8AC3E}">
         <p14:creationId xmlns:p14="http://schemas.microsoft.com/office/powerpoint/2010/main" val="689197774"/>
+      </p:ext>
+    </p:extLst>
+  </p:cSld>
+  <p:clrMapOvr>
+    <a:masterClrMapping/>
+  </p:clrMapOvr>
+</p:sld>
+</file>
+
+<file path=ppt/slides/slide21.xml><?xml version="1.0" encoding="utf-8"?>
+<p:sld xmlns:a="http://schemas.openxmlformats.org/drawingml/2006/main" xmlns:r="http://schemas.openxmlformats.org/officeDocument/2006/relationships" xmlns:p="http://schemas.openxmlformats.org/presentationml/2006/main">
+  <p:cSld>
+    <p:spTree>
+      <p:nvGrpSpPr>
+        <p:cNvPr id="1" name=""/>
+        <p:cNvGrpSpPr/>
+        <p:nvPr/>
+      </p:nvGrpSpPr>
+      <p:grpSpPr>
+        <a:xfrm>
+          <a:off x="0" y="0"/>
+          <a:ext cx="0" cy="0"/>
+          <a:chOff x="0" y="0"/>
+          <a:chExt cx="0" cy="0"/>
+        </a:xfrm>
+      </p:grpSpPr>
+      <p:sp>
+        <p:nvSpPr>
+          <p:cNvPr id="8" name="Title 1">
+            <a:extLst>
+              <a:ext uri="{FF2B5EF4-FFF2-40B4-BE49-F238E27FC236}">
+                <a16:creationId xmlns:a16="http://schemas.microsoft.com/office/drawing/2014/main" id="{3D90F084-E2AA-4D9A-81E6-A4A0D10C1092}"/>
+              </a:ext>
+            </a:extLst>
+          </p:cNvPr>
+          <p:cNvSpPr>
+            <a:spLocks noGrp="1"/>
+          </p:cNvSpPr>
+          <p:nvPr>
+            <p:ph type="ctrTitle"/>
+          </p:nvPr>
+        </p:nvSpPr>
+        <p:spPr>
+          <a:xfrm>
+            <a:off x="1524000" y="1122363"/>
+            <a:ext cx="9144000" cy="2387600"/>
+          </a:xfrm>
+        </p:spPr>
+        <p:txBody>
+          <a:bodyPr/>
+          <a:lstStyle/>
+          <a:p>
+            <a:r>
+              <a:rPr lang="en-US" dirty="0"/>
+              <a:t>The Team</a:t>
+            </a:r>
+          </a:p>
+        </p:txBody>
+      </p:sp>
+      <p:sp>
+        <p:nvSpPr>
+          <p:cNvPr id="10" name="Subtitle 2">
+            <a:extLst>
+              <a:ext uri="{FF2B5EF4-FFF2-40B4-BE49-F238E27FC236}">
+                <a16:creationId xmlns:a16="http://schemas.microsoft.com/office/drawing/2014/main" id="{A32C03FE-9907-45BD-ABC2-0419F9AE9802}"/>
+              </a:ext>
+            </a:extLst>
+          </p:cNvPr>
+          <p:cNvSpPr>
+            <a:spLocks noGrp="1"/>
+          </p:cNvSpPr>
+          <p:nvPr>
+            <p:ph type="subTitle" idx="1"/>
+          </p:nvPr>
+        </p:nvSpPr>
+        <p:spPr>
+          <a:xfrm>
+            <a:off x="1524000" y="3602038"/>
+            <a:ext cx="9144000" cy="1655762"/>
+          </a:xfrm>
+        </p:spPr>
+        <p:txBody>
+          <a:bodyPr/>
+          <a:lstStyle/>
+          <a:p>
+            <a:r>
+              <a:rPr lang="en-US" dirty="0"/>
+              <a:t>What should you be looking for when putting the “heroes” (aka </a:t>
+            </a:r>
+            <a:r>
+              <a:rPr lang="en-US" dirty="0" err="1"/>
+              <a:t>devs</a:t>
+            </a:r>
+            <a:r>
+              <a:rPr lang="en-US" dirty="0"/>
+              <a:t>) together</a:t>
+            </a:r>
+          </a:p>
+        </p:txBody>
+      </p:sp>
+    </p:spTree>
+    <p:extLst>
+      <p:ext uri="{BB962C8B-B14F-4D97-AF65-F5344CB8AC3E}">
+        <p14:creationId xmlns:p14="http://schemas.microsoft.com/office/powerpoint/2010/main" val="3408042588"/>
+      </p:ext>
+    </p:extLst>
+  </p:cSld>
+  <p:clrMapOvr>
+    <a:masterClrMapping/>
+  </p:clrMapOvr>
+</p:sld>
+</file>
+
+<file path=ppt/slides/slide22.xml><?xml version="1.0" encoding="utf-8"?>
+<p:sld xmlns:a="http://schemas.openxmlformats.org/drawingml/2006/main" xmlns:r="http://schemas.openxmlformats.org/officeDocument/2006/relationships" xmlns:p="http://schemas.openxmlformats.org/presentationml/2006/main">
+  <p:cSld>
+    <p:spTree>
+      <p:nvGrpSpPr>
+        <p:cNvPr id="1" name=""/>
+        <p:cNvGrpSpPr/>
+        <p:nvPr/>
+      </p:nvGrpSpPr>
+      <p:grpSpPr>
+        <a:xfrm>
+          <a:off x="0" y="0"/>
+          <a:ext cx="0" cy="0"/>
+          <a:chOff x="0" y="0"/>
+          <a:chExt cx="0" cy="0"/>
+        </a:xfrm>
+      </p:grpSpPr>
+      <p:sp>
+        <p:nvSpPr>
+          <p:cNvPr id="2" name="Title 1">
+            <a:extLst>
+              <a:ext uri="{FF2B5EF4-FFF2-40B4-BE49-F238E27FC236}">
+                <a16:creationId xmlns:a16="http://schemas.microsoft.com/office/drawing/2014/main" id="{D6797653-2C37-D54B-8A76-389361DE48A5}"/>
+              </a:ext>
+            </a:extLst>
+          </p:cNvPr>
+          <p:cNvSpPr>
+            <a:spLocks noGrp="1"/>
+          </p:cNvSpPr>
+          <p:nvPr>
+            <p:ph type="title"/>
+          </p:nvPr>
+        </p:nvSpPr>
+        <p:spPr/>
+        <p:txBody>
+          <a:bodyPr/>
+          <a:lstStyle/>
+          <a:p>
+            <a:r>
+              <a:rPr lang="en-US" dirty="0"/>
+              <a:t>Dynamic Duo</a:t>
+            </a:r>
+          </a:p>
+        </p:txBody>
+      </p:sp>
+      <p:sp>
+        <p:nvSpPr>
+          <p:cNvPr id="3" name="Content Placeholder 2">
+            <a:extLst>
+              <a:ext uri="{FF2B5EF4-FFF2-40B4-BE49-F238E27FC236}">
+                <a16:creationId xmlns:a16="http://schemas.microsoft.com/office/drawing/2014/main" id="{11FE37DB-6757-D544-8360-E5EA0B86A7B8}"/>
+              </a:ext>
+            </a:extLst>
+          </p:cNvPr>
+          <p:cNvSpPr>
+            <a:spLocks noGrp="1"/>
+          </p:cNvSpPr>
+          <p:nvPr>
+            <p:ph idx="1"/>
+          </p:nvPr>
+        </p:nvSpPr>
+        <p:spPr/>
+        <p:txBody>
+          <a:bodyPr/>
+          <a:lstStyle/>
+          <a:p>
+            <a:r>
+              <a:rPr lang="en-US" dirty="0"/>
+              <a:t>Pair programmers</a:t>
+            </a:r>
+          </a:p>
+          <a:p>
+            <a:r>
+              <a:rPr lang="en-US" dirty="0"/>
+              <a:t>One often takes a leadership role, despite a strong partnership</a:t>
+            </a:r>
+          </a:p>
+          <a:p>
+            <a:r>
+              <a:rPr lang="en-US" dirty="0"/>
+              <a:t>Can be hard to work with someone else</a:t>
+            </a:r>
+          </a:p>
+          <a:p>
+            <a:pPr lvl="1"/>
+            <a:r>
+              <a:rPr lang="en-US"/>
+              <a:t>Ex: Robin (Dick Grayson to Jason Todd)</a:t>
+            </a:r>
+            <a:endParaRPr lang="en-US" dirty="0"/>
+          </a:p>
+          <a:p>
+            <a:endParaRPr lang="en-US" dirty="0"/>
+          </a:p>
+        </p:txBody>
+      </p:sp>
+    </p:spTree>
+    <p:extLst>
+      <p:ext uri="{BB962C8B-B14F-4D97-AF65-F5344CB8AC3E}">
+        <p14:creationId xmlns:p14="http://schemas.microsoft.com/office/powerpoint/2010/main" val="1922585659"/>
+      </p:ext>
+    </p:extLst>
+  </p:cSld>
+  <p:clrMapOvr>
+    <a:masterClrMapping/>
+  </p:clrMapOvr>
+</p:sld>
+</file>
+
+<file path=ppt/slides/slide23.xml><?xml version="1.0" encoding="utf-8"?>
+<p:sld xmlns:a="http://schemas.openxmlformats.org/drawingml/2006/main" xmlns:r="http://schemas.openxmlformats.org/officeDocument/2006/relationships" xmlns:p="http://schemas.openxmlformats.org/presentationml/2006/main">
+  <p:cSld>
+    <p:spTree>
+      <p:nvGrpSpPr>
+        <p:cNvPr id="1" name=""/>
+        <p:cNvGrpSpPr/>
+        <p:nvPr/>
+      </p:nvGrpSpPr>
+      <p:grpSpPr>
+        <a:xfrm>
+          <a:off x="0" y="0"/>
+          <a:ext cx="0" cy="0"/>
+          <a:chOff x="0" y="0"/>
+          <a:chExt cx="0" cy="0"/>
+        </a:xfrm>
+      </p:grpSpPr>
+      <p:sp>
+        <p:nvSpPr>
+          <p:cNvPr id="2" name="Title 1">
+            <a:extLst>
+              <a:ext uri="{FF2B5EF4-FFF2-40B4-BE49-F238E27FC236}">
+                <a16:creationId xmlns:a16="http://schemas.microsoft.com/office/drawing/2014/main" id="{6061278E-45FB-1943-8ED1-005DF0482250}"/>
+              </a:ext>
+            </a:extLst>
+          </p:cNvPr>
+          <p:cNvSpPr>
+            <a:spLocks noGrp="1"/>
+          </p:cNvSpPr>
+          <p:nvPr>
+            <p:ph type="title"/>
+          </p:nvPr>
+        </p:nvSpPr>
+        <p:spPr/>
+        <p:txBody>
+          <a:bodyPr/>
+          <a:lstStyle/>
+          <a:p>
+            <a:r>
+              <a:rPr lang="en-US" dirty="0"/>
+              <a:t>Roommates</a:t>
+            </a:r>
+          </a:p>
+        </p:txBody>
+      </p:sp>
+      <p:sp>
+        <p:nvSpPr>
+          <p:cNvPr id="3" name="Content Placeholder 2">
+            <a:extLst>
+              <a:ext uri="{FF2B5EF4-FFF2-40B4-BE49-F238E27FC236}">
+                <a16:creationId xmlns:a16="http://schemas.microsoft.com/office/drawing/2014/main" id="{6FE55E54-4CF5-2C44-9427-D03E07E2648A}"/>
+              </a:ext>
+            </a:extLst>
+          </p:cNvPr>
+          <p:cNvSpPr>
+            <a:spLocks noGrp="1"/>
+          </p:cNvSpPr>
+          <p:nvPr>
+            <p:ph idx="1"/>
+          </p:nvPr>
+        </p:nvSpPr>
+        <p:spPr/>
+        <p:txBody>
+          <a:bodyPr/>
+          <a:lstStyle/>
+          <a:p>
+            <a:r>
+              <a:rPr lang="en-US" dirty="0"/>
+              <a:t>Similar backgrounds</a:t>
+            </a:r>
+          </a:p>
+          <a:p>
+            <a:r>
+              <a:rPr lang="en-US" dirty="0"/>
+              <a:t>Essentially live together; work late nights</a:t>
+            </a:r>
+          </a:p>
+          <a:p>
+            <a:r>
+              <a:rPr lang="en-US" dirty="0"/>
+              <a:t>Leader shows bias towards team</a:t>
+            </a:r>
+          </a:p>
+          <a:p>
+            <a:r>
+              <a:rPr lang="en-US" dirty="0"/>
+              <a:t>Ex: X-Men, Fantastic Four, Umbrella Academy</a:t>
+            </a:r>
+          </a:p>
+        </p:txBody>
+      </p:sp>
+    </p:spTree>
+    <p:extLst>
+      <p:ext uri="{BB962C8B-B14F-4D97-AF65-F5344CB8AC3E}">
+        <p14:creationId xmlns:p14="http://schemas.microsoft.com/office/powerpoint/2010/main" val="3825323648"/>
+      </p:ext>
+    </p:extLst>
+  </p:cSld>
+  <p:clrMapOvr>
+    <a:masterClrMapping/>
+  </p:clrMapOvr>
+</p:sld>
+</file>
+
+<file path=ppt/slides/slide24.xml><?xml version="1.0" encoding="utf-8"?>
+<p:sld xmlns:a="http://schemas.openxmlformats.org/drawingml/2006/main" xmlns:r="http://schemas.openxmlformats.org/officeDocument/2006/relationships" xmlns:p="http://schemas.openxmlformats.org/presentationml/2006/main">
+  <p:cSld>
+    <p:spTree>
+      <p:nvGrpSpPr>
+        <p:cNvPr id="1" name=""/>
+        <p:cNvGrpSpPr/>
+        <p:nvPr/>
+      </p:nvGrpSpPr>
+      <p:grpSpPr>
+        <a:xfrm>
+          <a:off x="0" y="0"/>
+          <a:ext cx="0" cy="0"/>
+          <a:chOff x="0" y="0"/>
+          <a:chExt cx="0" cy="0"/>
+        </a:xfrm>
+      </p:grpSpPr>
+      <p:sp>
+        <p:nvSpPr>
+          <p:cNvPr id="2" name="Title 1">
+            <a:extLst>
+              <a:ext uri="{FF2B5EF4-FFF2-40B4-BE49-F238E27FC236}">
+                <a16:creationId xmlns:a16="http://schemas.microsoft.com/office/drawing/2014/main" id="{C72417CC-2030-AB4B-9B27-DFFBDA60B7F7}"/>
+              </a:ext>
+            </a:extLst>
+          </p:cNvPr>
+          <p:cNvSpPr>
+            <a:spLocks noGrp="1"/>
+          </p:cNvSpPr>
+          <p:nvPr>
+            <p:ph type="title"/>
+          </p:nvPr>
+        </p:nvSpPr>
+        <p:spPr/>
+        <p:txBody>
+          <a:bodyPr/>
+          <a:lstStyle/>
+          <a:p>
+            <a:r>
+              <a:rPr lang="en-US" dirty="0"/>
+              <a:t>Pantheon of Gods	</a:t>
+            </a:r>
+          </a:p>
+        </p:txBody>
+      </p:sp>
+      <p:sp>
+        <p:nvSpPr>
+          <p:cNvPr id="3" name="Content Placeholder 2">
+            <a:extLst>
+              <a:ext uri="{FF2B5EF4-FFF2-40B4-BE49-F238E27FC236}">
+                <a16:creationId xmlns:a16="http://schemas.microsoft.com/office/drawing/2014/main" id="{29E4312F-D1D0-594A-AFEA-801E6C41CC02}"/>
+              </a:ext>
+            </a:extLst>
+          </p:cNvPr>
+          <p:cNvSpPr>
+            <a:spLocks noGrp="1"/>
+          </p:cNvSpPr>
+          <p:nvPr>
+            <p:ph idx="1"/>
+          </p:nvPr>
+        </p:nvSpPr>
+        <p:spPr/>
+        <p:txBody>
+          <a:bodyPr/>
+          <a:lstStyle/>
+          <a:p>
+            <a:r>
+              <a:rPr lang="en-US" dirty="0"/>
+              <a:t>Every team member is overpowered; senior+ developers</a:t>
+            </a:r>
+          </a:p>
+          <a:p>
+            <a:r>
+              <a:rPr lang="en-US" dirty="0"/>
+              <a:t>Work only on what they believe is best</a:t>
+            </a:r>
+          </a:p>
+          <a:p>
+            <a:r>
+              <a:rPr lang="en-US" dirty="0"/>
+              <a:t>Ex: Justice League, The Six</a:t>
+            </a:r>
+          </a:p>
+        </p:txBody>
+      </p:sp>
+    </p:spTree>
+    <p:extLst>
+      <p:ext uri="{BB962C8B-B14F-4D97-AF65-F5344CB8AC3E}">
+        <p14:creationId xmlns:p14="http://schemas.microsoft.com/office/powerpoint/2010/main" val="3587330563"/>
+      </p:ext>
+    </p:extLst>
+  </p:cSld>
+  <p:clrMapOvr>
+    <a:masterClrMapping/>
+  </p:clrMapOvr>
+</p:sld>
+</file>
+
+<file path=ppt/slides/slide25.xml><?xml version="1.0" encoding="utf-8"?>
+<p:sld xmlns:a="http://schemas.openxmlformats.org/drawingml/2006/main" xmlns:r="http://schemas.openxmlformats.org/officeDocument/2006/relationships" xmlns:p="http://schemas.openxmlformats.org/presentationml/2006/main">
+  <p:cSld>
+    <p:spTree>
+      <p:nvGrpSpPr>
+        <p:cNvPr id="1" name=""/>
+        <p:cNvGrpSpPr/>
+        <p:nvPr/>
+      </p:nvGrpSpPr>
+      <p:grpSpPr>
+        <a:xfrm>
+          <a:off x="0" y="0"/>
+          <a:ext cx="0" cy="0"/>
+          <a:chOff x="0" y="0"/>
+          <a:chExt cx="0" cy="0"/>
+        </a:xfrm>
+      </p:grpSpPr>
+      <p:sp>
+        <p:nvSpPr>
+          <p:cNvPr id="2" name="Title 1">
+            <a:extLst>
+              <a:ext uri="{FF2B5EF4-FFF2-40B4-BE49-F238E27FC236}">
+                <a16:creationId xmlns:a16="http://schemas.microsoft.com/office/drawing/2014/main" id="{3F792ECE-3108-5C47-A9A9-77D72142E1F8}"/>
+              </a:ext>
+            </a:extLst>
+          </p:cNvPr>
+          <p:cNvSpPr>
+            <a:spLocks noGrp="1"/>
+          </p:cNvSpPr>
+          <p:nvPr>
+            <p:ph type="title"/>
+          </p:nvPr>
+        </p:nvSpPr>
+        <p:spPr/>
+        <p:txBody>
+          <a:bodyPr/>
+          <a:lstStyle/>
+          <a:p>
+            <a:r>
+              <a:rPr lang="en-US" dirty="0"/>
+              <a:t>The “Ideal” Team</a:t>
+            </a:r>
+          </a:p>
+        </p:txBody>
+      </p:sp>
+      <p:sp>
+        <p:nvSpPr>
+          <p:cNvPr id="3" name="Content Placeholder 2">
+            <a:extLst>
+              <a:ext uri="{FF2B5EF4-FFF2-40B4-BE49-F238E27FC236}">
+                <a16:creationId xmlns:a16="http://schemas.microsoft.com/office/drawing/2014/main" id="{8836DCA0-21B3-3347-8A38-C9843F15EAB0}"/>
+              </a:ext>
+            </a:extLst>
+          </p:cNvPr>
+          <p:cNvSpPr>
+            <a:spLocks noGrp="1"/>
+          </p:cNvSpPr>
+          <p:nvPr>
+            <p:ph idx="1"/>
+          </p:nvPr>
+        </p:nvSpPr>
+        <p:spPr/>
+        <p:txBody>
+          <a:bodyPr/>
+          <a:lstStyle/>
+          <a:p>
+            <a:r>
+              <a:rPr lang="en-US" dirty="0"/>
+              <a:t>Team comes together to solve problems</a:t>
+            </a:r>
+          </a:p>
+          <a:p>
+            <a:r>
+              <a:rPr lang="en-US" dirty="0"/>
+              <a:t>Leaders can rotate since team has a common goal</a:t>
+            </a:r>
+          </a:p>
+          <a:p>
+            <a:r>
+              <a:rPr lang="en-US" dirty="0"/>
+              <a:t>Junior members are rai</a:t>
+            </a:r>
+          </a:p>
+        </p:txBody>
+      </p:sp>
+    </p:spTree>
+    <p:extLst>
+      <p:ext uri="{BB962C8B-B14F-4D97-AF65-F5344CB8AC3E}">
+        <p14:creationId xmlns:p14="http://schemas.microsoft.com/office/powerpoint/2010/main" val="2656446168"/>
       </p:ext>
     </p:extLst>
   </p:cSld>

--- a/Presentation.pptx
+++ b/Presentation.pptx
@@ -30,6 +30,8 @@
     <p:sldId id="277" r:id="rId24"/>
     <p:sldId id="278" r:id="rId25"/>
     <p:sldId id="279" r:id="rId26"/>
+    <p:sldId id="281" r:id="rId27"/>
+    <p:sldId id="282" r:id="rId28"/>
   </p:sldIdLst>
   <p:sldSz cx="12192000" cy="6858000"/>
   <p:notesSz cx="6858000" cy="9144000"/>
@@ -7613,12 +7615,18 @@
             </a:r>
           </a:p>
           <a:p>
+            <a:endParaRPr lang="en-US" dirty="0"/>
+          </a:p>
+          <a:p>
             <a:r>
               <a:rPr lang="en-US" dirty="0"/>
               <a:t>One often takes a leadership role, despite a strong partnership</a:t>
             </a:r>
           </a:p>
           <a:p>
+            <a:endParaRPr lang="en-US" dirty="0"/>
+          </a:p>
+          <a:p>
             <a:r>
               <a:rPr lang="en-US" dirty="0"/>
               <a:t>Can be hard to work with someone else</a:t>
@@ -7627,10 +7635,9 @@
           <a:p>
             <a:pPr lvl="1"/>
             <a:r>
-              <a:rPr lang="en-US"/>
+              <a:rPr lang="en-US" dirty="0"/>
               <a:t>Ex: Robin (Dick Grayson to Jason Todd)</a:t>
             </a:r>
-            <a:endParaRPr lang="en-US" dirty="0"/>
           </a:p>
           <a:p>
             <a:endParaRPr lang="en-US" dirty="0"/>
@@ -7892,7 +7899,7 @@
           <a:p>
             <a:r>
               <a:rPr lang="en-US" dirty="0"/>
-              <a:t>The “Ideal” Team</a:t>
+              <a:t>What do we need for an ideal team?</a:t>
             </a:r>
           </a:p>
         </p:txBody>
@@ -7915,25 +7922,52 @@
         </p:nvSpPr>
         <p:spPr/>
         <p:txBody>
-          <a:bodyPr/>
+          <a:bodyPr>
+            <a:normAutofit/>
+          </a:bodyPr>
           <a:lstStyle/>
           <a:p>
             <a:r>
               <a:rPr lang="en-US" dirty="0"/>
-              <a:t>Team comes together to solve problems</a:t>
-            </a:r>
-          </a:p>
-          <a:p>
-            <a:r>
-              <a:rPr lang="en-US" dirty="0"/>
-              <a:t>Leaders can rotate since team has a common goal</a:t>
-            </a:r>
-          </a:p>
-          <a:p>
-            <a:r>
-              <a:rPr lang="en-US" dirty="0"/>
-              <a:t>Junior members are rai</a:t>
-            </a:r>
+              <a:t>Team come together when a specific problem needs to be solved</a:t>
+            </a:r>
+          </a:p>
+          <a:p>
+            <a:r>
+              <a:rPr lang="en-US" dirty="0"/>
+              <a:t>Leader pushes project quality ownership</a:t>
+            </a:r>
+          </a:p>
+          <a:p>
+            <a:r>
+              <a:rPr lang="en-US" dirty="0"/>
+              <a:t>A balance of the qualities previously discussed</a:t>
+            </a:r>
+          </a:p>
+          <a:p>
+            <a:r>
+              <a:rPr lang="en-US" dirty="0"/>
+              <a:t>Mentorship so that everyone is growing</a:t>
+            </a:r>
+          </a:p>
+          <a:p>
+            <a:pPr lvl="1"/>
+            <a:r>
+              <a:rPr lang="en-US" dirty="0"/>
+              <a:t>Junior members become senior</a:t>
+            </a:r>
+          </a:p>
+          <a:p>
+            <a:pPr lvl="1"/>
+            <a:r>
+              <a:rPr lang="en-US" dirty="0"/>
+              <a:t>Senior take on more leadership of their </a:t>
+            </a:r>
+            <a:r>
+              <a:rPr lang="en-US"/>
+              <a:t>focus are</a:t>
+            </a:r>
+            <a:endParaRPr lang="en-US" dirty="0"/>
           </a:p>
         </p:txBody>
       </p:sp>
@@ -7941,6 +7975,278 @@
     <p:extLst>
       <p:ext uri="{BB962C8B-B14F-4D97-AF65-F5344CB8AC3E}">
         <p14:creationId xmlns:p14="http://schemas.microsoft.com/office/powerpoint/2010/main" val="2656446168"/>
+      </p:ext>
+    </p:extLst>
+  </p:cSld>
+  <p:clrMapOvr>
+    <a:masterClrMapping/>
+  </p:clrMapOvr>
+</p:sld>
+</file>
+
+<file path=ppt/slides/slide26.xml><?xml version="1.0" encoding="utf-8"?>
+<p:sld xmlns:a="http://schemas.openxmlformats.org/drawingml/2006/main" xmlns:r="http://schemas.openxmlformats.org/officeDocument/2006/relationships" xmlns:p="http://schemas.openxmlformats.org/presentationml/2006/main">
+  <p:cSld>
+    <p:spTree>
+      <p:nvGrpSpPr>
+        <p:cNvPr id="1" name=""/>
+        <p:cNvGrpSpPr/>
+        <p:nvPr/>
+      </p:nvGrpSpPr>
+      <p:grpSpPr>
+        <a:xfrm>
+          <a:off x="0" y="0"/>
+          <a:ext cx="0" cy="0"/>
+          <a:chOff x="0" y="0"/>
+          <a:chExt cx="0" cy="0"/>
+        </a:xfrm>
+      </p:grpSpPr>
+      <p:sp>
+        <p:nvSpPr>
+          <p:cNvPr id="2" name="Title 1">
+            <a:extLst>
+              <a:ext uri="{FF2B5EF4-FFF2-40B4-BE49-F238E27FC236}">
+                <a16:creationId xmlns:a16="http://schemas.microsoft.com/office/drawing/2014/main" id="{D2115702-96A2-BC4A-9F50-FC9CDD805AB1}"/>
+              </a:ext>
+            </a:extLst>
+          </p:cNvPr>
+          <p:cNvSpPr>
+            <a:spLocks noGrp="1"/>
+          </p:cNvSpPr>
+          <p:nvPr>
+            <p:ph type="title"/>
+          </p:nvPr>
+        </p:nvSpPr>
+        <p:spPr/>
+        <p:txBody>
+          <a:bodyPr/>
+          <a:lstStyle/>
+          <a:p>
+            <a:r>
+              <a:rPr lang="en-US" dirty="0"/>
+              <a:t>The Avengers</a:t>
+            </a:r>
+          </a:p>
+        </p:txBody>
+      </p:sp>
+      <p:sp>
+        <p:nvSpPr>
+          <p:cNvPr id="3" name="Content Placeholder 2">
+            <a:extLst>
+              <a:ext uri="{FF2B5EF4-FFF2-40B4-BE49-F238E27FC236}">
+                <a16:creationId xmlns:a16="http://schemas.microsoft.com/office/drawing/2014/main" id="{B7488EAA-081F-4940-80C7-E837AF79A96D}"/>
+              </a:ext>
+            </a:extLst>
+          </p:cNvPr>
+          <p:cNvSpPr>
+            <a:spLocks noGrp="1"/>
+          </p:cNvSpPr>
+          <p:nvPr>
+            <p:ph idx="1"/>
+          </p:nvPr>
+        </p:nvSpPr>
+        <p:spPr/>
+        <p:txBody>
+          <a:bodyPr>
+            <a:normAutofit fontScale="92500"/>
+          </a:bodyPr>
+          <a:lstStyle/>
+          <a:p>
+            <a:r>
+              <a:rPr lang="en-US" dirty="0"/>
+              <a:t>Multiple teams that work together</a:t>
+            </a:r>
+          </a:p>
+          <a:p>
+            <a:pPr lvl="1"/>
+            <a:r>
+              <a:rPr lang="en-US" dirty="0"/>
+              <a:t>Ex: Avengers: Infinity War</a:t>
+            </a:r>
+          </a:p>
+          <a:p>
+            <a:pPr lvl="1"/>
+            <a:r>
+              <a:rPr lang="en-US" dirty="0"/>
+              <a:t>More common in the comics</a:t>
+            </a:r>
+          </a:p>
+          <a:p>
+            <a:r>
+              <a:rPr lang="en-US" dirty="0"/>
+              <a:t>Diverse backgrounds</a:t>
+            </a:r>
+          </a:p>
+          <a:p>
+            <a:pPr lvl="1"/>
+            <a:r>
+              <a:rPr lang="en-US" dirty="0"/>
+              <a:t>Ex: Uncanny Avengers</a:t>
+            </a:r>
+          </a:p>
+          <a:p>
+            <a:r>
+              <a:rPr lang="en-US" dirty="0"/>
+              <a:t>Team focus may vary, but is known by all members</a:t>
+            </a:r>
+          </a:p>
+          <a:p>
+            <a:pPr lvl="1"/>
+            <a:r>
+              <a:rPr lang="en-US" dirty="0"/>
+              <a:t>Ex: Avengers on Titan to stop </a:t>
+            </a:r>
+            <a:r>
+              <a:rPr lang="en-US" dirty="0" err="1"/>
+              <a:t>Thanos</a:t>
+            </a:r>
+            <a:r>
+              <a:rPr lang="en-US" dirty="0"/>
+              <a:t>; Avengers on Earth to protect Vision</a:t>
+            </a:r>
+          </a:p>
+          <a:p>
+            <a:pPr lvl="1"/>
+            <a:r>
+              <a:rPr lang="en-US" dirty="0"/>
+              <a:t>Ex: Mighty Avengers take on low-level criminals, Uncanny Avengers work to improve Human/Mutant Relations</a:t>
+            </a:r>
+          </a:p>
+        </p:txBody>
+      </p:sp>
+    </p:spTree>
+    <p:extLst>
+      <p:ext uri="{BB962C8B-B14F-4D97-AF65-F5344CB8AC3E}">
+        <p14:creationId xmlns:p14="http://schemas.microsoft.com/office/powerpoint/2010/main" val="2242025629"/>
+      </p:ext>
+    </p:extLst>
+  </p:cSld>
+  <p:clrMapOvr>
+    <a:masterClrMapping/>
+  </p:clrMapOvr>
+</p:sld>
+</file>
+
+<file path=ppt/slides/slide27.xml><?xml version="1.0" encoding="utf-8"?>
+<p:sld xmlns:a="http://schemas.openxmlformats.org/drawingml/2006/main" xmlns:r="http://schemas.openxmlformats.org/officeDocument/2006/relationships" xmlns:p="http://schemas.openxmlformats.org/presentationml/2006/main">
+  <p:cSld>
+    <p:spTree>
+      <p:nvGrpSpPr>
+        <p:cNvPr id="1" name=""/>
+        <p:cNvGrpSpPr/>
+        <p:nvPr/>
+      </p:nvGrpSpPr>
+      <p:grpSpPr>
+        <a:xfrm>
+          <a:off x="0" y="0"/>
+          <a:ext cx="0" cy="0"/>
+          <a:chOff x="0" y="0"/>
+          <a:chExt cx="0" cy="0"/>
+        </a:xfrm>
+      </p:grpSpPr>
+      <p:sp>
+        <p:nvSpPr>
+          <p:cNvPr id="2" name="Title 1">
+            <a:extLst>
+              <a:ext uri="{FF2B5EF4-FFF2-40B4-BE49-F238E27FC236}">
+                <a16:creationId xmlns:a16="http://schemas.microsoft.com/office/drawing/2014/main" id="{E0DAA0FD-DB43-6E4E-89A9-A42EC9E19622}"/>
+              </a:ext>
+            </a:extLst>
+          </p:cNvPr>
+          <p:cNvSpPr>
+            <a:spLocks noGrp="1"/>
+          </p:cNvSpPr>
+          <p:nvPr>
+            <p:ph type="title"/>
+          </p:nvPr>
+        </p:nvSpPr>
+        <p:spPr/>
+        <p:txBody>
+          <a:bodyPr/>
+          <a:lstStyle/>
+          <a:p>
+            <a:r>
+              <a:rPr lang="en-US" dirty="0"/>
+              <a:t>How can you reach me for questions?</a:t>
+            </a:r>
+          </a:p>
+        </p:txBody>
+      </p:sp>
+      <p:sp>
+        <p:nvSpPr>
+          <p:cNvPr id="3" name="Content Placeholder 2">
+            <a:extLst>
+              <a:ext uri="{FF2B5EF4-FFF2-40B4-BE49-F238E27FC236}">
+                <a16:creationId xmlns:a16="http://schemas.microsoft.com/office/drawing/2014/main" id="{25E38E1E-9B52-F74E-B41B-C5A47FE57D79}"/>
+              </a:ext>
+            </a:extLst>
+          </p:cNvPr>
+          <p:cNvSpPr>
+            <a:spLocks noGrp="1"/>
+          </p:cNvSpPr>
+          <p:nvPr>
+            <p:ph idx="1"/>
+          </p:nvPr>
+        </p:nvSpPr>
+        <p:spPr/>
+        <p:txBody>
+          <a:bodyPr/>
+          <a:lstStyle/>
+          <a:p>
+            <a:r>
+              <a:rPr lang="en-US" dirty="0">
+                <a:hlinkClick r:id="rId2"/>
+              </a:rPr>
+              <a:t>LinkedIn (linkedin.com/in/aaron-deming/)</a:t>
+            </a:r>
+            <a:endParaRPr lang="en-US" dirty="0"/>
+          </a:p>
+          <a:p>
+            <a:r>
+              <a:rPr lang="en-US" dirty="0">
+                <a:hlinkClick r:id="rId3"/>
+              </a:rPr>
+              <a:t>Twitter (@aaron_deming)</a:t>
+            </a:r>
+            <a:endParaRPr lang="en-US" dirty="0"/>
+          </a:p>
+          <a:p>
+            <a:endParaRPr lang="en-US" dirty="0"/>
+          </a:p>
+          <a:p>
+            <a:endParaRPr lang="en-US" dirty="0"/>
+          </a:p>
+          <a:p>
+            <a:endParaRPr lang="en-US" dirty="0"/>
+          </a:p>
+          <a:p>
+            <a:endParaRPr lang="en-US" dirty="0"/>
+          </a:p>
+          <a:p>
+            <a:r>
+              <a:rPr lang="en-US" dirty="0"/>
+              <a:t>Check out </a:t>
+            </a:r>
+            <a:r>
+              <a:rPr lang="en-US" dirty="0" err="1"/>
+              <a:t>buildertrend.com</a:t>
+            </a:r>
+            <a:r>
+              <a:rPr lang="en-US" dirty="0"/>
+              <a:t> to learn more about </a:t>
+            </a:r>
+            <a:r>
+              <a:rPr lang="en-US" dirty="0" err="1"/>
+              <a:t>Buildertrend</a:t>
+            </a:r>
+            <a:endParaRPr lang="en-US" dirty="0"/>
+          </a:p>
+        </p:txBody>
+      </p:sp>
+    </p:spTree>
+    <p:extLst>
+      <p:ext uri="{BB962C8B-B14F-4D97-AF65-F5344CB8AC3E}">
+        <p14:creationId xmlns:p14="http://schemas.microsoft.com/office/powerpoint/2010/main" val="630320254"/>
       </p:ext>
     </p:extLst>
   </p:cSld>

--- a/Presentation.pptx
+++ b/Presentation.pptx
@@ -31,7 +31,8 @@
     <p:sldId id="278" r:id="rId25"/>
     <p:sldId id="279" r:id="rId26"/>
     <p:sldId id="281" r:id="rId27"/>
-    <p:sldId id="282" r:id="rId28"/>
+    <p:sldId id="283" r:id="rId28"/>
+    <p:sldId id="282" r:id="rId29"/>
   </p:sldIdLst>
   <p:sldSz cx="12192000" cy="6858000"/>
   <p:notesSz cx="6858000" cy="9144000"/>
@@ -6050,7 +6051,7 @@
             <a:pPr lvl="1"/>
             <a:r>
               <a:rPr lang="en-US" dirty="0"/>
-              <a:t>Why Superman sucks</a:t>
+              <a:t>Why Superman is subpar</a:t>
             </a:r>
           </a:p>
           <a:p>
@@ -7961,13 +7962,8 @@
             <a:pPr lvl="1"/>
             <a:r>
               <a:rPr lang="en-US" dirty="0"/>
-              <a:t>Senior take on more leadership of their </a:t>
-            </a:r>
-            <a:r>
-              <a:rPr lang="en-US"/>
-              <a:t>focus are</a:t>
-            </a:r>
-            <a:endParaRPr lang="en-US" dirty="0"/>
+              <a:t>Senior take on more leadership of their focus are</a:t>
+            </a:r>
           </a:p>
         </p:txBody>
       </p:sp>
@@ -8149,6 +8145,105 @@
           <p:cNvPr id="2" name="Title 1">
             <a:extLst>
               <a:ext uri="{FF2B5EF4-FFF2-40B4-BE49-F238E27FC236}">
+                <a16:creationId xmlns:a16="http://schemas.microsoft.com/office/drawing/2014/main" id="{4755ADE9-23C1-A046-AE96-56A0331DC537}"/>
+              </a:ext>
+            </a:extLst>
+          </p:cNvPr>
+          <p:cNvSpPr>
+            <a:spLocks noGrp="1"/>
+          </p:cNvSpPr>
+          <p:nvPr>
+            <p:ph type="title"/>
+          </p:nvPr>
+        </p:nvSpPr>
+        <p:spPr/>
+        <p:txBody>
+          <a:bodyPr/>
+          <a:lstStyle/>
+          <a:p>
+            <a:r>
+              <a:rPr lang="en-US" dirty="0"/>
+              <a:t>Conclusion</a:t>
+            </a:r>
+          </a:p>
+        </p:txBody>
+      </p:sp>
+      <p:sp>
+        <p:nvSpPr>
+          <p:cNvPr id="3" name="Content Placeholder 2">
+            <a:extLst>
+              <a:ext uri="{FF2B5EF4-FFF2-40B4-BE49-F238E27FC236}">
+                <a16:creationId xmlns:a16="http://schemas.microsoft.com/office/drawing/2014/main" id="{54CC754A-1868-994E-A50A-2AFF43C2AC6B}"/>
+              </a:ext>
+            </a:extLst>
+          </p:cNvPr>
+          <p:cNvSpPr>
+            <a:spLocks noGrp="1"/>
+          </p:cNvSpPr>
+          <p:nvPr>
+            <p:ph idx="1"/>
+          </p:nvPr>
+        </p:nvSpPr>
+        <p:spPr/>
+        <p:txBody>
+          <a:bodyPr/>
+          <a:lstStyle/>
+          <a:p>
+            <a:r>
+              <a:rPr lang="en-US" dirty="0"/>
+              <a:t>Think about developer strengths and weaknesses</a:t>
+            </a:r>
+          </a:p>
+          <a:p>
+            <a:r>
+              <a:rPr lang="en-US" dirty="0"/>
+              <a:t>Group them together to solve the types </a:t>
+            </a:r>
+            <a:r>
+              <a:rPr lang="en-US"/>
+              <a:t>of problems they need</a:t>
+            </a:r>
+          </a:p>
+          <a:p>
+            <a:endParaRPr lang="en-US" dirty="0"/>
+          </a:p>
+        </p:txBody>
+      </p:sp>
+    </p:spTree>
+    <p:extLst>
+      <p:ext uri="{BB962C8B-B14F-4D97-AF65-F5344CB8AC3E}">
+        <p14:creationId xmlns:p14="http://schemas.microsoft.com/office/powerpoint/2010/main" val="2978323638"/>
+      </p:ext>
+    </p:extLst>
+  </p:cSld>
+  <p:clrMapOvr>
+    <a:masterClrMapping/>
+  </p:clrMapOvr>
+</p:sld>
+</file>
+
+<file path=ppt/slides/slide28.xml><?xml version="1.0" encoding="utf-8"?>
+<p:sld xmlns:a="http://schemas.openxmlformats.org/drawingml/2006/main" xmlns:r="http://schemas.openxmlformats.org/officeDocument/2006/relationships" xmlns:p="http://schemas.openxmlformats.org/presentationml/2006/main">
+  <p:cSld>
+    <p:spTree>
+      <p:nvGrpSpPr>
+        <p:cNvPr id="1" name=""/>
+        <p:cNvGrpSpPr/>
+        <p:nvPr/>
+      </p:nvGrpSpPr>
+      <p:grpSpPr>
+        <a:xfrm>
+          <a:off x="0" y="0"/>
+          <a:ext cx="0" cy="0"/>
+          <a:chOff x="0" y="0"/>
+          <a:chExt cx="0" cy="0"/>
+        </a:xfrm>
+      </p:grpSpPr>
+      <p:sp>
+        <p:nvSpPr>
+          <p:cNvPr id="2" name="Title 1">
+            <a:extLst>
+              <a:ext uri="{FF2B5EF4-FFF2-40B4-BE49-F238E27FC236}">
                 <a16:creationId xmlns:a16="http://schemas.microsoft.com/office/drawing/2014/main" id="{E0DAA0FD-DB43-6E4E-89A9-A42EC9E19622}"/>
               </a:ext>
             </a:extLst>
@@ -8342,7 +8437,7 @@
             </a:r>
             <a:r>
               <a:rPr lang="en-US" dirty="0" err="1"/>
-              <a:t>Coconstruct</a:t>
+              <a:t>CoConstruct</a:t>
             </a:r>
             <a:endParaRPr lang="en-US" dirty="0"/>
           </a:p>
@@ -8739,25 +8834,25 @@
           <a:p>
             <a:r>
               <a:rPr lang="en-US" dirty="0"/>
-              <a:t>2017: Team Lead of 1 of 5, 4-person teams</a:t>
-            </a:r>
-          </a:p>
-          <a:p>
-            <a:r>
-              <a:rPr lang="en-US" dirty="0"/>
-              <a:t>2018: Team Lead of 1 of 7, 8-person teams</a:t>
-            </a:r>
-          </a:p>
-          <a:p>
-            <a:r>
-              <a:rPr lang="en-US" dirty="0"/>
-              <a:t>2019: Trainer. Oversaw onboarding of ??? developers</a:t>
-            </a:r>
-          </a:p>
-          <a:p>
-            <a:r>
-              <a:rPr lang="en-US" dirty="0"/>
-              <a:t>2020: Trainer, overseeing dev team of all new developers</a:t>
+              <a:t>2017: Team Lead, oversaw 1 of 5 teams, 4-person teams</a:t>
+            </a:r>
+          </a:p>
+          <a:p>
+            <a:r>
+              <a:rPr lang="en-US" dirty="0"/>
+              <a:t>2018: Team Lead, oversaw 1 of 7 teams, 8-person teams</a:t>
+            </a:r>
+          </a:p>
+          <a:p>
+            <a:r>
+              <a:rPr lang="en-US" dirty="0"/>
+              <a:t>2019: Trainer, oversaw onboarding of ??? developers</a:t>
+            </a:r>
+          </a:p>
+          <a:p>
+            <a:r>
+              <a:rPr lang="en-US" dirty="0"/>
+              <a:t>2020: Trainer, oversaw dev team of all new developers</a:t>
             </a:r>
           </a:p>
           <a:p>

--- a/Presentation.pptx
+++ b/Presentation.pptx
@@ -6862,8 +6862,8 @@
   <p:clrMapOvr>
     <a:masterClrMapping/>
   </p:clrMapOvr>
-  <mc:AlternateContent xmlns:mc="http://schemas.openxmlformats.org/markup-compatibility/2006">
-    <mc:Choice xmlns:p14="http://schemas.microsoft.com/office/powerpoint/2010/main" Requires="p14">
+  <mc:AlternateContent xmlns:mc="http://schemas.openxmlformats.org/markup-compatibility/2006" xmlns:p14="http://schemas.microsoft.com/office/powerpoint/2010/main">
+    <mc:Choice Requires="p14">
       <p:timing>
         <p:tnLst>
           <p:par>
@@ -6986,7 +6986,7 @@
         </p:tnLst>
       </p:timing>
     </mc:Choice>
-    <mc:Fallback>
+    <mc:Fallback xmlns="">
       <p:timing>
         <p:tnLst>
           <p:par>
@@ -8846,7 +8846,7 @@
           <a:p>
             <a:r>
               <a:rPr lang="en-US" dirty="0"/>
-              <a:t>2019: Trainer, oversaw onboarding of ??? developers</a:t>
+              <a:t>2019: Trainer, oversaw onboarding of ~50 developers</a:t>
             </a:r>
           </a:p>
           <a:p>
